--- a/課題研究/2016/鈴木博文/最終発表/1442068_鈴木博文_ポスター.pptx
+++ b/課題研究/2016/鈴木博文/最終発表/1442068_鈴木博文_ポスター.pptx
@@ -254,7 +254,7 @@
           <a:p>
             <a:fld id="{34E3704E-F03F-4AD7-81D5-3EDFBCFF4DF5}" type="datetimeFigureOut">
               <a:rPr kumimoji="1" lang="ja-JP" altLang="en-US" smtClean="0"/>
-              <a:t>2016/12/12</a:t>
+              <a:t>2016/12/14</a:t>
             </a:fld>
             <a:endParaRPr kumimoji="1" lang="ja-JP" altLang="en-US" dirty="0"/>
           </a:p>
@@ -456,7 +456,7 @@
           <a:p>
             <a:fld id="{34E3704E-F03F-4AD7-81D5-3EDFBCFF4DF5}" type="datetimeFigureOut">
               <a:rPr kumimoji="1" lang="ja-JP" altLang="en-US" smtClean="0"/>
-              <a:t>2016/12/12</a:t>
+              <a:t>2016/12/14</a:t>
             </a:fld>
             <a:endParaRPr kumimoji="1" lang="ja-JP" altLang="en-US" dirty="0"/>
           </a:p>
@@ -668,7 +668,7 @@
           <a:p>
             <a:fld id="{34E3704E-F03F-4AD7-81D5-3EDFBCFF4DF5}" type="datetimeFigureOut">
               <a:rPr kumimoji="1" lang="ja-JP" altLang="en-US" smtClean="0"/>
-              <a:t>2016/12/12</a:t>
+              <a:t>2016/12/14</a:t>
             </a:fld>
             <a:endParaRPr kumimoji="1" lang="ja-JP" altLang="en-US" dirty="0"/>
           </a:p>
@@ -870,7 +870,7 @@
           <a:p>
             <a:fld id="{34E3704E-F03F-4AD7-81D5-3EDFBCFF4DF5}" type="datetimeFigureOut">
               <a:rPr kumimoji="1" lang="ja-JP" altLang="en-US" smtClean="0"/>
-              <a:t>2016/12/12</a:t>
+              <a:t>2016/12/14</a:t>
             </a:fld>
             <a:endParaRPr kumimoji="1" lang="ja-JP" altLang="en-US" dirty="0"/>
           </a:p>
@@ -1114,7 +1114,7 @@
           <a:p>
             <a:fld id="{34E3704E-F03F-4AD7-81D5-3EDFBCFF4DF5}" type="datetimeFigureOut">
               <a:rPr kumimoji="1" lang="ja-JP" altLang="en-US" smtClean="0"/>
-              <a:t>2016/12/12</a:t>
+              <a:t>2016/12/14</a:t>
             </a:fld>
             <a:endParaRPr kumimoji="1" lang="ja-JP" altLang="en-US" dirty="0"/>
           </a:p>
@@ -1410,7 +1410,7 @@
           <a:p>
             <a:fld id="{34E3704E-F03F-4AD7-81D5-3EDFBCFF4DF5}" type="datetimeFigureOut">
               <a:rPr kumimoji="1" lang="ja-JP" altLang="en-US" smtClean="0"/>
-              <a:t>2016/12/12</a:t>
+              <a:t>2016/12/14</a:t>
             </a:fld>
             <a:endParaRPr kumimoji="1" lang="ja-JP" altLang="en-US" dirty="0"/>
           </a:p>
@@ -1841,7 +1841,7 @@
           <a:p>
             <a:fld id="{34E3704E-F03F-4AD7-81D5-3EDFBCFF4DF5}" type="datetimeFigureOut">
               <a:rPr kumimoji="1" lang="ja-JP" altLang="en-US" smtClean="0"/>
-              <a:t>2016/12/12</a:t>
+              <a:t>2016/12/14</a:t>
             </a:fld>
             <a:endParaRPr kumimoji="1" lang="ja-JP" altLang="en-US" dirty="0"/>
           </a:p>
@@ -1959,7 +1959,7 @@
           <a:p>
             <a:fld id="{34E3704E-F03F-4AD7-81D5-3EDFBCFF4DF5}" type="datetimeFigureOut">
               <a:rPr kumimoji="1" lang="ja-JP" altLang="en-US" smtClean="0"/>
-              <a:t>2016/12/12</a:t>
+              <a:t>2016/12/14</a:t>
             </a:fld>
             <a:endParaRPr kumimoji="1" lang="ja-JP" altLang="en-US" dirty="0"/>
           </a:p>
@@ -2054,7 +2054,7 @@
           <a:p>
             <a:fld id="{34E3704E-F03F-4AD7-81D5-3EDFBCFF4DF5}" type="datetimeFigureOut">
               <a:rPr kumimoji="1" lang="ja-JP" altLang="en-US" smtClean="0"/>
-              <a:t>2016/12/12</a:t>
+              <a:t>2016/12/14</a:t>
             </a:fld>
             <a:endParaRPr kumimoji="1" lang="ja-JP" altLang="en-US" dirty="0"/>
           </a:p>
@@ -2363,7 +2363,7 @@
           <a:p>
             <a:fld id="{34E3704E-F03F-4AD7-81D5-3EDFBCFF4DF5}" type="datetimeFigureOut">
               <a:rPr kumimoji="1" lang="ja-JP" altLang="en-US" smtClean="0"/>
-              <a:t>2016/12/12</a:t>
+              <a:t>2016/12/14</a:t>
             </a:fld>
             <a:endParaRPr kumimoji="1" lang="ja-JP" altLang="en-US" dirty="0"/>
           </a:p>
@@ -2620,7 +2620,7 @@
           <a:p>
             <a:fld id="{34E3704E-F03F-4AD7-81D5-3EDFBCFF4DF5}" type="datetimeFigureOut">
               <a:rPr kumimoji="1" lang="ja-JP" altLang="en-US" smtClean="0"/>
-              <a:t>2016/12/12</a:t>
+              <a:t>2016/12/14</a:t>
             </a:fld>
             <a:endParaRPr kumimoji="1" lang="ja-JP" altLang="en-US" dirty="0"/>
           </a:p>
@@ -2865,7 +2865,7 @@
           <a:p>
             <a:fld id="{34E3704E-F03F-4AD7-81D5-3EDFBCFF4DF5}" type="datetimeFigureOut">
               <a:rPr kumimoji="1" lang="ja-JP" altLang="en-US" smtClean="0"/>
-              <a:t>2016/12/12</a:t>
+              <a:t>2016/12/14</a:t>
             </a:fld>
             <a:endParaRPr kumimoji="1" lang="ja-JP" altLang="en-US" dirty="0"/>
           </a:p>
@@ -3270,6 +3270,51 @@
           <a:chExt cx="0" cy="0"/>
         </a:xfrm>
       </p:grpSpPr>
+      <p:pic>
+        <p:nvPicPr>
+          <p:cNvPr id="2" name="図 1"/>
+          <p:cNvPicPr>
+            <a:picLocks noChangeAspect="1"/>
+          </p:cNvPicPr>
+          <p:nvPr/>
+        </p:nvPicPr>
+        <p:blipFill rotWithShape="1">
+          <a:blip r:embed="rId2">
+            <a:duotone>
+              <a:schemeClr val="accent3">
+                <a:shade val="45000"/>
+                <a:satMod val="135000"/>
+              </a:schemeClr>
+              <a:prstClr val="white"/>
+            </a:duotone>
+            <a:extLst>
+              <a:ext uri="{BEBA8EAE-BF5A-486C-A8C5-ECC9F3942E4B}">
+                <a14:imgProps xmlns:a14="http://schemas.microsoft.com/office/drawing/2010/main">
+                  <a14:imgLayer r:embed="rId3">
+                    <a14:imgEffect>
+                      <a14:saturation sat="33000"/>
+                    </a14:imgEffect>
+                  </a14:imgLayer>
+                </a14:imgProps>
+              </a:ext>
+              <a:ext uri="{28A0092B-C50C-407E-A947-70E740481C1C}">
+                <a14:useLocalDpi xmlns:a14="http://schemas.microsoft.com/office/drawing/2010/main" val="0"/>
+              </a:ext>
+            </a:extLst>
+          </a:blip>
+          <a:srcRect l="21618" t="8143" r="21557" b="10518"/>
+          <a:stretch/>
+        </p:blipFill>
+        <p:spPr>
+          <a:xfrm>
+            <a:off x="3382167" y="6090489"/>
+            <a:ext cx="532753" cy="912784"/>
+          </a:xfrm>
+          <a:prstGeom prst="rect">
+            <a:avLst/>
+          </a:prstGeom>
+        </p:spPr>
+      </p:pic>
       <p:sp>
         <p:nvSpPr>
           <p:cNvPr id="128" name="正方形/長方形 127"/>
@@ -3412,7 +3457,7 @@
         <p:spPr>
           <a:xfrm>
             <a:off x="1505937" y="4294852"/>
-            <a:ext cx="13146101" cy="954107"/>
+            <a:ext cx="13943613" cy="954107"/>
           </a:xfrm>
           <a:prstGeom prst="rect">
             <a:avLst/>
@@ -3442,7 +3487,14 @@
                 <a:latin typeface="小塚ゴシック Pr6N R" panose="020B0400000000000000" pitchFamily="34" charset="-128"/>
                 <a:ea typeface="小塚ゴシック Pr6N R" panose="020B0400000000000000" pitchFamily="34" charset="-128"/>
               </a:rPr>
-              <a:t>なかでも，要介護者が増加する一方で介護者数が不足しているのが現状である。</a:t>
+              <a:t>なかでも，要介護者が増加する一方で介護者数が不足して</a:t>
+            </a:r>
+            <a:r>
+              <a:rPr lang="ja-JP" altLang="en-US" sz="2800" dirty="0">
+                <a:latin typeface="小塚ゴシック Pr6N R" panose="020B0400000000000000" pitchFamily="34" charset="-128"/>
+                <a:ea typeface="小塚ゴシック Pr6N R" panose="020B0400000000000000" pitchFamily="34" charset="-128"/>
+              </a:rPr>
+              <a:t>いるのが最大の問題である。</a:t>
             </a:r>
             <a:endParaRPr lang="ja-JP" altLang="en-US" sz="2800" dirty="0">
               <a:latin typeface="小塚ゴシック Pr6N R" panose="020B0400000000000000" pitchFamily="34" charset="-128"/>
@@ -3706,551 +3758,193 @@
           </a:p>
         </p:txBody>
       </p:sp>
-      <p:grpSp>
-        <p:nvGrpSpPr>
-          <p:cNvPr id="50" name="グループ化 49"/>
-          <p:cNvGrpSpPr/>
-          <p:nvPr/>
-        </p:nvGrpSpPr>
-        <p:grpSpPr>
-          <a:xfrm>
-            <a:off x="3381937" y="6092044"/>
-            <a:ext cx="2661347" cy="2036395"/>
-            <a:chOff x="3243392" y="5870372"/>
-            <a:chExt cx="3707077" cy="2836561"/>
-          </a:xfrm>
-        </p:grpSpPr>
-        <p:pic>
-          <p:nvPicPr>
-            <p:cNvPr id="11" name="図 10"/>
-            <p:cNvPicPr>
-              <a:picLocks noChangeAspect="1"/>
-            </p:cNvPicPr>
-            <p:nvPr/>
-          </p:nvPicPr>
-          <p:blipFill>
-            <a:blip r:embed="rId2" cstate="print">
-              <a:clrChange>
-                <a:clrFrom>
-                  <a:srgbClr val="FFFFFF"/>
-                </a:clrFrom>
-                <a:clrTo>
-                  <a:srgbClr val="FFFFFF">
-                    <a:alpha val="0"/>
-                  </a:srgbClr>
-                </a:clrTo>
-              </a:clrChange>
-              <a:duotone>
-                <a:schemeClr val="accent2">
-                  <a:shade val="45000"/>
-                  <a:satMod val="135000"/>
-                </a:schemeClr>
-                <a:prstClr val="white"/>
-              </a:duotone>
-              <a:extLst>
-                <a:ext uri="{28A0092B-C50C-407E-A947-70E740481C1C}">
-                  <a14:useLocalDpi xmlns:a14="http://schemas.microsoft.com/office/drawing/2010/main" val="0"/>
-                </a:ext>
-              </a:extLst>
-            </a:blip>
-            <a:stretch>
-              <a:fillRect/>
-            </a:stretch>
-          </p:blipFill>
-          <p:spPr>
-            <a:xfrm>
-              <a:off x="6237153" y="7432493"/>
-              <a:ext cx="713316" cy="1263615"/>
-            </a:xfrm>
-            <a:prstGeom prst="rect">
-              <a:avLst/>
-            </a:prstGeom>
-          </p:spPr>
-        </p:pic>
-        <p:pic>
-          <p:nvPicPr>
-            <p:cNvPr id="12" name="図 11"/>
-            <p:cNvPicPr>
-              <a:picLocks noChangeAspect="1"/>
-            </p:cNvPicPr>
-            <p:nvPr/>
-          </p:nvPicPr>
-          <p:blipFill>
-            <a:blip r:embed="rId3" cstate="print">
-              <a:clrChange>
-                <a:clrFrom>
-                  <a:srgbClr val="FFFFFF"/>
-                </a:clrFrom>
-                <a:clrTo>
-                  <a:srgbClr val="FFFFFF">
-                    <a:alpha val="0"/>
-                  </a:srgbClr>
-                </a:clrTo>
-              </a:clrChange>
-              <a:duotone>
-                <a:schemeClr val="accent3">
-                  <a:shade val="45000"/>
-                  <a:satMod val="135000"/>
-                </a:schemeClr>
-                <a:prstClr val="white"/>
-              </a:duotone>
-              <a:extLst>
-                <a:ext uri="{28A0092B-C50C-407E-A947-70E740481C1C}">
-                  <a14:useLocalDpi xmlns:a14="http://schemas.microsoft.com/office/drawing/2010/main" val="0"/>
-                </a:ext>
-              </a:extLst>
-            </a:blip>
-            <a:stretch>
-              <a:fillRect/>
-            </a:stretch>
-          </p:blipFill>
-          <p:spPr>
-            <a:xfrm>
-              <a:off x="3243392" y="7428773"/>
-              <a:ext cx="760149" cy="1267335"/>
-            </a:xfrm>
-            <a:prstGeom prst="rect">
-              <a:avLst/>
-            </a:prstGeom>
-          </p:spPr>
-        </p:pic>
-        <p:pic>
-          <p:nvPicPr>
-            <p:cNvPr id="15" name="図 14"/>
-            <p:cNvPicPr>
-              <a:picLocks noChangeAspect="1"/>
-            </p:cNvPicPr>
-            <p:nvPr/>
-          </p:nvPicPr>
-          <p:blipFill>
-            <a:blip r:embed="rId2" cstate="print">
-              <a:clrChange>
-                <a:clrFrom>
-                  <a:srgbClr val="FFFFFF"/>
-                </a:clrFrom>
-                <a:clrTo>
-                  <a:srgbClr val="FFFFFF">
-                    <a:alpha val="0"/>
-                  </a:srgbClr>
-                </a:clrTo>
-              </a:clrChange>
-              <a:duotone>
-                <a:schemeClr val="accent2">
-                  <a:shade val="45000"/>
-                  <a:satMod val="135000"/>
-                </a:schemeClr>
-                <a:prstClr val="white"/>
-              </a:duotone>
-              <a:extLst>
-                <a:ext uri="{28A0092B-C50C-407E-A947-70E740481C1C}">
-                  <a14:useLocalDpi xmlns:a14="http://schemas.microsoft.com/office/drawing/2010/main" val="0"/>
-                </a:ext>
-              </a:extLst>
-            </a:blip>
-            <a:stretch>
-              <a:fillRect/>
-            </a:stretch>
-          </p:blipFill>
-          <p:spPr>
-            <a:xfrm>
-              <a:off x="5500421" y="7432493"/>
-              <a:ext cx="713316" cy="1263615"/>
-            </a:xfrm>
-            <a:prstGeom prst="rect">
-              <a:avLst/>
-            </a:prstGeom>
-          </p:spPr>
-        </p:pic>
-        <p:grpSp>
-          <p:nvGrpSpPr>
-            <p:cNvPr id="49" name="グループ化 48"/>
-            <p:cNvGrpSpPr/>
-            <p:nvPr/>
-          </p:nvGrpSpPr>
-          <p:grpSpPr>
-            <a:xfrm>
-              <a:off x="3243392" y="5870372"/>
-              <a:ext cx="3707077" cy="1274440"/>
-              <a:chOff x="3243392" y="5870372"/>
-              <a:chExt cx="3707077" cy="1274440"/>
-            </a:xfrm>
-          </p:grpSpPr>
-          <p:pic>
-            <p:nvPicPr>
-              <p:cNvPr id="4" name="図 3"/>
-              <p:cNvPicPr>
-                <a:picLocks noChangeAspect="1"/>
-              </p:cNvPicPr>
-              <p:nvPr/>
-            </p:nvPicPr>
-            <p:blipFill>
-              <a:blip r:embed="rId4" cstate="print">
-                <a:clrChange>
-                  <a:clrFrom>
-                    <a:srgbClr val="FFFFFF"/>
-                  </a:clrFrom>
-                  <a:clrTo>
-                    <a:srgbClr val="FFFFFF">
-                      <a:alpha val="0"/>
-                    </a:srgbClr>
-                  </a:clrTo>
-                </a:clrChange>
-                <a:duotone>
-                  <a:schemeClr val="accent2">
-                    <a:shade val="45000"/>
-                    <a:satMod val="135000"/>
-                  </a:schemeClr>
-                  <a:prstClr val="white"/>
-                </a:duotone>
-                <a:extLst>
-                  <a:ext uri="{28A0092B-C50C-407E-A947-70E740481C1C}">
-                    <a14:useLocalDpi xmlns:a14="http://schemas.microsoft.com/office/drawing/2010/main" val="0"/>
-                  </a:ext>
-                </a:extLst>
-              </a:blip>
-              <a:stretch>
-                <a:fillRect/>
-              </a:stretch>
-            </p:blipFill>
-            <p:spPr>
-              <a:xfrm>
-                <a:off x="6237153" y="5870372"/>
-                <a:ext cx="713316" cy="1270698"/>
-              </a:xfrm>
-              <a:prstGeom prst="rect">
-                <a:avLst/>
-              </a:prstGeom>
-            </p:spPr>
-          </p:pic>
-          <p:pic>
-            <p:nvPicPr>
-              <p:cNvPr id="7" name="図 6"/>
-              <p:cNvPicPr>
-                <a:picLocks noChangeAspect="1"/>
-              </p:cNvPicPr>
-              <p:nvPr/>
-            </p:nvPicPr>
-            <p:blipFill>
-              <a:blip r:embed="rId5" cstate="print">
-                <a:clrChange>
-                  <a:clrFrom>
-                    <a:srgbClr val="FFFFFF"/>
-                  </a:clrFrom>
-                  <a:clrTo>
-                    <a:srgbClr val="FFFFFF">
-                      <a:alpha val="0"/>
-                    </a:srgbClr>
-                  </a:clrTo>
-                </a:clrChange>
-                <a:duotone>
-                  <a:schemeClr val="accent3">
-                    <a:shade val="45000"/>
-                    <a:satMod val="135000"/>
-                  </a:schemeClr>
-                  <a:prstClr val="white"/>
-                </a:duotone>
-                <a:extLst>
-                  <a:ext uri="{28A0092B-C50C-407E-A947-70E740481C1C}">
-                    <a14:useLocalDpi xmlns:a14="http://schemas.microsoft.com/office/drawing/2010/main" val="0"/>
-                  </a:ext>
-                </a:extLst>
-              </a:blip>
-              <a:stretch>
-                <a:fillRect/>
-              </a:stretch>
-            </p:blipFill>
-            <p:spPr>
-              <a:xfrm>
-                <a:off x="3243392" y="5870372"/>
-                <a:ext cx="760149" cy="1274440"/>
-              </a:xfrm>
-              <a:prstGeom prst="rect">
-                <a:avLst/>
-              </a:prstGeom>
-            </p:spPr>
-          </p:pic>
-          <p:pic>
-            <p:nvPicPr>
-              <p:cNvPr id="8" name="図 7"/>
-              <p:cNvPicPr>
-                <a:picLocks noChangeAspect="1"/>
-              </p:cNvPicPr>
-              <p:nvPr/>
-            </p:nvPicPr>
-            <p:blipFill>
-              <a:blip r:embed="rId5" cstate="print">
-                <a:clrChange>
-                  <a:clrFrom>
-                    <a:srgbClr val="FFFFFF"/>
-                  </a:clrFrom>
-                  <a:clrTo>
-                    <a:srgbClr val="FFFFFF">
-                      <a:alpha val="0"/>
-                    </a:srgbClr>
-                  </a:clrTo>
-                </a:clrChange>
-                <a:duotone>
-                  <a:schemeClr val="accent3">
-                    <a:shade val="45000"/>
-                    <a:satMod val="135000"/>
-                  </a:schemeClr>
-                  <a:prstClr val="white"/>
-                </a:duotone>
-                <a:extLst>
-                  <a:ext uri="{28A0092B-C50C-407E-A947-70E740481C1C}">
-                    <a14:useLocalDpi xmlns:a14="http://schemas.microsoft.com/office/drawing/2010/main" val="0"/>
-                  </a:ext>
-                </a:extLst>
-              </a:blip>
-              <a:stretch>
-                <a:fillRect/>
-              </a:stretch>
-            </p:blipFill>
-            <p:spPr>
-              <a:xfrm>
-                <a:off x="4003541" y="5870372"/>
-                <a:ext cx="760149" cy="1274440"/>
-              </a:xfrm>
-              <a:prstGeom prst="rect">
-                <a:avLst/>
-              </a:prstGeom>
-            </p:spPr>
-          </p:pic>
-          <p:pic>
-            <p:nvPicPr>
-              <p:cNvPr id="9" name="図 8"/>
-              <p:cNvPicPr>
-                <a:picLocks noChangeAspect="1"/>
-              </p:cNvPicPr>
-              <p:nvPr/>
-            </p:nvPicPr>
-            <p:blipFill>
-              <a:blip r:embed="rId5" cstate="print">
-                <a:clrChange>
-                  <a:clrFrom>
-                    <a:srgbClr val="FFFFFF"/>
-                  </a:clrFrom>
-                  <a:clrTo>
-                    <a:srgbClr val="FFFFFF">
-                      <a:alpha val="0"/>
-                    </a:srgbClr>
-                  </a:clrTo>
-                </a:clrChange>
-                <a:duotone>
-                  <a:schemeClr val="accent3">
-                    <a:shade val="45000"/>
-                    <a:satMod val="135000"/>
-                  </a:schemeClr>
-                  <a:prstClr val="white"/>
-                </a:duotone>
-                <a:extLst>
-                  <a:ext uri="{28A0092B-C50C-407E-A947-70E740481C1C}">
-                    <a14:useLocalDpi xmlns:a14="http://schemas.microsoft.com/office/drawing/2010/main" val="0"/>
-                  </a:ext>
-                </a:extLst>
-              </a:blip>
-              <a:stretch>
-                <a:fillRect/>
-              </a:stretch>
-            </p:blipFill>
-            <p:spPr>
-              <a:xfrm>
-                <a:off x="4763690" y="5870372"/>
-                <a:ext cx="760149" cy="1274440"/>
-              </a:xfrm>
-              <a:prstGeom prst="rect">
-                <a:avLst/>
-              </a:prstGeom>
-            </p:spPr>
-          </p:pic>
-          <p:pic>
-            <p:nvPicPr>
-              <p:cNvPr id="33" name="図 32"/>
-              <p:cNvPicPr>
-                <a:picLocks noChangeAspect="1"/>
-              </p:cNvPicPr>
-              <p:nvPr/>
-            </p:nvPicPr>
-            <p:blipFill rotWithShape="1">
-              <a:blip r:embed="rId5" cstate="print">
-                <a:clrChange>
-                  <a:clrFrom>
-                    <a:srgbClr val="FFFFFF"/>
-                  </a:clrFrom>
-                  <a:clrTo>
-                    <a:srgbClr val="FFFFFF">
-                      <a:alpha val="0"/>
-                    </a:srgbClr>
-                  </a:clrTo>
-                </a:clrChange>
-                <a:duotone>
-                  <a:schemeClr val="accent3">
-                    <a:shade val="45000"/>
-                    <a:satMod val="135000"/>
-                  </a:schemeClr>
-                  <a:prstClr val="white"/>
-                </a:duotone>
-                <a:extLst>
-                  <a:ext uri="{28A0092B-C50C-407E-A947-70E740481C1C}">
-                    <a14:useLocalDpi xmlns:a14="http://schemas.microsoft.com/office/drawing/2010/main" val="0"/>
-                  </a:ext>
-                </a:extLst>
-              </a:blip>
-              <a:srcRect r="26311"/>
-              <a:stretch/>
-            </p:blipFill>
-            <p:spPr>
-              <a:xfrm>
-                <a:off x="5523840" y="5870372"/>
-                <a:ext cx="560144" cy="1274440"/>
-              </a:xfrm>
-              <a:prstGeom prst="rect">
-                <a:avLst/>
-              </a:prstGeom>
-            </p:spPr>
-          </p:pic>
-          <p:pic>
-            <p:nvPicPr>
-              <p:cNvPr id="34" name="図 33"/>
-              <p:cNvPicPr>
-                <a:picLocks noChangeAspect="1"/>
-              </p:cNvPicPr>
-              <p:nvPr/>
-            </p:nvPicPr>
-            <p:blipFill rotWithShape="1">
-              <a:blip r:embed="rId4" cstate="print">
-                <a:clrChange>
-                  <a:clrFrom>
-                    <a:srgbClr val="FFFFFF"/>
-                  </a:clrFrom>
-                  <a:clrTo>
-                    <a:srgbClr val="FFFFFF">
-                      <a:alpha val="0"/>
-                    </a:srgbClr>
-                  </a:clrTo>
-                </a:clrChange>
-                <a:duotone>
-                  <a:schemeClr val="accent2">
-                    <a:shade val="45000"/>
-                    <a:satMod val="135000"/>
-                  </a:schemeClr>
-                  <a:prstClr val="white"/>
-                </a:duotone>
-                <a:extLst>
-                  <a:ext uri="{28A0092B-C50C-407E-A947-70E740481C1C}">
-                    <a14:useLocalDpi xmlns:a14="http://schemas.microsoft.com/office/drawing/2010/main" val="0"/>
-                  </a:ext>
-                </a:extLst>
-              </a:blip>
-              <a:srcRect l="78527"/>
-              <a:stretch/>
-            </p:blipFill>
-            <p:spPr>
-              <a:xfrm>
-                <a:off x="6083982" y="5870372"/>
-                <a:ext cx="153171" cy="1270698"/>
-              </a:xfrm>
-              <a:prstGeom prst="rect">
-                <a:avLst/>
-              </a:prstGeom>
-            </p:spPr>
-          </p:pic>
-        </p:grpSp>
-        <p:pic>
-          <p:nvPicPr>
-            <p:cNvPr id="35" name="図 34"/>
-            <p:cNvPicPr>
-              <a:picLocks noChangeAspect="1"/>
-            </p:cNvPicPr>
-            <p:nvPr/>
-          </p:nvPicPr>
-          <p:blipFill>
-            <a:blip r:embed="rId5" cstate="print">
-              <a:clrChange>
-                <a:clrFrom>
-                  <a:srgbClr val="FFFFFF"/>
-                </a:clrFrom>
-                <a:clrTo>
-                  <a:srgbClr val="FFFFFF">
-                    <a:alpha val="0"/>
-                  </a:srgbClr>
-                </a:clrTo>
-              </a:clrChange>
-              <a:duotone>
-                <a:schemeClr val="accent3">
-                  <a:shade val="45000"/>
-                  <a:satMod val="135000"/>
-                </a:schemeClr>
-                <a:prstClr val="white"/>
-              </a:duotone>
-              <a:extLst>
-                <a:ext uri="{28A0092B-C50C-407E-A947-70E740481C1C}">
-                  <a14:useLocalDpi xmlns:a14="http://schemas.microsoft.com/office/drawing/2010/main" val="0"/>
-                </a:ext>
-              </a:extLst>
-            </a:blip>
-            <a:stretch>
-              <a:fillRect/>
-            </a:stretch>
-          </p:blipFill>
-          <p:spPr>
-            <a:xfrm>
-              <a:off x="4003537" y="7432493"/>
-              <a:ext cx="760149" cy="1274440"/>
-            </a:xfrm>
-            <a:prstGeom prst="rect">
-              <a:avLst/>
-            </a:prstGeom>
-          </p:spPr>
-        </p:pic>
-        <p:pic>
-          <p:nvPicPr>
-            <p:cNvPr id="36" name="図 35"/>
-            <p:cNvPicPr>
-              <a:picLocks noChangeAspect="1"/>
-            </p:cNvPicPr>
-            <p:nvPr/>
-          </p:nvPicPr>
-          <p:blipFill>
-            <a:blip r:embed="rId5" cstate="print">
-              <a:clrChange>
-                <a:clrFrom>
-                  <a:srgbClr val="FFFFFF"/>
-                </a:clrFrom>
-                <a:clrTo>
-                  <a:srgbClr val="FFFFFF">
-                    <a:alpha val="0"/>
-                  </a:srgbClr>
-                </a:clrTo>
-              </a:clrChange>
-              <a:duotone>
-                <a:schemeClr val="accent3">
-                  <a:shade val="45000"/>
-                  <a:satMod val="135000"/>
-                </a:schemeClr>
-                <a:prstClr val="white"/>
-              </a:duotone>
-              <a:extLst>
-                <a:ext uri="{28A0092B-C50C-407E-A947-70E740481C1C}">
-                  <a14:useLocalDpi xmlns:a14="http://schemas.microsoft.com/office/drawing/2010/main" val="0"/>
-                </a:ext>
-              </a:extLst>
-            </a:blip>
-            <a:stretch>
-              <a:fillRect/>
-            </a:stretch>
-          </p:blipFill>
-          <p:spPr>
-            <a:xfrm>
-              <a:off x="4763686" y="7432493"/>
-              <a:ext cx="760149" cy="1274440"/>
-            </a:xfrm>
-            <a:prstGeom prst="rect">
-              <a:avLst/>
-            </a:prstGeom>
-          </p:spPr>
-        </p:pic>
-      </p:grpSp>
+      <p:pic>
+        <p:nvPicPr>
+          <p:cNvPr id="11" name="図 10"/>
+          <p:cNvPicPr>
+            <a:picLocks noChangeAspect="1"/>
+          </p:cNvPicPr>
+          <p:nvPr/>
+        </p:nvPicPr>
+        <p:blipFill>
+          <a:blip r:embed="rId4" cstate="print">
+            <a:clrChange>
+              <a:clrFrom>
+                <a:srgbClr val="FFFFFF"/>
+              </a:clrFrom>
+              <a:clrTo>
+                <a:srgbClr val="FFFFFF">
+                  <a:alpha val="0"/>
+                </a:srgbClr>
+              </a:clrTo>
+            </a:clrChange>
+            <a:duotone>
+              <a:schemeClr val="accent2">
+                <a:shade val="45000"/>
+                <a:satMod val="135000"/>
+              </a:schemeClr>
+              <a:prstClr val="white"/>
+            </a:duotone>
+            <a:extLst>
+              <a:ext uri="{28A0092B-C50C-407E-A947-70E740481C1C}">
+                <a14:useLocalDpi xmlns:a14="http://schemas.microsoft.com/office/drawing/2010/main" val="0"/>
+              </a:ext>
+            </a:extLst>
+          </a:blip>
+          <a:stretch>
+            <a:fillRect/>
+          </a:stretch>
+        </p:blipFill>
+        <p:spPr>
+          <a:xfrm>
+            <a:off x="5531187" y="7213506"/>
+            <a:ext cx="512097" cy="907162"/>
+          </a:xfrm>
+          <a:prstGeom prst="rect">
+            <a:avLst/>
+          </a:prstGeom>
+        </p:spPr>
+      </p:pic>
+      <p:pic>
+        <p:nvPicPr>
+          <p:cNvPr id="15" name="図 14"/>
+          <p:cNvPicPr>
+            <a:picLocks noChangeAspect="1"/>
+          </p:cNvPicPr>
+          <p:nvPr/>
+        </p:nvPicPr>
+        <p:blipFill>
+          <a:blip r:embed="rId4" cstate="print">
+            <a:clrChange>
+              <a:clrFrom>
+                <a:srgbClr val="FFFFFF"/>
+              </a:clrFrom>
+              <a:clrTo>
+                <a:srgbClr val="FFFFFF">
+                  <a:alpha val="0"/>
+                </a:srgbClr>
+              </a:clrTo>
+            </a:clrChange>
+            <a:duotone>
+              <a:schemeClr val="accent2">
+                <a:shade val="45000"/>
+                <a:satMod val="135000"/>
+              </a:schemeClr>
+              <a:prstClr val="white"/>
+            </a:duotone>
+            <a:extLst>
+              <a:ext uri="{28A0092B-C50C-407E-A947-70E740481C1C}">
+                <a14:useLocalDpi xmlns:a14="http://schemas.microsoft.com/office/drawing/2010/main" val="0"/>
+              </a:ext>
+            </a:extLst>
+          </a:blip>
+          <a:stretch>
+            <a:fillRect/>
+          </a:stretch>
+        </p:blipFill>
+        <p:spPr>
+          <a:xfrm>
+            <a:off x="5002280" y="7213506"/>
+            <a:ext cx="512097" cy="907162"/>
+          </a:xfrm>
+          <a:prstGeom prst="rect">
+            <a:avLst/>
+          </a:prstGeom>
+        </p:spPr>
+      </p:pic>
+      <p:pic>
+        <p:nvPicPr>
+          <p:cNvPr id="4" name="図 3"/>
+          <p:cNvPicPr>
+            <a:picLocks noChangeAspect="1"/>
+          </p:cNvPicPr>
+          <p:nvPr/>
+        </p:nvPicPr>
+        <p:blipFill>
+          <a:blip r:embed="rId5" cstate="print">
+            <a:clrChange>
+              <a:clrFrom>
+                <a:srgbClr val="FFFFFF"/>
+              </a:clrFrom>
+              <a:clrTo>
+                <a:srgbClr val="FFFFFF">
+                  <a:alpha val="0"/>
+                </a:srgbClr>
+              </a:clrTo>
+            </a:clrChange>
+            <a:duotone>
+              <a:schemeClr val="accent2">
+                <a:shade val="45000"/>
+                <a:satMod val="135000"/>
+              </a:schemeClr>
+              <a:prstClr val="white"/>
+            </a:duotone>
+            <a:extLst>
+              <a:ext uri="{28A0092B-C50C-407E-A947-70E740481C1C}">
+                <a14:useLocalDpi xmlns:a14="http://schemas.microsoft.com/office/drawing/2010/main" val="0"/>
+              </a:ext>
+            </a:extLst>
+          </a:blip>
+          <a:stretch>
+            <a:fillRect/>
+          </a:stretch>
+        </p:blipFill>
+        <p:spPr>
+          <a:xfrm>
+            <a:off x="5531187" y="6092044"/>
+            <a:ext cx="512097" cy="912247"/>
+          </a:xfrm>
+          <a:prstGeom prst="rect">
+            <a:avLst/>
+          </a:prstGeom>
+        </p:spPr>
+      </p:pic>
+      <p:pic>
+        <p:nvPicPr>
+          <p:cNvPr id="34" name="図 33"/>
+          <p:cNvPicPr>
+            <a:picLocks noChangeAspect="1"/>
+          </p:cNvPicPr>
+          <p:nvPr/>
+        </p:nvPicPr>
+        <p:blipFill rotWithShape="1">
+          <a:blip r:embed="rId5" cstate="print">
+            <a:clrChange>
+              <a:clrFrom>
+                <a:srgbClr val="FFFFFF"/>
+              </a:clrFrom>
+              <a:clrTo>
+                <a:srgbClr val="FFFFFF">
+                  <a:alpha val="0"/>
+                </a:srgbClr>
+              </a:clrTo>
+            </a:clrChange>
+            <a:duotone>
+              <a:schemeClr val="accent2">
+                <a:shade val="45000"/>
+                <a:satMod val="135000"/>
+              </a:schemeClr>
+              <a:prstClr val="white"/>
+            </a:duotone>
+            <a:extLst>
+              <a:ext uri="{28A0092B-C50C-407E-A947-70E740481C1C}">
+                <a14:useLocalDpi xmlns:a14="http://schemas.microsoft.com/office/drawing/2010/main" val="0"/>
+              </a:ext>
+            </a:extLst>
+          </a:blip>
+          <a:srcRect l="77769"/>
+          <a:stretch/>
+        </p:blipFill>
+        <p:spPr>
+          <a:xfrm>
+            <a:off x="5417344" y="6092044"/>
+            <a:ext cx="113843" cy="912247"/>
+          </a:xfrm>
+          <a:prstGeom prst="rect">
+            <a:avLst/>
+          </a:prstGeom>
+        </p:spPr>
+      </p:pic>
       <p:sp>
         <p:nvSpPr>
           <p:cNvPr id="37" name="テキスト ボックス 36"/>
@@ -4419,301 +4113,154 @@
           </a:p>
         </p:txBody>
       </p:sp>
-      <p:grpSp>
-        <p:nvGrpSpPr>
-          <p:cNvPr id="54" name="グループ化 53"/>
-          <p:cNvGrpSpPr/>
-          <p:nvPr/>
-        </p:nvGrpSpPr>
-        <p:grpSpPr>
-          <a:xfrm>
-            <a:off x="13812907" y="6102575"/>
-            <a:ext cx="1633051" cy="2091630"/>
-            <a:chOff x="13812907" y="5880903"/>
-            <a:chExt cx="2203665" cy="2822478"/>
-          </a:xfrm>
-        </p:grpSpPr>
-        <p:pic>
-          <p:nvPicPr>
-            <p:cNvPr id="3" name="図 2"/>
-            <p:cNvPicPr>
-              <a:picLocks noChangeAspect="1"/>
-            </p:cNvPicPr>
-            <p:nvPr/>
-          </p:nvPicPr>
-          <p:blipFill>
-            <a:blip r:embed="rId6" cstate="print">
-              <a:clrChange>
-                <a:clrFrom>
-                  <a:srgbClr val="E31840"/>
-                </a:clrFrom>
-                <a:clrTo>
-                  <a:srgbClr val="E31840">
-                    <a:alpha val="0"/>
-                  </a:srgbClr>
-                </a:clrTo>
-              </a:clrChange>
-              <a:duotone>
-                <a:schemeClr val="accent6">
-                  <a:shade val="45000"/>
-                  <a:satMod val="135000"/>
-                </a:schemeClr>
-                <a:prstClr val="white"/>
-              </a:duotone>
-              <a:extLst>
-                <a:ext uri="{28A0092B-C50C-407E-A947-70E740481C1C}">
-                  <a14:useLocalDpi xmlns:a14="http://schemas.microsoft.com/office/drawing/2010/main" val="0"/>
-                </a:ext>
-              </a:extLst>
-            </a:blip>
-            <a:stretch>
-              <a:fillRect/>
-            </a:stretch>
-          </p:blipFill>
-          <p:spPr>
-            <a:xfrm flipH="1">
-              <a:off x="13812907" y="5880904"/>
-              <a:ext cx="524224" cy="1267335"/>
-            </a:xfrm>
-            <a:prstGeom prst="rect">
-              <a:avLst/>
-            </a:prstGeom>
-          </p:spPr>
-        </p:pic>
-        <p:pic>
-          <p:nvPicPr>
-            <p:cNvPr id="72" name="図 71"/>
-            <p:cNvPicPr>
-              <a:picLocks noChangeAspect="1"/>
-            </p:cNvPicPr>
-            <p:nvPr/>
-          </p:nvPicPr>
-          <p:blipFill rotWithShape="1">
-            <a:blip r:embed="rId7" cstate="print">
-              <a:clrChange>
-                <a:clrFrom>
-                  <a:srgbClr val="E31840"/>
-                </a:clrFrom>
-                <a:clrTo>
-                  <a:srgbClr val="E31840">
-                    <a:alpha val="0"/>
-                  </a:srgbClr>
-                </a:clrTo>
-              </a:clrChange>
-              <a:duotone>
-                <a:schemeClr val="accent6">
-                  <a:shade val="45000"/>
-                  <a:satMod val="135000"/>
-                </a:schemeClr>
-                <a:prstClr val="white"/>
-              </a:duotone>
-              <a:extLst>
-                <a:ext uri="{28A0092B-C50C-407E-A947-70E740481C1C}">
-                  <a14:useLocalDpi xmlns:a14="http://schemas.microsoft.com/office/drawing/2010/main" val="0"/>
-                </a:ext>
-              </a:extLst>
-            </a:blip>
-            <a:srcRect l="81527"/>
-            <a:stretch/>
-          </p:blipFill>
-          <p:spPr>
-            <a:xfrm flipH="1">
-              <a:off x="14424307" y="5880903"/>
-              <a:ext cx="96840" cy="1267335"/>
-            </a:xfrm>
-            <a:prstGeom prst="rect">
-              <a:avLst/>
-            </a:prstGeom>
-          </p:spPr>
-        </p:pic>
-        <p:pic>
-          <p:nvPicPr>
-            <p:cNvPr id="76" name="図 75"/>
-            <p:cNvPicPr>
-              <a:picLocks noChangeAspect="1"/>
-            </p:cNvPicPr>
-            <p:nvPr/>
-          </p:nvPicPr>
-          <p:blipFill>
-            <a:blip r:embed="rId6" cstate="print">
-              <a:clrChange>
-                <a:clrFrom>
-                  <a:srgbClr val="E31840"/>
-                </a:clrFrom>
-                <a:clrTo>
-                  <a:srgbClr val="E31840">
-                    <a:alpha val="0"/>
-                  </a:srgbClr>
-                </a:clrTo>
-              </a:clrChange>
-              <a:duotone>
-                <a:schemeClr val="accent6">
-                  <a:shade val="45000"/>
-                  <a:satMod val="135000"/>
-                </a:schemeClr>
-                <a:prstClr val="white"/>
-              </a:duotone>
-              <a:extLst>
-                <a:ext uri="{28A0092B-C50C-407E-A947-70E740481C1C}">
-                  <a14:useLocalDpi xmlns:a14="http://schemas.microsoft.com/office/drawing/2010/main" val="0"/>
-                </a:ext>
-              </a:extLst>
-            </a:blip>
-            <a:stretch>
-              <a:fillRect/>
-            </a:stretch>
-          </p:blipFill>
-          <p:spPr>
-            <a:xfrm flipH="1">
-              <a:off x="13812907" y="7436046"/>
-              <a:ext cx="524224" cy="1267335"/>
-            </a:xfrm>
-            <a:prstGeom prst="rect">
-              <a:avLst/>
-            </a:prstGeom>
-          </p:spPr>
-        </p:pic>
-        <p:pic>
-          <p:nvPicPr>
-            <p:cNvPr id="77" name="図 76"/>
-            <p:cNvPicPr>
-              <a:picLocks noChangeAspect="1"/>
-            </p:cNvPicPr>
-            <p:nvPr/>
-          </p:nvPicPr>
-          <p:blipFill>
-            <a:blip r:embed="rId6" cstate="print">
-              <a:clrChange>
-                <a:clrFrom>
-                  <a:srgbClr val="E31840"/>
-                </a:clrFrom>
-                <a:clrTo>
-                  <a:srgbClr val="E31840">
-                    <a:alpha val="0"/>
-                  </a:srgbClr>
-                </a:clrTo>
-              </a:clrChange>
-              <a:duotone>
-                <a:schemeClr val="accent6">
-                  <a:shade val="45000"/>
-                  <a:satMod val="135000"/>
-                </a:schemeClr>
-                <a:prstClr val="white"/>
-              </a:duotone>
-              <a:extLst>
-                <a:ext uri="{28A0092B-C50C-407E-A947-70E740481C1C}">
-                  <a14:useLocalDpi xmlns:a14="http://schemas.microsoft.com/office/drawing/2010/main" val="0"/>
-                </a:ext>
-              </a:extLst>
-            </a:blip>
-            <a:stretch>
-              <a:fillRect/>
-            </a:stretch>
-          </p:blipFill>
-          <p:spPr>
-            <a:xfrm flipH="1">
-              <a:off x="14424307" y="7436045"/>
-              <a:ext cx="524224" cy="1267335"/>
-            </a:xfrm>
-            <a:prstGeom prst="rect">
-              <a:avLst/>
-            </a:prstGeom>
-          </p:spPr>
-        </p:pic>
-        <p:pic>
-          <p:nvPicPr>
-            <p:cNvPr id="78" name="図 77"/>
-            <p:cNvPicPr>
-              <a:picLocks noChangeAspect="1"/>
-            </p:cNvPicPr>
-            <p:nvPr/>
-          </p:nvPicPr>
-          <p:blipFill>
-            <a:blip r:embed="rId6" cstate="print">
-              <a:clrChange>
-                <a:clrFrom>
-                  <a:srgbClr val="E31840"/>
-                </a:clrFrom>
-                <a:clrTo>
-                  <a:srgbClr val="E31840">
-                    <a:alpha val="0"/>
-                  </a:srgbClr>
-                </a:clrTo>
-              </a:clrChange>
-              <a:duotone>
-                <a:schemeClr val="accent6">
-                  <a:shade val="45000"/>
-                  <a:satMod val="135000"/>
-                </a:schemeClr>
-                <a:prstClr val="white"/>
-              </a:duotone>
-              <a:extLst>
-                <a:ext uri="{28A0092B-C50C-407E-A947-70E740481C1C}">
-                  <a14:useLocalDpi xmlns:a14="http://schemas.microsoft.com/office/drawing/2010/main" val="0"/>
-                </a:ext>
-              </a:extLst>
-            </a:blip>
-            <a:stretch>
-              <a:fillRect/>
-            </a:stretch>
-          </p:blipFill>
-          <p:spPr>
-            <a:xfrm flipH="1">
-              <a:off x="15030994" y="7436045"/>
-              <a:ext cx="524224" cy="1267335"/>
-            </a:xfrm>
-            <a:prstGeom prst="rect">
-              <a:avLst/>
-            </a:prstGeom>
-          </p:spPr>
-        </p:pic>
-        <p:pic>
-          <p:nvPicPr>
-            <p:cNvPr id="79" name="図 78"/>
-            <p:cNvPicPr>
-              <a:picLocks noChangeAspect="1"/>
-            </p:cNvPicPr>
-            <p:nvPr/>
-          </p:nvPicPr>
-          <p:blipFill rotWithShape="1">
-            <a:blip r:embed="rId8" cstate="print">
-              <a:clrChange>
-                <a:clrFrom>
-                  <a:srgbClr val="E31840"/>
-                </a:clrFrom>
-                <a:clrTo>
-                  <a:srgbClr val="E31840">
-                    <a:alpha val="0"/>
-                  </a:srgbClr>
-                </a:clrTo>
-              </a:clrChange>
-              <a:duotone>
-                <a:schemeClr val="accent6">
-                  <a:shade val="45000"/>
-                  <a:satMod val="135000"/>
-                </a:schemeClr>
-                <a:prstClr val="white"/>
-              </a:duotone>
-              <a:extLst>
-                <a:ext uri="{28A0092B-C50C-407E-A947-70E740481C1C}">
-                  <a14:useLocalDpi xmlns:a14="http://schemas.microsoft.com/office/drawing/2010/main" val="0"/>
-                </a:ext>
-              </a:extLst>
-            </a:blip>
-            <a:srcRect l="29815"/>
-            <a:stretch/>
-          </p:blipFill>
-          <p:spPr>
-            <a:xfrm flipH="1">
-              <a:off x="15648645" y="7436045"/>
-              <a:ext cx="367927" cy="1267335"/>
-            </a:xfrm>
-            <a:prstGeom prst="rect">
-              <a:avLst/>
-            </a:prstGeom>
-          </p:spPr>
-        </p:pic>
-      </p:grpSp>
+      <p:pic>
+        <p:nvPicPr>
+          <p:cNvPr id="3" name="図 2"/>
+          <p:cNvPicPr>
+            <a:picLocks noChangeAspect="1"/>
+          </p:cNvPicPr>
+          <p:nvPr/>
+        </p:nvPicPr>
+        <p:blipFill>
+          <a:blip r:embed="rId6" cstate="print">
+            <a:duotone>
+              <a:schemeClr val="accent6">
+                <a:shade val="45000"/>
+                <a:satMod val="135000"/>
+              </a:schemeClr>
+              <a:prstClr val="white"/>
+            </a:duotone>
+            <a:extLst>
+              <a:ext uri="{28A0092B-C50C-407E-A947-70E740481C1C}">
+                <a14:useLocalDpi xmlns:a14="http://schemas.microsoft.com/office/drawing/2010/main" val="0"/>
+              </a:ext>
+            </a:extLst>
+          </a:blip>
+          <a:stretch>
+            <a:fillRect/>
+          </a:stretch>
+        </p:blipFill>
+        <p:spPr>
+          <a:xfrm>
+            <a:off x="13859889" y="6102576"/>
+            <a:ext cx="294518" cy="939173"/>
+          </a:xfrm>
+          <a:prstGeom prst="rect">
+            <a:avLst/>
+          </a:prstGeom>
+        </p:spPr>
+      </p:pic>
+      <p:pic>
+        <p:nvPicPr>
+          <p:cNvPr id="76" name="図 75"/>
+          <p:cNvPicPr>
+            <a:picLocks noChangeAspect="1"/>
+          </p:cNvPicPr>
+          <p:nvPr/>
+        </p:nvPicPr>
+        <p:blipFill>
+          <a:blip r:embed="rId6" cstate="print">
+            <a:duotone>
+              <a:schemeClr val="accent6">
+                <a:shade val="45000"/>
+                <a:satMod val="135000"/>
+              </a:schemeClr>
+              <a:prstClr val="white"/>
+            </a:duotone>
+            <a:extLst>
+              <a:ext uri="{28A0092B-C50C-407E-A947-70E740481C1C}">
+                <a14:useLocalDpi xmlns:a14="http://schemas.microsoft.com/office/drawing/2010/main" val="0"/>
+              </a:ext>
+            </a:extLst>
+          </a:blip>
+          <a:stretch>
+            <a:fillRect/>
+          </a:stretch>
+        </p:blipFill>
+        <p:spPr>
+          <a:xfrm>
+            <a:off x="13859889" y="7255032"/>
+            <a:ext cx="294518" cy="939173"/>
+          </a:xfrm>
+          <a:prstGeom prst="rect">
+            <a:avLst/>
+          </a:prstGeom>
+        </p:spPr>
+      </p:pic>
+      <p:pic>
+        <p:nvPicPr>
+          <p:cNvPr id="77" name="図 76"/>
+          <p:cNvPicPr>
+            <a:picLocks noChangeAspect="1"/>
+          </p:cNvPicPr>
+          <p:nvPr/>
+        </p:nvPicPr>
+        <p:blipFill>
+          <a:blip r:embed="rId6" cstate="print">
+            <a:duotone>
+              <a:schemeClr val="accent6">
+                <a:shade val="45000"/>
+                <a:satMod val="135000"/>
+              </a:schemeClr>
+              <a:prstClr val="white"/>
+            </a:duotone>
+            <a:extLst>
+              <a:ext uri="{28A0092B-C50C-407E-A947-70E740481C1C}">
+                <a14:useLocalDpi xmlns:a14="http://schemas.microsoft.com/office/drawing/2010/main" val="0"/>
+              </a:ext>
+            </a:extLst>
+          </a:blip>
+          <a:stretch>
+            <a:fillRect/>
+          </a:stretch>
+        </p:blipFill>
+        <p:spPr>
+          <a:xfrm>
+            <a:off x="14312974" y="7255031"/>
+            <a:ext cx="294518" cy="939173"/>
+          </a:xfrm>
+          <a:prstGeom prst="rect">
+            <a:avLst/>
+          </a:prstGeom>
+        </p:spPr>
+      </p:pic>
+      <p:pic>
+        <p:nvPicPr>
+          <p:cNvPr id="78" name="図 77"/>
+          <p:cNvPicPr>
+            <a:picLocks noChangeAspect="1"/>
+          </p:cNvPicPr>
+          <p:nvPr/>
+        </p:nvPicPr>
+        <p:blipFill>
+          <a:blip r:embed="rId6" cstate="print">
+            <a:duotone>
+              <a:schemeClr val="accent6">
+                <a:shade val="45000"/>
+                <a:satMod val="135000"/>
+              </a:schemeClr>
+              <a:prstClr val="white"/>
+            </a:duotone>
+            <a:extLst>
+              <a:ext uri="{28A0092B-C50C-407E-A947-70E740481C1C}">
+                <a14:useLocalDpi xmlns:a14="http://schemas.microsoft.com/office/drawing/2010/main" val="0"/>
+              </a:ext>
+            </a:extLst>
+          </a:blip>
+          <a:stretch>
+            <a:fillRect/>
+          </a:stretch>
+        </p:blipFill>
+        <p:spPr>
+          <a:xfrm>
+            <a:off x="14762566" y="7255031"/>
+            <a:ext cx="294518" cy="939173"/>
+          </a:xfrm>
+          <a:prstGeom prst="rect">
+            <a:avLst/>
+          </a:prstGeom>
+        </p:spPr>
+      </p:pic>
       <p:sp>
         <p:nvSpPr>
           <p:cNvPr id="81" name="テキスト ボックス 80"/>
@@ -4982,7 +4529,7 @@
         <p:spPr>
           <a:xfrm>
             <a:off x="1511239" y="9225804"/>
-            <a:ext cx="14694638" cy="1015663"/>
+            <a:ext cx="16544532" cy="1015663"/>
           </a:xfrm>
           <a:prstGeom prst="rect">
             <a:avLst/>
@@ -5033,7 +4580,21 @@
                 <a:latin typeface="小塚ゴシック Pr6N R" panose="020B0400000000000000" pitchFamily="34" charset="-128"/>
                 <a:ea typeface="小塚ゴシック Pr6N R" panose="020B0400000000000000" pitchFamily="34" charset="-128"/>
               </a:rPr>
-              <a:t>アプリケーションを用いた利用者管理システムを導入することを考えた。</a:t>
+              <a:t>アプリケーションを</a:t>
+            </a:r>
+            <a:r>
+              <a:rPr lang="ja-JP" altLang="en-US" sz="2800" dirty="0" smtClean="0">
+                <a:latin typeface="小塚ゴシック Pr6N R" panose="020B0400000000000000" pitchFamily="34" charset="-128"/>
+                <a:ea typeface="小塚ゴシック Pr6N R" panose="020B0400000000000000" pitchFamily="34" charset="-128"/>
+              </a:rPr>
+              <a:t>用いた流れ作業で記録できる利用者</a:t>
+            </a:r>
+            <a:r>
+              <a:rPr lang="ja-JP" altLang="en-US" sz="2800" dirty="0" smtClean="0">
+                <a:latin typeface="小塚ゴシック Pr6N R" panose="020B0400000000000000" pitchFamily="34" charset="-128"/>
+                <a:ea typeface="小塚ゴシック Pr6N R" panose="020B0400000000000000" pitchFamily="34" charset="-128"/>
+              </a:rPr>
+              <a:t>管理システムを導入することを考えた。</a:t>
             </a:r>
             <a:endParaRPr lang="ja-JP" altLang="en-US" sz="2800" dirty="0">
               <a:latin typeface="小塚ゴシック Pr6N R" panose="020B0400000000000000" pitchFamily="34" charset="-128"/>
@@ -5227,7 +4788,7 @@
           <p:nvPr/>
         </p:nvPicPr>
         <p:blipFill rotWithShape="1">
-          <a:blip r:embed="rId9">
+          <a:blip r:embed="rId7">
             <a:extLst>
               <a:ext uri="{28A0092B-C50C-407E-A947-70E740481C1C}">
                 <a14:useLocalDpi xmlns:a14="http://schemas.microsoft.com/office/drawing/2010/main" val="0"/>
@@ -5378,7 +4939,14 @@
                 <a:latin typeface="小塚ゴシック Pro M" panose="020B0700000000000000" pitchFamily="34" charset="-128"/>
                 <a:ea typeface="小塚ゴシック Pro M" panose="020B0700000000000000" pitchFamily="34" charset="-128"/>
               </a:rPr>
-              <a:t>・一部しかソフトを使用しないため，紙媒体と並行使用になる</a:t>
+              <a:t>・介護ソフトの一部しか使用</a:t>
+            </a:r>
+            <a:r>
+              <a:rPr lang="ja-JP" altLang="en-US" sz="2400" dirty="0" smtClean="0">
+                <a:latin typeface="小塚ゴシック Pro M" panose="020B0700000000000000" pitchFamily="34" charset="-128"/>
+                <a:ea typeface="小塚ゴシック Pro M" panose="020B0700000000000000" pitchFamily="34" charset="-128"/>
+              </a:rPr>
+              <a:t>しないため，紙媒体と並行使用になる</a:t>
             </a:r>
             <a:endParaRPr lang="ja-JP" altLang="en-US" sz="2400" dirty="0">
               <a:latin typeface="小塚ゴシック Pro M" panose="020B0700000000000000" pitchFamily="34" charset="-128"/>
@@ -5413,7 +4981,21 @@
                 <a:latin typeface="小塚ゴシック Pro M" panose="020B0700000000000000" pitchFamily="34" charset="-128"/>
                 <a:ea typeface="小塚ゴシック Pro M" panose="020B0700000000000000" pitchFamily="34" charset="-128"/>
               </a:rPr>
-              <a:t>・手書きによる利用者の記録は二度手間で記録漏れが発生する</a:t>
+              <a:t>・手書きによる利用者</a:t>
+            </a:r>
+            <a:r>
+              <a:rPr lang="ja-JP" altLang="en-US" sz="2400" dirty="0" smtClean="0">
+                <a:latin typeface="小塚ゴシック Pro M" panose="020B0700000000000000" pitchFamily="34" charset="-128"/>
+                <a:ea typeface="小塚ゴシック Pro M" panose="020B0700000000000000" pitchFamily="34" charset="-128"/>
+              </a:rPr>
+              <a:t>の管理は</a:t>
+            </a:r>
+            <a:r>
+              <a:rPr lang="ja-JP" altLang="en-US" sz="2400" dirty="0" smtClean="0">
+                <a:latin typeface="小塚ゴシック Pro M" panose="020B0700000000000000" pitchFamily="34" charset="-128"/>
+                <a:ea typeface="小塚ゴシック Pro M" panose="020B0700000000000000" pitchFamily="34" charset="-128"/>
+              </a:rPr>
+              <a:t>二度手間で記録漏れが発生する</a:t>
             </a:r>
             <a:endParaRPr lang="ja-JP" altLang="en-US" sz="2400" dirty="0">
               <a:latin typeface="小塚ゴシック Pro M" panose="020B0700000000000000" pitchFamily="34" charset="-128"/>
@@ -5637,8 +5219,8 @@
         </p:nvSpPr>
         <p:spPr>
           <a:xfrm>
-            <a:off x="11887069" y="14112269"/>
-            <a:ext cx="10774966" cy="2246769"/>
+            <a:off x="11613526" y="14191648"/>
+            <a:ext cx="10774966" cy="1569660"/>
           </a:xfrm>
           <a:prstGeom prst="rect">
             <a:avLst/>
@@ -5651,121 +5233,143 @@
           <a:lstStyle/>
           <a:p>
             <a:r>
-              <a:rPr lang="en-US" altLang="ja-JP" sz="2800" dirty="0" smtClean="0">
+              <a:rPr lang="en-US" altLang="ja-JP" sz="2400" dirty="0" smtClean="0">
                 <a:latin typeface="小塚ゴシック Pro M" panose="020B0700000000000000" pitchFamily="34" charset="-128"/>
                 <a:ea typeface="小塚ゴシック Pro M" panose="020B0700000000000000" pitchFamily="34" charset="-128"/>
               </a:rPr>
               <a:t>1.</a:t>
             </a:r>
             <a:r>
-              <a:rPr lang="ja-JP" altLang="en-US" sz="2800" dirty="0" smtClean="0">
-                <a:latin typeface="小塚ゴシック Pro M" panose="020B0700000000000000" pitchFamily="34" charset="-128"/>
-                <a:ea typeface="小塚ゴシック Pro M" panose="020B0700000000000000" pitchFamily="34" charset="-128"/>
-              </a:rPr>
-              <a:t> 介護施設にてシステム化すべき項目をインタビュー。</a:t>
-            </a:r>
-            <a:endParaRPr lang="en-US" altLang="ja-JP" sz="2800" dirty="0" smtClean="0">
+              <a:rPr lang="ja-JP" altLang="en-US" sz="2400" dirty="0" smtClean="0">
+                <a:latin typeface="小塚ゴシック Pro M" panose="020B0700000000000000" pitchFamily="34" charset="-128"/>
+                <a:ea typeface="小塚ゴシック Pro M" panose="020B0700000000000000" pitchFamily="34" charset="-128"/>
+              </a:rPr>
+              <a:t> 介護</a:t>
+            </a:r>
+            <a:r>
+              <a:rPr lang="ja-JP" altLang="en-US" sz="2400" dirty="0" smtClean="0">
+                <a:latin typeface="小塚ゴシック Pro M" panose="020B0700000000000000" pitchFamily="34" charset="-128"/>
+                <a:ea typeface="小塚ゴシック Pro M" panose="020B0700000000000000" pitchFamily="34" charset="-128"/>
+              </a:rPr>
+              <a:t>施設にてシステム化す</a:t>
+            </a:r>
+            <a:r>
+              <a:rPr lang="ja-JP" altLang="en-US" sz="2400" dirty="0">
+                <a:latin typeface="小塚ゴシック Pro M" panose="020B0700000000000000" pitchFamily="34" charset="-128"/>
+                <a:ea typeface="小塚ゴシック Pro M" panose="020B0700000000000000" pitchFamily="34" charset="-128"/>
+              </a:rPr>
+              <a:t>べき項目に</a:t>
+            </a:r>
+            <a:r>
+              <a:rPr lang="ja-JP" altLang="en-US" sz="2400" dirty="0" smtClean="0">
+                <a:latin typeface="小塚ゴシック Pro M" panose="020B0700000000000000" pitchFamily="34" charset="-128"/>
+                <a:ea typeface="小塚ゴシック Pro M" panose="020B0700000000000000" pitchFamily="34" charset="-128"/>
+              </a:rPr>
+              <a:t>ついてインタビュー</a:t>
+            </a:r>
+            <a:r>
+              <a:rPr lang="ja-JP" altLang="en-US" sz="2400" dirty="0">
+                <a:latin typeface="小塚ゴシック Pro M" panose="020B0700000000000000" pitchFamily="34" charset="-128"/>
+                <a:ea typeface="小塚ゴシック Pro M" panose="020B0700000000000000" pitchFamily="34" charset="-128"/>
+              </a:rPr>
+              <a:t>する。</a:t>
+            </a:r>
+            <a:endParaRPr lang="en-US" altLang="ja-JP" sz="2400" dirty="0" smtClean="0">
               <a:latin typeface="小塚ゴシック Pro M" panose="020B0700000000000000" pitchFamily="34" charset="-128"/>
               <a:ea typeface="小塚ゴシック Pro M" panose="020B0700000000000000" pitchFamily="34" charset="-128"/>
             </a:endParaRPr>
           </a:p>
           <a:p>
             <a:r>
-              <a:rPr lang="en-US" altLang="ja-JP" sz="2800" dirty="0" smtClean="0">
+              <a:rPr lang="en-US" altLang="ja-JP" sz="2400" dirty="0" smtClean="0">
                 <a:latin typeface="小塚ゴシック Pro M" panose="020B0700000000000000" pitchFamily="34" charset="-128"/>
                 <a:ea typeface="小塚ゴシック Pro M" panose="020B0700000000000000" pitchFamily="34" charset="-128"/>
               </a:rPr>
               <a:t>2.</a:t>
             </a:r>
             <a:r>
-              <a:rPr lang="ja-JP" altLang="en-US" sz="2800" dirty="0" smtClean="0">
-                <a:latin typeface="小塚ゴシック Pro M" panose="020B0700000000000000" pitchFamily="34" charset="-128"/>
-                <a:ea typeface="小塚ゴシック Pro M" panose="020B0700000000000000" pitchFamily="34" charset="-128"/>
-              </a:rPr>
-              <a:t> 調査を基に項目を決定し，デザイン案を</a:t>
-            </a:r>
-            <a:endParaRPr lang="en-US" altLang="ja-JP" sz="2800" dirty="0" smtClean="0">
+              <a:rPr lang="ja-JP" altLang="en-US" sz="2400" dirty="0" smtClean="0">
+                <a:latin typeface="小塚ゴシック Pro M" panose="020B0700000000000000" pitchFamily="34" charset="-128"/>
+                <a:ea typeface="小塚ゴシック Pro M" panose="020B0700000000000000" pitchFamily="34" charset="-128"/>
+              </a:rPr>
+              <a:t> 調査を基に項目を決定し，デザイン案</a:t>
+            </a:r>
+            <a:r>
+              <a:rPr lang="ja-JP" altLang="en-US" sz="2400" dirty="0" smtClean="0">
+                <a:latin typeface="小塚ゴシック Pro M" panose="020B0700000000000000" pitchFamily="34" charset="-128"/>
+                <a:ea typeface="小塚ゴシック Pro M" panose="020B0700000000000000" pitchFamily="34" charset="-128"/>
+              </a:rPr>
+              <a:t>を制作</a:t>
+            </a:r>
+            <a:r>
+              <a:rPr lang="ja-JP" altLang="en-US" sz="2400" dirty="0" smtClean="0">
+                <a:latin typeface="小塚ゴシック Pro M" panose="020B0700000000000000" pitchFamily="34" charset="-128"/>
+                <a:ea typeface="小塚ゴシック Pro M" panose="020B0700000000000000" pitchFamily="34" charset="-128"/>
+              </a:rPr>
+              <a:t>する（デザ科担当）。</a:t>
+            </a:r>
+            <a:endParaRPr lang="en-US" altLang="ja-JP" sz="2400" dirty="0" smtClean="0">
               <a:latin typeface="小塚ゴシック Pro M" panose="020B0700000000000000" pitchFamily="34" charset="-128"/>
               <a:ea typeface="小塚ゴシック Pro M" panose="020B0700000000000000" pitchFamily="34" charset="-128"/>
             </a:endParaRPr>
           </a:p>
           <a:p>
             <a:r>
-              <a:rPr lang="ja-JP" altLang="en-US" sz="2800" dirty="0">
-                <a:latin typeface="小塚ゴシック Pro M" panose="020B0700000000000000" pitchFamily="34" charset="-128"/>
-                <a:ea typeface="小塚ゴシック Pro M" panose="020B0700000000000000" pitchFamily="34" charset="-128"/>
-              </a:rPr>
-              <a:t>　</a:t>
-            </a:r>
-            <a:r>
-              <a:rPr lang="ja-JP" altLang="en-US" sz="2800" dirty="0" smtClean="0">
-                <a:latin typeface="小塚ゴシック Pro M" panose="020B0700000000000000" pitchFamily="34" charset="-128"/>
-                <a:ea typeface="小塚ゴシック Pro M" panose="020B0700000000000000" pitchFamily="34" charset="-128"/>
-              </a:rPr>
-              <a:t>制作する（デザ科担当）。</a:t>
-            </a:r>
-            <a:endParaRPr lang="en-US" altLang="ja-JP" sz="2800" dirty="0" smtClean="0">
+              <a:rPr lang="en-US" altLang="ja-JP" sz="2400" dirty="0" smtClean="0">
+                <a:latin typeface="小塚ゴシック Pro M" panose="020B0700000000000000" pitchFamily="34" charset="-128"/>
+                <a:ea typeface="小塚ゴシック Pro M" panose="020B0700000000000000" pitchFamily="34" charset="-128"/>
+              </a:rPr>
+              <a:t>3.</a:t>
+            </a:r>
+            <a:r>
+              <a:rPr lang="ja-JP" altLang="en-US" sz="2400" dirty="0" smtClean="0">
+                <a:latin typeface="小塚ゴシック Pro M" panose="020B0700000000000000" pitchFamily="34" charset="-128"/>
+                <a:ea typeface="小塚ゴシック Pro M" panose="020B0700000000000000" pitchFamily="34" charset="-128"/>
+              </a:rPr>
+              <a:t> デザイン案から</a:t>
+            </a:r>
+            <a:r>
+              <a:rPr lang="en-US" altLang="ja-JP" sz="2400" dirty="0" smtClean="0">
+                <a:latin typeface="小塚ゴシック Pro M" panose="020B0700000000000000" pitchFamily="34" charset="-128"/>
+                <a:ea typeface="小塚ゴシック Pro M" panose="020B0700000000000000" pitchFamily="34" charset="-128"/>
+              </a:rPr>
+              <a:t>Web</a:t>
+            </a:r>
+            <a:r>
+              <a:rPr lang="ja-JP" altLang="en-US" sz="2400" dirty="0" smtClean="0">
+                <a:latin typeface="小塚ゴシック Pro M" panose="020B0700000000000000" pitchFamily="34" charset="-128"/>
+                <a:ea typeface="小塚ゴシック Pro M" panose="020B0700000000000000" pitchFamily="34" charset="-128"/>
+              </a:rPr>
+              <a:t>アプリケーションを構築する。</a:t>
+            </a:r>
+            <a:endParaRPr lang="en-US" altLang="ja-JP" sz="2400" dirty="0" smtClean="0">
               <a:latin typeface="小塚ゴシック Pro M" panose="020B0700000000000000" pitchFamily="34" charset="-128"/>
               <a:ea typeface="小塚ゴシック Pro M" panose="020B0700000000000000" pitchFamily="34" charset="-128"/>
             </a:endParaRPr>
           </a:p>
           <a:p>
             <a:r>
-              <a:rPr lang="en-US" altLang="ja-JP" sz="2800" dirty="0" smtClean="0">
-                <a:latin typeface="小塚ゴシック Pro M" panose="020B0700000000000000" pitchFamily="34" charset="-128"/>
-                <a:ea typeface="小塚ゴシック Pro M" panose="020B0700000000000000" pitchFamily="34" charset="-128"/>
-              </a:rPr>
-              <a:t>3.</a:t>
-            </a:r>
-            <a:r>
-              <a:rPr lang="ja-JP" altLang="en-US" sz="2800" dirty="0" smtClean="0">
-                <a:latin typeface="小塚ゴシック Pro M" panose="020B0700000000000000" pitchFamily="34" charset="-128"/>
-                <a:ea typeface="小塚ゴシック Pro M" panose="020B0700000000000000" pitchFamily="34" charset="-128"/>
-              </a:rPr>
-              <a:t> デザイン案から</a:t>
-            </a:r>
-            <a:r>
-              <a:rPr lang="en-US" altLang="ja-JP" sz="2800" dirty="0" smtClean="0">
-                <a:latin typeface="小塚ゴシック Pro M" panose="020B0700000000000000" pitchFamily="34" charset="-128"/>
-                <a:ea typeface="小塚ゴシック Pro M" panose="020B0700000000000000" pitchFamily="34" charset="-128"/>
-              </a:rPr>
-              <a:t>Web</a:t>
-            </a:r>
-            <a:r>
-              <a:rPr lang="ja-JP" altLang="en-US" sz="2800" dirty="0" smtClean="0">
-                <a:latin typeface="小塚ゴシック Pro M" panose="020B0700000000000000" pitchFamily="34" charset="-128"/>
-                <a:ea typeface="小塚ゴシック Pro M" panose="020B0700000000000000" pitchFamily="34" charset="-128"/>
-              </a:rPr>
-              <a:t>アプリケーションを構築する。</a:t>
-            </a:r>
-            <a:endParaRPr lang="en-US" altLang="ja-JP" sz="2800" dirty="0" smtClean="0">
-              <a:latin typeface="小塚ゴシック Pro M" panose="020B0700000000000000" pitchFamily="34" charset="-128"/>
-              <a:ea typeface="小塚ゴシック Pro M" panose="020B0700000000000000" pitchFamily="34" charset="-128"/>
-            </a:endParaRPr>
-          </a:p>
-          <a:p>
-            <a:r>
-              <a:rPr lang="en-US" altLang="ja-JP" sz="2800" dirty="0">
+              <a:rPr lang="en-US" altLang="ja-JP" sz="2400" dirty="0">
                 <a:latin typeface="小塚ゴシック Pro M" panose="020B0700000000000000" pitchFamily="34" charset="-128"/>
                 <a:ea typeface="小塚ゴシック Pro M" panose="020B0700000000000000" pitchFamily="34" charset="-128"/>
               </a:rPr>
               <a:t>4</a:t>
             </a:r>
             <a:r>
-              <a:rPr lang="en-US" altLang="ja-JP" sz="2800" dirty="0" smtClean="0">
+              <a:rPr lang="en-US" altLang="ja-JP" sz="2400" dirty="0" smtClean="0">
                 <a:latin typeface="小塚ゴシック Pro M" panose="020B0700000000000000" pitchFamily="34" charset="-128"/>
                 <a:ea typeface="小塚ゴシック Pro M" panose="020B0700000000000000" pitchFamily="34" charset="-128"/>
               </a:rPr>
               <a:t>.</a:t>
             </a:r>
             <a:r>
-              <a:rPr lang="ja-JP" altLang="en-US" sz="2800" dirty="0" smtClean="0">
+              <a:rPr lang="ja-JP" altLang="en-US" sz="2400" dirty="0" smtClean="0">
                 <a:latin typeface="小塚ゴシック Pro M" panose="020B0700000000000000" pitchFamily="34" charset="-128"/>
                 <a:ea typeface="小塚ゴシック Pro M" panose="020B0700000000000000" pitchFamily="34" charset="-128"/>
               </a:rPr>
               <a:t> 協力施設にて成果物の検証実験を行ない，知見を得る。</a:t>
             </a:r>
-            <a:endParaRPr lang="ja-JP" altLang="en-US" sz="2800" dirty="0">
+            <a:endParaRPr lang="ja-JP" altLang="en-US" sz="2400" dirty="0">
               <a:latin typeface="小塚ゴシック Pro M" panose="020B0700000000000000" pitchFamily="34" charset="-128"/>
               <a:ea typeface="小塚ゴシック Pro M" panose="020B0700000000000000" pitchFamily="34" charset="-128"/>
             </a:endParaRPr>
@@ -6107,6 +5711,285 @@
           <p:nvPr/>
         </p:nvPicPr>
         <p:blipFill>
+          <a:blip r:embed="rId8">
+            <a:extLst>
+              <a:ext uri="{28A0092B-C50C-407E-A947-70E740481C1C}">
+                <a14:useLocalDpi xmlns:a14="http://schemas.microsoft.com/office/drawing/2010/main" val="0"/>
+              </a:ext>
+            </a:extLst>
+          </a:blip>
+          <a:stretch>
+            <a:fillRect/>
+          </a:stretch>
+        </p:blipFill>
+        <p:spPr>
+          <a:xfrm>
+            <a:off x="16055858" y="16919488"/>
+            <a:ext cx="4765441" cy="6353922"/>
+          </a:xfrm>
+          <a:prstGeom prst="rect">
+            <a:avLst/>
+          </a:prstGeom>
+        </p:spPr>
+      </p:pic>
+      <p:pic>
+        <p:nvPicPr>
+          <p:cNvPr id="111" name="図 110"/>
+          <p:cNvPicPr>
+            <a:picLocks noChangeAspect="1"/>
+          </p:cNvPicPr>
+          <p:nvPr/>
+        </p:nvPicPr>
+        <p:blipFill>
+          <a:blip r:embed="rId9">
+            <a:extLst>
+              <a:ext uri="{28A0092B-C50C-407E-A947-70E740481C1C}">
+                <a14:useLocalDpi xmlns:a14="http://schemas.microsoft.com/office/drawing/2010/main" val="0"/>
+              </a:ext>
+            </a:extLst>
+          </a:blip>
+          <a:stretch>
+            <a:fillRect/>
+          </a:stretch>
+        </p:blipFill>
+        <p:spPr>
+          <a:xfrm>
+            <a:off x="10925236" y="16919488"/>
+            <a:ext cx="4765441" cy="6353922"/>
+          </a:xfrm>
+          <a:prstGeom prst="rect">
+            <a:avLst/>
+          </a:prstGeom>
+        </p:spPr>
+      </p:pic>
+      <p:sp>
+        <p:nvSpPr>
+          <p:cNvPr id="112" name="テキスト ボックス 111"/>
+          <p:cNvSpPr txBox="1"/>
+          <p:nvPr/>
+        </p:nvSpPr>
+        <p:spPr>
+          <a:xfrm flipH="1">
+            <a:off x="10812240" y="23321799"/>
+            <a:ext cx="2805391" cy="400110"/>
+          </a:xfrm>
+          <a:prstGeom prst="rect">
+            <a:avLst/>
+          </a:prstGeom>
+          <a:noFill/>
+        </p:spPr>
+        <p:txBody>
+          <a:bodyPr wrap="square" rtlCol="0" anchor="ctr">
+            <a:spAutoFit/>
+          </a:bodyPr>
+          <a:lstStyle/>
+          <a:p>
+            <a:pPr algn="ctr"/>
+            <a:r>
+              <a:rPr lang="ja-JP" altLang="en-US" sz="2000" dirty="0" smtClean="0">
+                <a:latin typeface="小塚ゴシック Pro B" panose="020B0800000000000000" pitchFamily="34" charset="-128"/>
+                <a:ea typeface="小塚ゴシック Pro B" panose="020B0800000000000000" pitchFamily="34" charset="-128"/>
+              </a:rPr>
+              <a:t>図</a:t>
+            </a:r>
+            <a:r>
+              <a:rPr lang="en-US" altLang="ja-JP" sz="2000" dirty="0" smtClean="0">
+                <a:latin typeface="小塚ゴシック Pro B" panose="020B0800000000000000" pitchFamily="34" charset="-128"/>
+                <a:ea typeface="小塚ゴシック Pro B" panose="020B0800000000000000" pitchFamily="34" charset="-128"/>
+              </a:rPr>
+              <a:t>2</a:t>
+            </a:r>
+            <a:r>
+              <a:rPr lang="ja-JP" altLang="en-US" sz="2000" dirty="0" smtClean="0">
+                <a:latin typeface="小塚ゴシック Pro B" panose="020B0800000000000000" pitchFamily="34" charset="-128"/>
+                <a:ea typeface="小塚ゴシック Pro B" panose="020B0800000000000000" pitchFamily="34" charset="-128"/>
+              </a:rPr>
+              <a:t>　個人入力ページ</a:t>
+            </a:r>
+            <a:endParaRPr lang="en-US" altLang="ja-JP" sz="2000" dirty="0">
+              <a:latin typeface="小塚ゴシック Pro B" panose="020B0800000000000000" pitchFamily="34" charset="-128"/>
+              <a:ea typeface="小塚ゴシック Pro B" panose="020B0800000000000000" pitchFamily="34" charset="-128"/>
+            </a:endParaRPr>
+          </a:p>
+        </p:txBody>
+      </p:sp>
+      <p:sp>
+        <p:nvSpPr>
+          <p:cNvPr id="113" name="テキスト ボックス 112"/>
+          <p:cNvSpPr txBox="1"/>
+          <p:nvPr/>
+        </p:nvSpPr>
+        <p:spPr>
+          <a:xfrm flipH="1">
+            <a:off x="15832960" y="23421460"/>
+            <a:ext cx="2805391" cy="400110"/>
+          </a:xfrm>
+          <a:prstGeom prst="rect">
+            <a:avLst/>
+          </a:prstGeom>
+          <a:noFill/>
+        </p:spPr>
+        <p:txBody>
+          <a:bodyPr wrap="square" rtlCol="0" anchor="ctr">
+            <a:spAutoFit/>
+          </a:bodyPr>
+          <a:lstStyle/>
+          <a:p>
+            <a:pPr algn="ctr"/>
+            <a:r>
+              <a:rPr lang="ja-JP" altLang="en-US" sz="2000" dirty="0" smtClean="0">
+                <a:latin typeface="小塚ゴシック Pro B" panose="020B0800000000000000" pitchFamily="34" charset="-128"/>
+                <a:ea typeface="小塚ゴシック Pro B" panose="020B0800000000000000" pitchFamily="34" charset="-128"/>
+              </a:rPr>
+              <a:t>図</a:t>
+            </a:r>
+            <a:r>
+              <a:rPr lang="en-US" altLang="ja-JP" sz="2000" dirty="0" smtClean="0">
+                <a:latin typeface="小塚ゴシック Pro B" panose="020B0800000000000000" pitchFamily="34" charset="-128"/>
+                <a:ea typeface="小塚ゴシック Pro B" panose="020B0800000000000000" pitchFamily="34" charset="-128"/>
+              </a:rPr>
+              <a:t>3</a:t>
+            </a:r>
+            <a:r>
+              <a:rPr lang="ja-JP" altLang="en-US" sz="2000" dirty="0" smtClean="0">
+                <a:latin typeface="小塚ゴシック Pro B" panose="020B0800000000000000" pitchFamily="34" charset="-128"/>
+                <a:ea typeface="小塚ゴシック Pro B" panose="020B0800000000000000" pitchFamily="34" charset="-128"/>
+              </a:rPr>
+              <a:t>　表入力ページ</a:t>
+            </a:r>
+            <a:endParaRPr lang="en-US" altLang="ja-JP" sz="2000" dirty="0">
+              <a:latin typeface="小塚ゴシック Pro B" panose="020B0800000000000000" pitchFamily="34" charset="-128"/>
+              <a:ea typeface="小塚ゴシック Pro B" panose="020B0800000000000000" pitchFamily="34" charset="-128"/>
+            </a:endParaRPr>
+          </a:p>
+        </p:txBody>
+      </p:sp>
+      <p:sp>
+        <p:nvSpPr>
+          <p:cNvPr id="114" name="正方形/長方形 113"/>
+          <p:cNvSpPr/>
+          <p:nvPr/>
+        </p:nvSpPr>
+        <p:spPr>
+          <a:xfrm>
+            <a:off x="897426" y="17871738"/>
+            <a:ext cx="9779617" cy="1200329"/>
+          </a:xfrm>
+          <a:prstGeom prst="rect">
+            <a:avLst/>
+          </a:prstGeom>
+        </p:spPr>
+        <p:txBody>
+          <a:bodyPr wrap="square">
+            <a:spAutoFit/>
+          </a:bodyPr>
+          <a:lstStyle/>
+          <a:p>
+            <a:r>
+              <a:rPr lang="ja-JP" altLang="en-US" sz="2400" dirty="0" smtClean="0">
+                <a:latin typeface="小塚ゴシック Pro M" panose="020B0700000000000000" pitchFamily="34" charset="-128"/>
+                <a:ea typeface="小塚ゴシック Pro M" panose="020B0700000000000000" pitchFamily="34" charset="-128"/>
+              </a:rPr>
+              <a:t>・</a:t>
+            </a:r>
+            <a:r>
+              <a:rPr lang="en-US" altLang="ja-JP" sz="2400" dirty="0" smtClean="0">
+                <a:latin typeface="小塚ゴシック Pro M" panose="020B0700000000000000" pitchFamily="34" charset="-128"/>
+                <a:ea typeface="小塚ゴシック Pro M" panose="020B0700000000000000" pitchFamily="34" charset="-128"/>
+              </a:rPr>
+              <a:t>10</a:t>
+            </a:r>
+            <a:r>
+              <a:rPr lang="ja-JP" altLang="en-US" sz="2400" dirty="0" smtClean="0">
+                <a:latin typeface="小塚ゴシック Pro M" panose="020B0700000000000000" pitchFamily="34" charset="-128"/>
+                <a:ea typeface="小塚ゴシック Pro M" panose="020B0700000000000000" pitchFamily="34" charset="-128"/>
+              </a:rPr>
+              <a:t>月中旬</a:t>
+            </a:r>
+            <a:r>
+              <a:rPr lang="ja-JP" altLang="en-US" sz="2400" dirty="0">
+                <a:latin typeface="小塚ゴシック Pro M" panose="020B0700000000000000" pitchFamily="34" charset="-128"/>
+                <a:ea typeface="小塚ゴシック Pro M" panose="020B0700000000000000" pitchFamily="34" charset="-128"/>
+              </a:rPr>
+              <a:t>　</a:t>
+            </a:r>
+            <a:r>
+              <a:rPr lang="ja-JP" altLang="en-US" sz="2400" dirty="0" smtClean="0">
+                <a:latin typeface="小塚ゴシック Pro M" panose="020B0700000000000000" pitchFamily="34" charset="-128"/>
+                <a:ea typeface="小塚ゴシック Pro M" panose="020B0700000000000000" pitchFamily="34" charset="-128"/>
+              </a:rPr>
+              <a:t>　システム構築開始</a:t>
+            </a:r>
+            <a:endParaRPr lang="en-US" altLang="ja-JP" sz="2400" dirty="0" smtClean="0">
+              <a:latin typeface="小塚ゴシック Pro M" panose="020B0700000000000000" pitchFamily="34" charset="-128"/>
+              <a:ea typeface="小塚ゴシック Pro M" panose="020B0700000000000000" pitchFamily="34" charset="-128"/>
+            </a:endParaRPr>
+          </a:p>
+          <a:p>
+            <a:r>
+              <a:rPr lang="ja-JP" altLang="en-US" sz="2400" dirty="0" smtClean="0">
+                <a:latin typeface="小塚ゴシック Pro M" panose="020B0700000000000000" pitchFamily="34" charset="-128"/>
+                <a:ea typeface="小塚ゴシック Pro M" panose="020B0700000000000000" pitchFamily="34" charset="-128"/>
+              </a:rPr>
+              <a:t>・</a:t>
+            </a:r>
+            <a:r>
+              <a:rPr lang="en-US" altLang="ja-JP" sz="2400" dirty="0" smtClean="0">
+                <a:latin typeface="小塚ゴシック Pro M" panose="020B0700000000000000" pitchFamily="34" charset="-128"/>
+                <a:ea typeface="小塚ゴシック Pro M" panose="020B0700000000000000" pitchFamily="34" charset="-128"/>
+              </a:rPr>
+              <a:t>11</a:t>
+            </a:r>
+            <a:r>
+              <a:rPr lang="ja-JP" altLang="en-US" sz="2400" dirty="0" smtClean="0">
+                <a:latin typeface="小塚ゴシック Pro M" panose="020B0700000000000000" pitchFamily="34" charset="-128"/>
+                <a:ea typeface="小塚ゴシック Pro M" panose="020B0700000000000000" pitchFamily="34" charset="-128"/>
+              </a:rPr>
+              <a:t>月中旬　　協力施設にて担当者に説明し改善点を調査</a:t>
+            </a:r>
+            <a:endParaRPr lang="en-US" altLang="ja-JP" sz="2400" dirty="0" smtClean="0">
+              <a:latin typeface="小塚ゴシック Pro M" panose="020B0700000000000000" pitchFamily="34" charset="-128"/>
+              <a:ea typeface="小塚ゴシック Pro M" panose="020B0700000000000000" pitchFamily="34" charset="-128"/>
+            </a:endParaRPr>
+          </a:p>
+          <a:p>
+            <a:r>
+              <a:rPr lang="ja-JP" altLang="en-US" sz="2400" dirty="0" smtClean="0">
+                <a:latin typeface="小塚ゴシック Pro M" panose="020B0700000000000000" pitchFamily="34" charset="-128"/>
+                <a:ea typeface="小塚ゴシック Pro M" panose="020B0700000000000000" pitchFamily="34" charset="-128"/>
+              </a:rPr>
+              <a:t>・</a:t>
+            </a:r>
+            <a:r>
+              <a:rPr lang="en-US" altLang="ja-JP" sz="2400" dirty="0" smtClean="0">
+                <a:latin typeface="小塚ゴシック Pro M" panose="020B0700000000000000" pitchFamily="34" charset="-128"/>
+                <a:ea typeface="小塚ゴシック Pro M" panose="020B0700000000000000" pitchFamily="34" charset="-128"/>
+              </a:rPr>
+              <a:t>11</a:t>
+            </a:r>
+            <a:r>
+              <a:rPr lang="ja-JP" altLang="en-US" sz="2400" dirty="0" smtClean="0">
+                <a:latin typeface="小塚ゴシック Pro M" panose="020B0700000000000000" pitchFamily="34" charset="-128"/>
+                <a:ea typeface="小塚ゴシック Pro M" panose="020B0700000000000000" pitchFamily="34" charset="-128"/>
+              </a:rPr>
+              <a:t>月中旬～　必要項目を洗い出しシステム再構成を継続</a:t>
+            </a:r>
+            <a:endParaRPr lang="ja-JP" altLang="en-US" sz="2400" dirty="0">
+              <a:latin typeface="小塚ゴシック Pro M" panose="020B0700000000000000" pitchFamily="34" charset="-128"/>
+              <a:ea typeface="小塚ゴシック Pro M" panose="020B0700000000000000" pitchFamily="34" charset="-128"/>
+            </a:endParaRPr>
+          </a:p>
+        </p:txBody>
+      </p:sp>
+      <p:pic>
+        <p:nvPicPr>
+          <p:cNvPr id="115" name="図 114"/>
+          <p:cNvPicPr>
+            <a:picLocks noChangeAspect="1"/>
+          </p:cNvPicPr>
+          <p:nvPr/>
+        </p:nvPicPr>
+        <p:blipFill>
           <a:blip r:embed="rId10">
             <a:extLst>
               <a:ext uri="{28A0092B-C50C-407E-A947-70E740481C1C}">
@@ -6120,53 +6003,189 @@
         </p:blipFill>
         <p:spPr>
           <a:xfrm>
-            <a:off x="16055858" y="16919488"/>
-            <a:ext cx="4765442" cy="6353922"/>
+            <a:off x="840310" y="24248286"/>
+            <a:ext cx="9606750" cy="3017137"/>
           </a:xfrm>
           <a:prstGeom prst="rect">
             <a:avLst/>
           </a:prstGeom>
         </p:spPr>
       </p:pic>
-      <p:pic>
-        <p:nvPicPr>
-          <p:cNvPr id="111" name="図 110"/>
-          <p:cNvPicPr>
-            <a:picLocks noChangeAspect="1"/>
-          </p:cNvPicPr>
-          <p:nvPr/>
-        </p:nvPicPr>
-        <p:blipFill>
-          <a:blip r:embed="rId11">
-            <a:extLst>
-              <a:ext uri="{28A0092B-C50C-407E-A947-70E740481C1C}">
-                <a14:useLocalDpi xmlns:a14="http://schemas.microsoft.com/office/drawing/2010/main" val="0"/>
-              </a:ext>
-            </a:extLst>
-          </a:blip>
-          <a:stretch>
-            <a:fillRect/>
-          </a:stretch>
-        </p:blipFill>
-        <p:spPr>
-          <a:xfrm>
-            <a:off x="10925236" y="16919488"/>
-            <a:ext cx="4765442" cy="6353922"/>
+      <p:sp>
+        <p:nvSpPr>
+          <p:cNvPr id="116" name="正方形/長方形 115"/>
+          <p:cNvSpPr/>
+          <p:nvPr/>
+        </p:nvSpPr>
+        <p:spPr>
+          <a:xfrm>
+            <a:off x="822068" y="20077970"/>
+            <a:ext cx="9779617" cy="1200329"/>
           </a:xfrm>
           <a:prstGeom prst="rect">
             <a:avLst/>
           </a:prstGeom>
         </p:spPr>
-      </p:pic>
-      <p:sp>
-        <p:nvSpPr>
-          <p:cNvPr id="112" name="テキスト ボックス 111"/>
+        <p:txBody>
+          <a:bodyPr wrap="square">
+            <a:spAutoFit/>
+          </a:bodyPr>
+          <a:lstStyle/>
+          <a:p>
+            <a:r>
+              <a:rPr lang="ja-JP" altLang="en-US" sz="2400" dirty="0" smtClean="0">
+                <a:latin typeface="小塚ゴシック Pro M" panose="020B0700000000000000" pitchFamily="34" charset="-128"/>
+                <a:ea typeface="小塚ゴシック Pro M" panose="020B0700000000000000" pitchFamily="34" charset="-128"/>
+              </a:rPr>
+              <a:t>・優先的</a:t>
+            </a:r>
+            <a:r>
+              <a:rPr lang="ja-JP" altLang="en-US" sz="2400" dirty="0">
+                <a:latin typeface="小塚ゴシック Pro M" panose="020B0700000000000000" pitchFamily="34" charset="-128"/>
+                <a:ea typeface="小塚ゴシック Pro M" panose="020B0700000000000000" pitchFamily="34" charset="-128"/>
+              </a:rPr>
+              <a:t>にシステム化してほしいことについての情報を</a:t>
+            </a:r>
+            <a:r>
+              <a:rPr lang="ja-JP" altLang="en-US" sz="2400" dirty="0" smtClean="0">
+                <a:latin typeface="小塚ゴシック Pro M" panose="020B0700000000000000" pitchFamily="34" charset="-128"/>
+                <a:ea typeface="小塚ゴシック Pro M" panose="020B0700000000000000" pitchFamily="34" charset="-128"/>
+              </a:rPr>
+              <a:t>得た</a:t>
+            </a:r>
+            <a:endParaRPr lang="en-US" altLang="ja-JP" sz="2400" dirty="0" smtClean="0">
+              <a:latin typeface="小塚ゴシック Pro M" panose="020B0700000000000000" pitchFamily="34" charset="-128"/>
+              <a:ea typeface="小塚ゴシック Pro M" panose="020B0700000000000000" pitchFamily="34" charset="-128"/>
+            </a:endParaRPr>
+          </a:p>
+          <a:p>
+            <a:r>
+              <a:rPr lang="ja-JP" altLang="en-US" sz="2400" dirty="0" smtClean="0">
+                <a:latin typeface="小塚ゴシック Pro M" panose="020B0700000000000000" pitchFamily="34" charset="-128"/>
+                <a:ea typeface="小塚ゴシック Pro M" panose="020B0700000000000000" pitchFamily="34" charset="-128"/>
+              </a:rPr>
+              <a:t>・効率よく記録するための作業の流れが聞けた</a:t>
+            </a:r>
+            <a:endParaRPr lang="en-US" altLang="ja-JP" sz="2400" dirty="0" smtClean="0">
+              <a:latin typeface="小塚ゴシック Pro M" panose="020B0700000000000000" pitchFamily="34" charset="-128"/>
+              <a:ea typeface="小塚ゴシック Pro M" panose="020B0700000000000000" pitchFamily="34" charset="-128"/>
+            </a:endParaRPr>
+          </a:p>
+          <a:p>
+            <a:r>
+              <a:rPr lang="ja-JP" altLang="en-US" sz="2400" dirty="0" smtClean="0">
+                <a:latin typeface="小塚ゴシック Pro M" panose="020B0700000000000000" pitchFamily="34" charset="-128"/>
+                <a:ea typeface="小塚ゴシック Pro M" panose="020B0700000000000000" pitchFamily="34" charset="-128"/>
+              </a:rPr>
+              <a:t>・現場での介護職員への負担の大きさについて聞けた</a:t>
+            </a:r>
+            <a:endParaRPr lang="ja-JP" altLang="en-US" sz="2400" dirty="0">
+              <a:latin typeface="小塚ゴシック Pro M" panose="020B0700000000000000" pitchFamily="34" charset="-128"/>
+              <a:ea typeface="小塚ゴシック Pro M" panose="020B0700000000000000" pitchFamily="34" charset="-128"/>
+            </a:endParaRPr>
+          </a:p>
+        </p:txBody>
+      </p:sp>
+      <p:sp>
+        <p:nvSpPr>
+          <p:cNvPr id="117" name="正方形/長方形 116"/>
+          <p:cNvSpPr/>
+          <p:nvPr/>
+        </p:nvSpPr>
+        <p:spPr>
+          <a:xfrm>
+            <a:off x="948852" y="17229433"/>
+            <a:ext cx="2790417" cy="523220"/>
+          </a:xfrm>
+          <a:prstGeom prst="rect">
+            <a:avLst/>
+          </a:prstGeom>
+        </p:spPr>
+        <p:txBody>
+          <a:bodyPr wrap="square">
+            <a:spAutoFit/>
+          </a:bodyPr>
+          <a:lstStyle/>
+          <a:p>
+            <a:r>
+              <a:rPr lang="en-US" altLang="ja-JP" sz="2800" dirty="0" smtClean="0">
+                <a:latin typeface="小塚ゴシック Pro M" panose="020B0700000000000000" pitchFamily="34" charset="-128"/>
+                <a:ea typeface="小塚ゴシック Pro M" panose="020B0700000000000000" pitchFamily="34" charset="-128"/>
+              </a:rPr>
+              <a:t>5.1</a:t>
+            </a:r>
+            <a:r>
+              <a:rPr lang="ja-JP" altLang="en-US" sz="2800" dirty="0">
+                <a:latin typeface="小塚ゴシック Pro M" panose="020B0700000000000000" pitchFamily="34" charset="-128"/>
+                <a:ea typeface="小塚ゴシック Pro M" panose="020B0700000000000000" pitchFamily="34" charset="-128"/>
+              </a:rPr>
+              <a:t> </a:t>
+            </a:r>
+            <a:r>
+              <a:rPr lang="ja-JP" altLang="en-US" sz="2800" dirty="0" smtClean="0">
+                <a:latin typeface="小塚ゴシック Pro M" panose="020B0700000000000000" pitchFamily="34" charset="-128"/>
+                <a:ea typeface="小塚ゴシック Pro M" panose="020B0700000000000000" pitchFamily="34" charset="-128"/>
+              </a:rPr>
+              <a:t>研究の流れ</a:t>
+            </a:r>
+            <a:endParaRPr lang="ja-JP" altLang="en-US" sz="2800" dirty="0">
+              <a:latin typeface="小塚ゴシック Pro M" panose="020B0700000000000000" pitchFamily="34" charset="-128"/>
+              <a:ea typeface="小塚ゴシック Pro M" panose="020B0700000000000000" pitchFamily="34" charset="-128"/>
+            </a:endParaRPr>
+          </a:p>
+        </p:txBody>
+      </p:sp>
+      <p:sp>
+        <p:nvSpPr>
+          <p:cNvPr id="118" name="正方形/長方形 117"/>
+          <p:cNvSpPr/>
+          <p:nvPr/>
+        </p:nvSpPr>
+        <p:spPr>
+          <a:xfrm>
+            <a:off x="955108" y="19410837"/>
+            <a:ext cx="4047172" cy="523220"/>
+          </a:xfrm>
+          <a:prstGeom prst="rect">
+            <a:avLst/>
+          </a:prstGeom>
+        </p:spPr>
+        <p:txBody>
+          <a:bodyPr wrap="square">
+            <a:spAutoFit/>
+          </a:bodyPr>
+          <a:lstStyle/>
+          <a:p>
+            <a:r>
+              <a:rPr lang="en-US" altLang="ja-JP" sz="2800" dirty="0" smtClean="0">
+                <a:latin typeface="小塚ゴシック Pro M" panose="020B0700000000000000" pitchFamily="34" charset="-128"/>
+                <a:ea typeface="小塚ゴシック Pro M" panose="020B0700000000000000" pitchFamily="34" charset="-128"/>
+              </a:rPr>
+              <a:t>5.2</a:t>
+            </a:r>
+            <a:r>
+              <a:rPr lang="ja-JP" altLang="en-US" sz="2800" dirty="0" smtClean="0">
+                <a:latin typeface="小塚ゴシック Pro M" panose="020B0700000000000000" pitchFamily="34" charset="-128"/>
+                <a:ea typeface="小塚ゴシック Pro M" panose="020B0700000000000000" pitchFamily="34" charset="-128"/>
+              </a:rPr>
+              <a:t> インタビューの成果</a:t>
+            </a:r>
+            <a:endParaRPr lang="ja-JP" altLang="en-US" sz="2800" dirty="0">
+              <a:latin typeface="小塚ゴシック Pro M" panose="020B0700000000000000" pitchFamily="34" charset="-128"/>
+              <a:ea typeface="小塚ゴシック Pro M" panose="020B0700000000000000" pitchFamily="34" charset="-128"/>
+            </a:endParaRPr>
+          </a:p>
+        </p:txBody>
+      </p:sp>
+      <p:sp>
+        <p:nvSpPr>
+          <p:cNvPr id="119" name="テキスト ボックス 118"/>
           <p:cNvSpPr txBox="1"/>
           <p:nvPr/>
         </p:nvSpPr>
         <p:spPr>
           <a:xfrm flipH="1">
-            <a:off x="10812240" y="23321799"/>
+            <a:off x="900672" y="27420015"/>
             <a:ext cx="2805391" cy="400110"/>
           </a:xfrm>
           <a:prstGeom prst="rect">
@@ -6189,18 +6208,18 @@
               <a:t>図</a:t>
             </a:r>
             <a:r>
-              <a:rPr lang="en-US" altLang="ja-JP" sz="2000" dirty="0" smtClean="0">
+              <a:rPr lang="en-US" altLang="ja-JP" sz="2000" dirty="0">
                 <a:latin typeface="小塚ゴシック Pro B" panose="020B0800000000000000" pitchFamily="34" charset="-128"/>
                 <a:ea typeface="小塚ゴシック Pro B" panose="020B0800000000000000" pitchFamily="34" charset="-128"/>
               </a:rPr>
-              <a:t>2</a:t>
+              <a:t>1</a:t>
             </a:r>
             <a:r>
               <a:rPr lang="ja-JP" altLang="en-US" sz="2000" dirty="0" smtClean="0">
                 <a:latin typeface="小塚ゴシック Pro B" panose="020B0800000000000000" pitchFamily="34" charset="-128"/>
                 <a:ea typeface="小塚ゴシック Pro B" panose="020B0800000000000000" pitchFamily="34" charset="-128"/>
               </a:rPr>
-              <a:t>　個人入力ページ</a:t>
+              <a:t>　アーキテクチャ</a:t>
             </a:r>
             <a:endParaRPr lang="en-US" altLang="ja-JP" sz="2000" dirty="0">
               <a:latin typeface="小塚ゴシック Pro B" panose="020B0800000000000000" pitchFamily="34" charset="-128"/>
@@ -6211,65 +6230,14 @@
       </p:sp>
       <p:sp>
         <p:nvSpPr>
-          <p:cNvPr id="113" name="テキスト ボックス 112"/>
-          <p:cNvSpPr txBox="1"/>
-          <p:nvPr/>
-        </p:nvSpPr>
-        <p:spPr>
-          <a:xfrm flipH="1">
-            <a:off x="15832960" y="23421460"/>
-            <a:ext cx="2805391" cy="400110"/>
-          </a:xfrm>
-          <a:prstGeom prst="rect">
-            <a:avLst/>
-          </a:prstGeom>
-          <a:noFill/>
-        </p:spPr>
-        <p:txBody>
-          <a:bodyPr wrap="square" rtlCol="0" anchor="ctr">
-            <a:spAutoFit/>
-          </a:bodyPr>
-          <a:lstStyle/>
-          <a:p>
-            <a:pPr algn="ctr"/>
-            <a:r>
-              <a:rPr lang="ja-JP" altLang="en-US" sz="2000" dirty="0" smtClean="0">
-                <a:latin typeface="小塚ゴシック Pro B" panose="020B0800000000000000" pitchFamily="34" charset="-128"/>
-                <a:ea typeface="小塚ゴシック Pro B" panose="020B0800000000000000" pitchFamily="34" charset="-128"/>
-              </a:rPr>
-              <a:t>図</a:t>
-            </a:r>
-            <a:r>
-              <a:rPr lang="en-US" altLang="ja-JP" sz="2000" dirty="0" smtClean="0">
-                <a:latin typeface="小塚ゴシック Pro B" panose="020B0800000000000000" pitchFamily="34" charset="-128"/>
-                <a:ea typeface="小塚ゴシック Pro B" panose="020B0800000000000000" pitchFamily="34" charset="-128"/>
-              </a:rPr>
-              <a:t>3</a:t>
-            </a:r>
-            <a:r>
-              <a:rPr lang="ja-JP" altLang="en-US" sz="2000" dirty="0" smtClean="0">
-                <a:latin typeface="小塚ゴシック Pro B" panose="020B0800000000000000" pitchFamily="34" charset="-128"/>
-                <a:ea typeface="小塚ゴシック Pro B" panose="020B0800000000000000" pitchFamily="34" charset="-128"/>
-              </a:rPr>
-              <a:t>　表入力ページ</a:t>
-            </a:r>
-            <a:endParaRPr lang="en-US" altLang="ja-JP" sz="2000" dirty="0">
-              <a:latin typeface="小塚ゴシック Pro B" panose="020B0800000000000000" pitchFamily="34" charset="-128"/>
-              <a:ea typeface="小塚ゴシック Pro B" panose="020B0800000000000000" pitchFamily="34" charset="-128"/>
-            </a:endParaRPr>
-          </a:p>
-        </p:txBody>
-      </p:sp>
-      <p:sp>
-        <p:nvSpPr>
-          <p:cNvPr id="114" name="正方形/長方形 113"/>
+          <p:cNvPr id="120" name="正方形/長方形 119"/>
           <p:cNvSpPr/>
           <p:nvPr/>
         </p:nvSpPr>
         <p:spPr>
           <a:xfrm>
-            <a:off x="897426" y="17871738"/>
-            <a:ext cx="9779617" cy="1200329"/>
+            <a:off x="912937" y="21795520"/>
+            <a:ext cx="4047172" cy="523220"/>
           </a:xfrm>
           <a:prstGeom prst="rect">
             <a:avLst/>
@@ -6282,39 +6250,67 @@
           <a:lstStyle/>
           <a:p>
             <a:r>
+              <a:rPr lang="en-US" altLang="ja-JP" sz="2800" dirty="0" smtClean="0">
+                <a:latin typeface="小塚ゴシック Pro M" panose="020B0700000000000000" pitchFamily="34" charset="-128"/>
+                <a:ea typeface="小塚ゴシック Pro M" panose="020B0700000000000000" pitchFamily="34" charset="-128"/>
+              </a:rPr>
+              <a:t>5.3</a:t>
+            </a:r>
+            <a:r>
+              <a:rPr lang="ja-JP" altLang="en-US" sz="2800" dirty="0" smtClean="0">
+                <a:latin typeface="小塚ゴシック Pro M" panose="020B0700000000000000" pitchFamily="34" charset="-128"/>
+                <a:ea typeface="小塚ゴシック Pro M" panose="020B0700000000000000" pitchFamily="34" charset="-128"/>
+              </a:rPr>
+              <a:t> システム開発</a:t>
+            </a:r>
+            <a:endParaRPr lang="ja-JP" altLang="en-US" sz="2800" dirty="0">
+              <a:latin typeface="小塚ゴシック Pro M" panose="020B0700000000000000" pitchFamily="34" charset="-128"/>
+              <a:ea typeface="小塚ゴシック Pro M" panose="020B0700000000000000" pitchFamily="34" charset="-128"/>
+            </a:endParaRPr>
+          </a:p>
+        </p:txBody>
+      </p:sp>
+      <p:sp>
+        <p:nvSpPr>
+          <p:cNvPr id="122" name="正方形/長方形 121"/>
+          <p:cNvSpPr/>
+          <p:nvPr/>
+        </p:nvSpPr>
+        <p:spPr>
+          <a:xfrm>
+            <a:off x="540176" y="28262676"/>
+            <a:ext cx="9779617" cy="1200329"/>
+          </a:xfrm>
+          <a:prstGeom prst="rect">
+            <a:avLst/>
+          </a:prstGeom>
+        </p:spPr>
+        <p:txBody>
+          <a:bodyPr wrap="square">
+            <a:spAutoFit/>
+          </a:bodyPr>
+          <a:lstStyle/>
+          <a:p>
+            <a:r>
               <a:rPr lang="ja-JP" altLang="en-US" sz="2400" dirty="0" smtClean="0">
                 <a:latin typeface="小塚ゴシック Pro M" panose="020B0700000000000000" pitchFamily="34" charset="-128"/>
                 <a:ea typeface="小塚ゴシック Pro M" panose="020B0700000000000000" pitchFamily="34" charset="-128"/>
               </a:rPr>
-              <a:t>・</a:t>
-            </a:r>
-            <a:r>
-              <a:rPr lang="en-US" altLang="ja-JP" sz="2400" dirty="0" smtClean="0">
-                <a:latin typeface="小塚ゴシック Pro M" panose="020B0700000000000000" pitchFamily="34" charset="-128"/>
-                <a:ea typeface="小塚ゴシック Pro M" panose="020B0700000000000000" pitchFamily="34" charset="-128"/>
-              </a:rPr>
-              <a:t>10</a:t>
+              <a:t>・必要な管理テーブルを洗い出し</a:t>
+            </a:r>
+            <a:r>
+              <a:rPr lang="ja-JP" altLang="en-US" sz="2400" dirty="0">
+                <a:latin typeface="小塚ゴシック Pro M" panose="020B0700000000000000" pitchFamily="34" charset="-128"/>
+                <a:ea typeface="小塚ゴシック Pro M" panose="020B0700000000000000" pitchFamily="34" charset="-128"/>
+              </a:rPr>
+              <a:t>データベース上</a:t>
             </a:r>
             <a:r>
               <a:rPr lang="ja-JP" altLang="en-US" sz="2400" dirty="0" smtClean="0">
                 <a:latin typeface="小塚ゴシック Pro M" panose="020B0700000000000000" pitchFamily="34" charset="-128"/>
                 <a:ea typeface="小塚ゴシック Pro M" panose="020B0700000000000000" pitchFamily="34" charset="-128"/>
               </a:rPr>
-              <a:t>月中旬</a:t>
-            </a:r>
-            <a:r>
-              <a:rPr lang="ja-JP" altLang="en-US" sz="2400" dirty="0">
-                <a:latin typeface="小塚ゴシック Pro M" panose="020B0700000000000000" pitchFamily="34" charset="-128"/>
-                <a:ea typeface="小塚ゴシック Pro M" panose="020B0700000000000000" pitchFamily="34" charset="-128"/>
-              </a:rPr>
-              <a:t>　</a:t>
-            </a:r>
-            <a:r>
-              <a:rPr lang="ja-JP" altLang="en-US" sz="2400" dirty="0" smtClean="0">
-                <a:latin typeface="小塚ゴシック Pro M" panose="020B0700000000000000" pitchFamily="34" charset="-128"/>
-                <a:ea typeface="小塚ゴシック Pro M" panose="020B0700000000000000" pitchFamily="34" charset="-128"/>
-              </a:rPr>
-              <a:t>　システム構築開始</a:t>
+              <a:t>に構築した</a:t>
             </a:r>
             <a:endParaRPr lang="en-US" altLang="ja-JP" sz="2400" dirty="0" smtClean="0">
               <a:latin typeface="小塚ゴシック Pro M" panose="020B0700000000000000" pitchFamily="34" charset="-128"/>
@@ -6327,21 +6323,28 @@
                 <a:latin typeface="小塚ゴシック Pro M" panose="020B0700000000000000" pitchFamily="34" charset="-128"/>
                 <a:ea typeface="小塚ゴシック Pro M" panose="020B0700000000000000" pitchFamily="34" charset="-128"/>
               </a:rPr>
-              <a:t>・</a:t>
-            </a:r>
-            <a:r>
-              <a:rPr lang="en-US" altLang="ja-JP" sz="2400" dirty="0" smtClean="0">
-                <a:latin typeface="小塚ゴシック Pro M" panose="020B0700000000000000" pitchFamily="34" charset="-128"/>
-                <a:ea typeface="小塚ゴシック Pro M" panose="020B0700000000000000" pitchFamily="34" charset="-128"/>
-              </a:rPr>
-              <a:t>11</a:t>
+              <a:t>・個人入力ページ（図</a:t>
+            </a:r>
+            <a:r>
+              <a:rPr lang="en-US" altLang="ja-JP" sz="2400" dirty="0">
+                <a:latin typeface="小塚ゴシック Pro M" panose="020B0700000000000000" pitchFamily="34" charset="-128"/>
+                <a:ea typeface="小塚ゴシック Pro M" panose="020B0700000000000000" pitchFamily="34" charset="-128"/>
+              </a:rPr>
+              <a:t>2</a:t>
             </a:r>
             <a:r>
               <a:rPr lang="ja-JP" altLang="en-US" sz="2400" dirty="0" smtClean="0">
                 <a:latin typeface="小塚ゴシック Pro M" panose="020B0700000000000000" pitchFamily="34" charset="-128"/>
                 <a:ea typeface="小塚ゴシック Pro M" panose="020B0700000000000000" pitchFamily="34" charset="-128"/>
               </a:rPr>
-              <a:t>月中旬　　協力施設にて担当者に説明し改善点を調査</a:t>
+              <a:t>）に個人の情報を集約する</a:t>
+            </a:r>
+            <a:r>
+              <a:rPr lang="ja-JP" altLang="en-US" sz="2400" dirty="0" smtClean="0">
+                <a:latin typeface="小塚ゴシック Pro M" panose="020B0700000000000000" pitchFamily="34" charset="-128"/>
+                <a:ea typeface="小塚ゴシック Pro M" panose="020B0700000000000000" pitchFamily="34" charset="-128"/>
+              </a:rPr>
+              <a:t>ようにした</a:t>
             </a:r>
             <a:endParaRPr lang="en-US" altLang="ja-JP" sz="2400" dirty="0" smtClean="0">
               <a:latin typeface="小塚ゴシック Pro M" panose="020B0700000000000000" pitchFamily="34" charset="-128"/>
@@ -6354,21 +6357,21 @@
                 <a:latin typeface="小塚ゴシック Pro M" panose="020B0700000000000000" pitchFamily="34" charset="-128"/>
                 <a:ea typeface="小塚ゴシック Pro M" panose="020B0700000000000000" pitchFamily="34" charset="-128"/>
               </a:rPr>
-              <a:t>・</a:t>
-            </a:r>
-            <a:r>
-              <a:rPr lang="en-US" altLang="ja-JP" sz="2400" dirty="0" smtClean="0">
-                <a:latin typeface="小塚ゴシック Pro M" panose="020B0700000000000000" pitchFamily="34" charset="-128"/>
-                <a:ea typeface="小塚ゴシック Pro M" panose="020B0700000000000000" pitchFamily="34" charset="-128"/>
-              </a:rPr>
-              <a:t>11</a:t>
+              <a:t>・流れ作業で記録ができるよう表入力ページ（図</a:t>
+            </a:r>
+            <a:r>
+              <a:rPr lang="en-US" altLang="ja-JP" sz="2400" dirty="0">
+                <a:latin typeface="小塚ゴシック Pro M" panose="020B0700000000000000" pitchFamily="34" charset="-128"/>
+                <a:ea typeface="小塚ゴシック Pro M" panose="020B0700000000000000" pitchFamily="34" charset="-128"/>
+              </a:rPr>
+              <a:t>3</a:t>
             </a:r>
             <a:r>
               <a:rPr lang="ja-JP" altLang="en-US" sz="2400" dirty="0" smtClean="0">
                 <a:latin typeface="小塚ゴシック Pro M" panose="020B0700000000000000" pitchFamily="34" charset="-128"/>
                 <a:ea typeface="小塚ゴシック Pro M" panose="020B0700000000000000" pitchFamily="34" charset="-128"/>
               </a:rPr>
-              <a:t>月中旬～　必要項目を洗い出しシステム再構成を継続</a:t>
+              <a:t>）を制作した</a:t>
             </a:r>
             <a:endParaRPr lang="ja-JP" altLang="en-US" sz="2400" dirty="0">
               <a:latin typeface="小塚ゴシック Pro M" panose="020B0700000000000000" pitchFamily="34" charset="-128"/>
@@ -6377,46 +6380,16 @@
           </a:p>
         </p:txBody>
       </p:sp>
-      <p:pic>
-        <p:nvPicPr>
-          <p:cNvPr id="115" name="図 114"/>
-          <p:cNvPicPr>
-            <a:picLocks noChangeAspect="1"/>
-          </p:cNvPicPr>
-          <p:nvPr/>
-        </p:nvPicPr>
-        <p:blipFill>
-          <a:blip r:embed="rId12">
-            <a:extLst>
-              <a:ext uri="{28A0092B-C50C-407E-A947-70E740481C1C}">
-                <a14:useLocalDpi xmlns:a14="http://schemas.microsoft.com/office/drawing/2010/main" val="0"/>
-              </a:ext>
-            </a:extLst>
-          </a:blip>
-          <a:stretch>
-            <a:fillRect/>
-          </a:stretch>
-        </p:blipFill>
-        <p:spPr>
-          <a:xfrm>
-            <a:off x="840310" y="24248286"/>
-            <a:ext cx="9606750" cy="3017137"/>
-          </a:xfrm>
-          <a:prstGeom prst="rect">
-            <a:avLst/>
-          </a:prstGeom>
-        </p:spPr>
-      </p:pic>
-      <p:sp>
-        <p:nvSpPr>
-          <p:cNvPr id="116" name="正方形/長方形 115"/>
+      <p:sp>
+        <p:nvSpPr>
+          <p:cNvPr id="123" name="正方形/長方形 122"/>
           <p:cNvSpPr/>
           <p:nvPr/>
         </p:nvSpPr>
         <p:spPr>
           <a:xfrm>
-            <a:off x="822068" y="20077970"/>
-            <a:ext cx="9779617" cy="1200329"/>
+            <a:off x="903793" y="22299788"/>
+            <a:ext cx="9779617" cy="1569660"/>
           </a:xfrm>
           <a:prstGeom prst="rect">
             <a:avLst/>
@@ -6433,369 +6406,35 @@
                 <a:latin typeface="小塚ゴシック Pro M" panose="020B0700000000000000" pitchFamily="34" charset="-128"/>
                 <a:ea typeface="小塚ゴシック Pro M" panose="020B0700000000000000" pitchFamily="34" charset="-128"/>
               </a:rPr>
-              <a:t>・優先的にシステム化して欲しい情報を得た</a:t>
-            </a:r>
-            <a:endParaRPr lang="en-US" altLang="ja-JP" sz="2400" dirty="0" smtClean="0">
-              <a:latin typeface="小塚ゴシック Pro M" panose="020B0700000000000000" pitchFamily="34" charset="-128"/>
-              <a:ea typeface="小塚ゴシック Pro M" panose="020B0700000000000000" pitchFamily="34" charset="-128"/>
-            </a:endParaRPr>
-          </a:p>
-          <a:p>
+              <a:t>利用者はブラウザを通じて，システムにアクセスする。アイコン等を用いたシンプルで操作しやすい画面デザインを設計しており各情報が</a:t>
+            </a:r>
             <a:r>
               <a:rPr lang="ja-JP" altLang="en-US" sz="2400" dirty="0" smtClean="0">
                 <a:latin typeface="小塚ゴシック Pro M" panose="020B0700000000000000" pitchFamily="34" charset="-128"/>
                 <a:ea typeface="小塚ゴシック Pro M" panose="020B0700000000000000" pitchFamily="34" charset="-128"/>
               </a:rPr>
-              <a:t>・効率よく記録するための作業の流れが聞けた</a:t>
-            </a:r>
-            <a:endParaRPr lang="en-US" altLang="ja-JP" sz="2400" dirty="0" smtClean="0">
-              <a:latin typeface="小塚ゴシック Pro M" panose="020B0700000000000000" pitchFamily="34" charset="-128"/>
-              <a:ea typeface="小塚ゴシック Pro M" panose="020B0700000000000000" pitchFamily="34" charset="-128"/>
-            </a:endParaRPr>
-          </a:p>
-          <a:p>
+              <a:t>入出力</a:t>
+            </a:r>
             <a:r>
               <a:rPr lang="ja-JP" altLang="en-US" sz="2400" dirty="0" smtClean="0">
                 <a:latin typeface="小塚ゴシック Pro M" panose="020B0700000000000000" pitchFamily="34" charset="-128"/>
                 <a:ea typeface="小塚ゴシック Pro M" panose="020B0700000000000000" pitchFamily="34" charset="-128"/>
               </a:rPr>
-              <a:t>・現場での介護職員への負担の大きさについて聞けた</a:t>
-            </a:r>
-            <a:endParaRPr lang="ja-JP" altLang="en-US" sz="2400" dirty="0">
-              <a:latin typeface="小塚ゴシック Pro M" panose="020B0700000000000000" pitchFamily="34" charset="-128"/>
-              <a:ea typeface="小塚ゴシック Pro M" panose="020B0700000000000000" pitchFamily="34" charset="-128"/>
-            </a:endParaRPr>
-          </a:p>
-        </p:txBody>
-      </p:sp>
-      <p:sp>
-        <p:nvSpPr>
-          <p:cNvPr id="117" name="正方形/長方形 116"/>
-          <p:cNvSpPr/>
-          <p:nvPr/>
-        </p:nvSpPr>
-        <p:spPr>
-          <a:xfrm>
-            <a:off x="948852" y="17229433"/>
-            <a:ext cx="2790417" cy="523220"/>
-          </a:xfrm>
-          <a:prstGeom prst="rect">
-            <a:avLst/>
-          </a:prstGeom>
-        </p:spPr>
-        <p:txBody>
-          <a:bodyPr wrap="square">
-            <a:spAutoFit/>
-          </a:bodyPr>
-          <a:lstStyle/>
-          <a:p>
-            <a:r>
-              <a:rPr lang="en-US" altLang="ja-JP" sz="2800" dirty="0" smtClean="0">
-                <a:latin typeface="小塚ゴシック Pro M" panose="020B0700000000000000" pitchFamily="34" charset="-128"/>
-                <a:ea typeface="小塚ゴシック Pro M" panose="020B0700000000000000" pitchFamily="34" charset="-128"/>
-              </a:rPr>
-              <a:t>5.1</a:t>
-            </a:r>
-            <a:r>
-              <a:rPr lang="ja-JP" altLang="en-US" sz="2800" dirty="0">
-                <a:latin typeface="小塚ゴシック Pro M" panose="020B0700000000000000" pitchFamily="34" charset="-128"/>
-                <a:ea typeface="小塚ゴシック Pro M" panose="020B0700000000000000" pitchFamily="34" charset="-128"/>
-              </a:rPr>
-              <a:t> </a:t>
-            </a:r>
-            <a:r>
-              <a:rPr lang="ja-JP" altLang="en-US" sz="2800" dirty="0" smtClean="0">
-                <a:latin typeface="小塚ゴシック Pro M" panose="020B0700000000000000" pitchFamily="34" charset="-128"/>
-                <a:ea typeface="小塚ゴシック Pro M" panose="020B0700000000000000" pitchFamily="34" charset="-128"/>
-              </a:rPr>
-              <a:t>研究の流れ</a:t>
-            </a:r>
-            <a:endParaRPr lang="ja-JP" altLang="en-US" sz="2800" dirty="0">
-              <a:latin typeface="小塚ゴシック Pro M" panose="020B0700000000000000" pitchFamily="34" charset="-128"/>
-              <a:ea typeface="小塚ゴシック Pro M" panose="020B0700000000000000" pitchFamily="34" charset="-128"/>
-            </a:endParaRPr>
-          </a:p>
-        </p:txBody>
-      </p:sp>
-      <p:sp>
-        <p:nvSpPr>
-          <p:cNvPr id="118" name="正方形/長方形 117"/>
-          <p:cNvSpPr/>
-          <p:nvPr/>
-        </p:nvSpPr>
-        <p:spPr>
-          <a:xfrm>
-            <a:off x="955108" y="19410837"/>
-            <a:ext cx="4047172" cy="523220"/>
-          </a:xfrm>
-          <a:prstGeom prst="rect">
-            <a:avLst/>
-          </a:prstGeom>
-        </p:spPr>
-        <p:txBody>
-          <a:bodyPr wrap="square">
-            <a:spAutoFit/>
-          </a:bodyPr>
-          <a:lstStyle/>
-          <a:p>
-            <a:r>
-              <a:rPr lang="en-US" altLang="ja-JP" sz="2800" dirty="0" smtClean="0">
-                <a:latin typeface="小塚ゴシック Pro M" panose="020B0700000000000000" pitchFamily="34" charset="-128"/>
-                <a:ea typeface="小塚ゴシック Pro M" panose="020B0700000000000000" pitchFamily="34" charset="-128"/>
-              </a:rPr>
-              <a:t>5.2</a:t>
-            </a:r>
-            <a:r>
-              <a:rPr lang="ja-JP" altLang="en-US" sz="2800" dirty="0" smtClean="0">
-                <a:latin typeface="小塚ゴシック Pro M" panose="020B0700000000000000" pitchFamily="34" charset="-128"/>
-                <a:ea typeface="小塚ゴシック Pro M" panose="020B0700000000000000" pitchFamily="34" charset="-128"/>
-              </a:rPr>
-              <a:t> インタビューの成果</a:t>
-            </a:r>
-            <a:endParaRPr lang="ja-JP" altLang="en-US" sz="2800" dirty="0">
-              <a:latin typeface="小塚ゴシック Pro M" panose="020B0700000000000000" pitchFamily="34" charset="-128"/>
-              <a:ea typeface="小塚ゴシック Pro M" panose="020B0700000000000000" pitchFamily="34" charset="-128"/>
-            </a:endParaRPr>
-          </a:p>
-        </p:txBody>
-      </p:sp>
-      <p:sp>
-        <p:nvSpPr>
-          <p:cNvPr id="119" name="テキスト ボックス 118"/>
-          <p:cNvSpPr txBox="1"/>
-          <p:nvPr/>
-        </p:nvSpPr>
-        <p:spPr>
-          <a:xfrm flipH="1">
-            <a:off x="900672" y="27420015"/>
-            <a:ext cx="2805391" cy="400110"/>
-          </a:xfrm>
-          <a:prstGeom prst="rect">
-            <a:avLst/>
-          </a:prstGeom>
-          <a:noFill/>
-        </p:spPr>
-        <p:txBody>
-          <a:bodyPr wrap="square" rtlCol="0" anchor="ctr">
-            <a:spAutoFit/>
-          </a:bodyPr>
-          <a:lstStyle/>
-          <a:p>
-            <a:pPr algn="ctr"/>
-            <a:r>
-              <a:rPr lang="ja-JP" altLang="en-US" sz="2000" dirty="0" smtClean="0">
-                <a:latin typeface="小塚ゴシック Pro B" panose="020B0800000000000000" pitchFamily="34" charset="-128"/>
-                <a:ea typeface="小塚ゴシック Pro B" panose="020B0800000000000000" pitchFamily="34" charset="-128"/>
+              <a:t>される。利用者の管理情報はデータベース上に記録される。システム上の</a:t>
+            </a:r>
+            <a:r>
+              <a:rPr lang="ja-JP" altLang="en-US" sz="2400" dirty="0" smtClean="0">
+                <a:latin typeface="小塚ゴシック Pro M" panose="020B0700000000000000" pitchFamily="34" charset="-128"/>
+                <a:ea typeface="小塚ゴシック Pro M" panose="020B0700000000000000" pitchFamily="34" charset="-128"/>
+              </a:rPr>
+              <a:t>流れを（</a:t>
+            </a:r>
+            <a:r>
+              <a:rPr lang="ja-JP" altLang="en-US" sz="2400" dirty="0" smtClean="0">
+                <a:latin typeface="小塚ゴシック Pro M" panose="020B0700000000000000" pitchFamily="34" charset="-128"/>
+                <a:ea typeface="小塚ゴシック Pro M" panose="020B0700000000000000" pitchFamily="34" charset="-128"/>
               </a:rPr>
               <a:t>図</a:t>
-            </a:r>
-            <a:r>
-              <a:rPr lang="en-US" altLang="ja-JP" sz="2000" dirty="0">
-                <a:latin typeface="小塚ゴシック Pro B" panose="020B0800000000000000" pitchFamily="34" charset="-128"/>
-                <a:ea typeface="小塚ゴシック Pro B" panose="020B0800000000000000" pitchFamily="34" charset="-128"/>
-              </a:rPr>
-              <a:t>1</a:t>
-            </a:r>
-            <a:r>
-              <a:rPr lang="ja-JP" altLang="en-US" sz="2000" dirty="0" smtClean="0">
-                <a:latin typeface="小塚ゴシック Pro B" panose="020B0800000000000000" pitchFamily="34" charset="-128"/>
-                <a:ea typeface="小塚ゴシック Pro B" panose="020B0800000000000000" pitchFamily="34" charset="-128"/>
-              </a:rPr>
-              <a:t>　アーキテクチャ</a:t>
-            </a:r>
-            <a:endParaRPr lang="en-US" altLang="ja-JP" sz="2000" dirty="0">
-              <a:latin typeface="小塚ゴシック Pro B" panose="020B0800000000000000" pitchFamily="34" charset="-128"/>
-              <a:ea typeface="小塚ゴシック Pro B" panose="020B0800000000000000" pitchFamily="34" charset="-128"/>
-            </a:endParaRPr>
-          </a:p>
-        </p:txBody>
-      </p:sp>
-      <p:sp>
-        <p:nvSpPr>
-          <p:cNvPr id="120" name="正方形/長方形 119"/>
-          <p:cNvSpPr/>
-          <p:nvPr/>
-        </p:nvSpPr>
-        <p:spPr>
-          <a:xfrm>
-            <a:off x="912937" y="21795520"/>
-            <a:ext cx="4047172" cy="523220"/>
-          </a:xfrm>
-          <a:prstGeom prst="rect">
-            <a:avLst/>
-          </a:prstGeom>
-        </p:spPr>
-        <p:txBody>
-          <a:bodyPr wrap="square">
-            <a:spAutoFit/>
-          </a:bodyPr>
-          <a:lstStyle/>
-          <a:p>
-            <a:r>
-              <a:rPr lang="en-US" altLang="ja-JP" sz="2800" dirty="0" smtClean="0">
-                <a:latin typeface="小塚ゴシック Pro M" panose="020B0700000000000000" pitchFamily="34" charset="-128"/>
-                <a:ea typeface="小塚ゴシック Pro M" panose="020B0700000000000000" pitchFamily="34" charset="-128"/>
-              </a:rPr>
-              <a:t>5.3</a:t>
-            </a:r>
-            <a:r>
-              <a:rPr lang="ja-JP" altLang="en-US" sz="2800" dirty="0" smtClean="0">
-                <a:latin typeface="小塚ゴシック Pro M" panose="020B0700000000000000" pitchFamily="34" charset="-128"/>
-                <a:ea typeface="小塚ゴシック Pro M" panose="020B0700000000000000" pitchFamily="34" charset="-128"/>
-              </a:rPr>
-              <a:t> システム開発</a:t>
-            </a:r>
-            <a:endParaRPr lang="ja-JP" altLang="en-US" sz="2800" dirty="0">
-              <a:latin typeface="小塚ゴシック Pro M" panose="020B0700000000000000" pitchFamily="34" charset="-128"/>
-              <a:ea typeface="小塚ゴシック Pro M" panose="020B0700000000000000" pitchFamily="34" charset="-128"/>
-            </a:endParaRPr>
-          </a:p>
-        </p:txBody>
-      </p:sp>
-      <p:sp>
-        <p:nvSpPr>
-          <p:cNvPr id="122" name="正方形/長方形 121"/>
-          <p:cNvSpPr/>
-          <p:nvPr/>
-        </p:nvSpPr>
-        <p:spPr>
-          <a:xfrm>
-            <a:off x="540176" y="28262676"/>
-            <a:ext cx="9779617" cy="1200329"/>
-          </a:xfrm>
-          <a:prstGeom prst="rect">
-            <a:avLst/>
-          </a:prstGeom>
-        </p:spPr>
-        <p:txBody>
-          <a:bodyPr wrap="square">
-            <a:spAutoFit/>
-          </a:bodyPr>
-          <a:lstStyle/>
-          <a:p>
-            <a:r>
-              <a:rPr lang="ja-JP" altLang="en-US" sz="2400" dirty="0" smtClean="0">
-                <a:latin typeface="小塚ゴシック Pro M" panose="020B0700000000000000" pitchFamily="34" charset="-128"/>
-                <a:ea typeface="小塚ゴシック Pro M" panose="020B0700000000000000" pitchFamily="34" charset="-128"/>
-              </a:rPr>
-              <a:t>・必要な管理テーブルを洗い出し</a:t>
-            </a:r>
-            <a:r>
-              <a:rPr lang="ja-JP" altLang="en-US" sz="2400" dirty="0">
-                <a:latin typeface="小塚ゴシック Pro M" panose="020B0700000000000000" pitchFamily="34" charset="-128"/>
-                <a:ea typeface="小塚ゴシック Pro M" panose="020B0700000000000000" pitchFamily="34" charset="-128"/>
-              </a:rPr>
-              <a:t>データベース上</a:t>
-            </a:r>
-            <a:r>
-              <a:rPr lang="ja-JP" altLang="en-US" sz="2400" dirty="0" smtClean="0">
-                <a:latin typeface="小塚ゴシック Pro M" panose="020B0700000000000000" pitchFamily="34" charset="-128"/>
-                <a:ea typeface="小塚ゴシック Pro M" panose="020B0700000000000000" pitchFamily="34" charset="-128"/>
-              </a:rPr>
-              <a:t>に構築した</a:t>
-            </a:r>
-            <a:endParaRPr lang="en-US" altLang="ja-JP" sz="2400" dirty="0" smtClean="0">
-              <a:latin typeface="小塚ゴシック Pro M" panose="020B0700000000000000" pitchFamily="34" charset="-128"/>
-              <a:ea typeface="小塚ゴシック Pro M" panose="020B0700000000000000" pitchFamily="34" charset="-128"/>
-            </a:endParaRPr>
-          </a:p>
-          <a:p>
-            <a:r>
-              <a:rPr lang="ja-JP" altLang="en-US" sz="2400" dirty="0" smtClean="0">
-                <a:latin typeface="小塚ゴシック Pro M" panose="020B0700000000000000" pitchFamily="34" charset="-128"/>
-                <a:ea typeface="小塚ゴシック Pro M" panose="020B0700000000000000" pitchFamily="34" charset="-128"/>
-              </a:rPr>
-              <a:t>・個人入力ページ（図</a:t>
-            </a:r>
-            <a:r>
-              <a:rPr lang="en-US" altLang="ja-JP" sz="2400" dirty="0">
-                <a:latin typeface="小塚ゴシック Pro M" panose="020B0700000000000000" pitchFamily="34" charset="-128"/>
-                <a:ea typeface="小塚ゴシック Pro M" panose="020B0700000000000000" pitchFamily="34" charset="-128"/>
-              </a:rPr>
-              <a:t>2</a:t>
-            </a:r>
-            <a:r>
-              <a:rPr lang="ja-JP" altLang="en-US" sz="2400" dirty="0" smtClean="0">
-                <a:latin typeface="小塚ゴシック Pro M" panose="020B0700000000000000" pitchFamily="34" charset="-128"/>
-                <a:ea typeface="小塚ゴシック Pro M" panose="020B0700000000000000" pitchFamily="34" charset="-128"/>
-              </a:rPr>
-              <a:t>）に個人の情報を集約するよう</a:t>
-            </a:r>
-            <a:r>
-              <a:rPr lang="en-US" altLang="ja-JP" sz="2400" dirty="0" smtClean="0">
-                <a:latin typeface="小塚ゴシック Pro M" panose="020B0700000000000000" pitchFamily="34" charset="-128"/>
-                <a:ea typeface="小塚ゴシック Pro M" panose="020B0700000000000000" pitchFamily="34" charset="-128"/>
-              </a:rPr>
-              <a:t>SQL</a:t>
-            </a:r>
-            <a:r>
-              <a:rPr lang="ja-JP" altLang="en-US" sz="2400" dirty="0" smtClean="0">
-                <a:latin typeface="小塚ゴシック Pro M" panose="020B0700000000000000" pitchFamily="34" charset="-128"/>
-                <a:ea typeface="小塚ゴシック Pro M" panose="020B0700000000000000" pitchFamily="34" charset="-128"/>
-              </a:rPr>
-              <a:t>文を書いた</a:t>
-            </a:r>
-            <a:endParaRPr lang="en-US" altLang="ja-JP" sz="2400" dirty="0" smtClean="0">
-              <a:latin typeface="小塚ゴシック Pro M" panose="020B0700000000000000" pitchFamily="34" charset="-128"/>
-              <a:ea typeface="小塚ゴシック Pro M" panose="020B0700000000000000" pitchFamily="34" charset="-128"/>
-            </a:endParaRPr>
-          </a:p>
-          <a:p>
-            <a:r>
-              <a:rPr lang="ja-JP" altLang="en-US" sz="2400" dirty="0" smtClean="0">
-                <a:latin typeface="小塚ゴシック Pro M" panose="020B0700000000000000" pitchFamily="34" charset="-128"/>
-                <a:ea typeface="小塚ゴシック Pro M" panose="020B0700000000000000" pitchFamily="34" charset="-128"/>
-              </a:rPr>
-              <a:t>・流れ作業で記録ができるよう表入力ページ（図</a:t>
-            </a:r>
-            <a:r>
-              <a:rPr lang="en-US" altLang="ja-JP" sz="2400" dirty="0">
-                <a:latin typeface="小塚ゴシック Pro M" panose="020B0700000000000000" pitchFamily="34" charset="-128"/>
-                <a:ea typeface="小塚ゴシック Pro M" panose="020B0700000000000000" pitchFamily="34" charset="-128"/>
-              </a:rPr>
-              <a:t>3</a:t>
-            </a:r>
-            <a:r>
-              <a:rPr lang="ja-JP" altLang="en-US" sz="2400" dirty="0" smtClean="0">
-                <a:latin typeface="小塚ゴシック Pro M" panose="020B0700000000000000" pitchFamily="34" charset="-128"/>
-                <a:ea typeface="小塚ゴシック Pro M" panose="020B0700000000000000" pitchFamily="34" charset="-128"/>
-              </a:rPr>
-              <a:t>）を制作した</a:t>
-            </a:r>
-            <a:endParaRPr lang="ja-JP" altLang="en-US" sz="2400" dirty="0">
-              <a:latin typeface="小塚ゴシック Pro M" panose="020B0700000000000000" pitchFamily="34" charset="-128"/>
-              <a:ea typeface="小塚ゴシック Pro M" panose="020B0700000000000000" pitchFamily="34" charset="-128"/>
-            </a:endParaRPr>
-          </a:p>
-        </p:txBody>
-      </p:sp>
-      <p:sp>
-        <p:nvSpPr>
-          <p:cNvPr id="123" name="正方形/長方形 122"/>
-          <p:cNvSpPr/>
-          <p:nvPr/>
-        </p:nvSpPr>
-        <p:spPr>
-          <a:xfrm>
-            <a:off x="903793" y="22299788"/>
-            <a:ext cx="9779617" cy="1569660"/>
-          </a:xfrm>
-          <a:prstGeom prst="rect">
-            <a:avLst/>
-          </a:prstGeom>
-        </p:spPr>
-        <p:txBody>
-          <a:bodyPr wrap="square">
-            <a:spAutoFit/>
-          </a:bodyPr>
-          <a:lstStyle/>
-          <a:p>
-            <a:r>
-              <a:rPr lang="ja-JP" altLang="en-US" sz="2400" dirty="0" smtClean="0">
-                <a:latin typeface="小塚ゴシック Pro M" panose="020B0700000000000000" pitchFamily="34" charset="-128"/>
-                <a:ea typeface="小塚ゴシック Pro M" panose="020B0700000000000000" pitchFamily="34" charset="-128"/>
-              </a:rPr>
-              <a:t>利用者はブラウザを通じて，システムにアクセスする。アイコン等を用いたシンプルで操作しやすい画面デザインを設計しており各情報が入力される。利用者の管理情報はデータベース上に記録される。システム上の流れは（図</a:t>
             </a:r>
             <a:r>
               <a:rPr lang="en-US" altLang="ja-JP" sz="2400" dirty="0">
@@ -7703,6 +7342,930 @@
           </a:p>
         </p:txBody>
       </p:sp>
+      <p:pic>
+        <p:nvPicPr>
+          <p:cNvPr id="121" name="図 120"/>
+          <p:cNvPicPr>
+            <a:picLocks noChangeAspect="1"/>
+          </p:cNvPicPr>
+          <p:nvPr/>
+        </p:nvPicPr>
+        <p:blipFill rotWithShape="1">
+          <a:blip r:embed="rId11">
+            <a:duotone>
+              <a:schemeClr val="accent3">
+                <a:shade val="45000"/>
+                <a:satMod val="135000"/>
+              </a:schemeClr>
+              <a:prstClr val="white"/>
+            </a:duotone>
+            <a:extLst>
+              <a:ext uri="{28A0092B-C50C-407E-A947-70E740481C1C}">
+                <a14:useLocalDpi xmlns:a14="http://schemas.microsoft.com/office/drawing/2010/main" val="0"/>
+              </a:ext>
+            </a:extLst>
+          </a:blip>
+          <a:srcRect l="21618" t="8143" r="21557" b="10518"/>
+          <a:stretch/>
+        </p:blipFill>
+        <p:spPr>
+          <a:xfrm>
+            <a:off x="3914920" y="6090489"/>
+            <a:ext cx="532753" cy="912784"/>
+          </a:xfrm>
+          <a:prstGeom prst="rect">
+            <a:avLst/>
+          </a:prstGeom>
+        </p:spPr>
+      </p:pic>
+      <p:pic>
+        <p:nvPicPr>
+          <p:cNvPr id="124" name="図 123"/>
+          <p:cNvPicPr>
+            <a:picLocks noChangeAspect="1"/>
+          </p:cNvPicPr>
+          <p:nvPr/>
+        </p:nvPicPr>
+        <p:blipFill rotWithShape="1">
+          <a:blip r:embed="rId11">
+            <a:duotone>
+              <a:schemeClr val="accent3">
+                <a:shade val="45000"/>
+                <a:satMod val="135000"/>
+              </a:schemeClr>
+              <a:prstClr val="white"/>
+            </a:duotone>
+            <a:extLst>
+              <a:ext uri="{28A0092B-C50C-407E-A947-70E740481C1C}">
+                <a14:useLocalDpi xmlns:a14="http://schemas.microsoft.com/office/drawing/2010/main" val="0"/>
+              </a:ext>
+            </a:extLst>
+          </a:blip>
+          <a:srcRect l="21618" t="8143" r="21557" b="10518"/>
+          <a:stretch/>
+        </p:blipFill>
+        <p:spPr>
+          <a:xfrm>
+            <a:off x="4451145" y="6090489"/>
+            <a:ext cx="532753" cy="912784"/>
+          </a:xfrm>
+          <a:prstGeom prst="rect">
+            <a:avLst/>
+          </a:prstGeom>
+        </p:spPr>
+      </p:pic>
+      <p:pic>
+        <p:nvPicPr>
+          <p:cNvPr id="125" name="図 124"/>
+          <p:cNvPicPr>
+            <a:picLocks noChangeAspect="1"/>
+          </p:cNvPicPr>
+          <p:nvPr/>
+        </p:nvPicPr>
+        <p:blipFill rotWithShape="1">
+          <a:blip r:embed="rId11">
+            <a:duotone>
+              <a:schemeClr val="accent3">
+                <a:shade val="45000"/>
+                <a:satMod val="135000"/>
+              </a:schemeClr>
+              <a:prstClr val="white"/>
+            </a:duotone>
+            <a:extLst>
+              <a:ext uri="{28A0092B-C50C-407E-A947-70E740481C1C}">
+                <a14:useLocalDpi xmlns:a14="http://schemas.microsoft.com/office/drawing/2010/main" val="0"/>
+              </a:ext>
+            </a:extLst>
+          </a:blip>
+          <a:srcRect l="21619" t="8143" r="29536" b="10518"/>
+          <a:stretch/>
+        </p:blipFill>
+        <p:spPr>
+          <a:xfrm>
+            <a:off x="4962298" y="6096217"/>
+            <a:ext cx="457943" cy="912784"/>
+          </a:xfrm>
+          <a:prstGeom prst="rect">
+            <a:avLst/>
+          </a:prstGeom>
+        </p:spPr>
+      </p:pic>
+      <p:pic>
+        <p:nvPicPr>
+          <p:cNvPr id="149" name="図 148"/>
+          <p:cNvPicPr>
+            <a:picLocks noChangeAspect="1"/>
+          </p:cNvPicPr>
+          <p:nvPr/>
+        </p:nvPicPr>
+        <p:blipFill rotWithShape="1">
+          <a:blip r:embed="rId11">
+            <a:duotone>
+              <a:schemeClr val="accent3">
+                <a:shade val="45000"/>
+                <a:satMod val="135000"/>
+              </a:schemeClr>
+              <a:prstClr val="white"/>
+            </a:duotone>
+            <a:extLst>
+              <a:ext uri="{28A0092B-C50C-407E-A947-70E740481C1C}">
+                <a14:useLocalDpi xmlns:a14="http://schemas.microsoft.com/office/drawing/2010/main" val="0"/>
+              </a:ext>
+            </a:extLst>
+          </a:blip>
+          <a:srcRect l="21618" t="8143" r="21557" b="10518"/>
+          <a:stretch/>
+        </p:blipFill>
+        <p:spPr>
+          <a:xfrm>
+            <a:off x="3912235" y="7211230"/>
+            <a:ext cx="532753" cy="912784"/>
+          </a:xfrm>
+          <a:prstGeom prst="rect">
+            <a:avLst/>
+          </a:prstGeom>
+        </p:spPr>
+      </p:pic>
+      <p:pic>
+        <p:nvPicPr>
+          <p:cNvPr id="150" name="図 149"/>
+          <p:cNvPicPr>
+            <a:picLocks noChangeAspect="1"/>
+          </p:cNvPicPr>
+          <p:nvPr/>
+        </p:nvPicPr>
+        <p:blipFill rotWithShape="1">
+          <a:blip r:embed="rId11">
+            <a:duotone>
+              <a:schemeClr val="accent3">
+                <a:shade val="45000"/>
+                <a:satMod val="135000"/>
+              </a:schemeClr>
+              <a:prstClr val="white"/>
+            </a:duotone>
+            <a:extLst>
+              <a:ext uri="{28A0092B-C50C-407E-A947-70E740481C1C}">
+                <a14:useLocalDpi xmlns:a14="http://schemas.microsoft.com/office/drawing/2010/main" val="0"/>
+              </a:ext>
+            </a:extLst>
+          </a:blip>
+          <a:srcRect l="21618" t="8143" r="21557" b="10518"/>
+          <a:stretch/>
+        </p:blipFill>
+        <p:spPr>
+          <a:xfrm>
+            <a:off x="3374654" y="7218704"/>
+            <a:ext cx="532753" cy="912784"/>
+          </a:xfrm>
+          <a:prstGeom prst="rect">
+            <a:avLst/>
+          </a:prstGeom>
+        </p:spPr>
+      </p:pic>
+      <p:pic>
+        <p:nvPicPr>
+          <p:cNvPr id="151" name="図 150"/>
+          <p:cNvPicPr>
+            <a:picLocks noChangeAspect="1"/>
+          </p:cNvPicPr>
+          <p:nvPr/>
+        </p:nvPicPr>
+        <p:blipFill rotWithShape="1">
+          <a:blip r:embed="rId11">
+            <a:duotone>
+              <a:schemeClr val="accent3">
+                <a:shade val="45000"/>
+                <a:satMod val="135000"/>
+              </a:schemeClr>
+              <a:prstClr val="white"/>
+            </a:duotone>
+            <a:extLst>
+              <a:ext uri="{28A0092B-C50C-407E-A947-70E740481C1C}">
+                <a14:useLocalDpi xmlns:a14="http://schemas.microsoft.com/office/drawing/2010/main" val="0"/>
+              </a:ext>
+            </a:extLst>
+          </a:blip>
+          <a:srcRect l="21618" t="8143" r="21557" b="10518"/>
+          <a:stretch/>
+        </p:blipFill>
+        <p:spPr>
+          <a:xfrm>
+            <a:off x="4443346" y="7219383"/>
+            <a:ext cx="532753" cy="912784"/>
+          </a:xfrm>
+          <a:prstGeom prst="rect">
+            <a:avLst/>
+          </a:prstGeom>
+        </p:spPr>
+      </p:pic>
+      <p:pic>
+        <p:nvPicPr>
+          <p:cNvPr id="148" name="図 147"/>
+          <p:cNvPicPr>
+            <a:picLocks noChangeAspect="1"/>
+          </p:cNvPicPr>
+          <p:nvPr/>
+        </p:nvPicPr>
+        <p:blipFill rotWithShape="1">
+          <a:blip r:embed="rId6" cstate="print">
+            <a:duotone>
+              <a:schemeClr val="accent6">
+                <a:shade val="45000"/>
+                <a:satMod val="135000"/>
+              </a:schemeClr>
+              <a:prstClr val="white"/>
+            </a:duotone>
+            <a:extLst>
+              <a:ext uri="{28A0092B-C50C-407E-A947-70E740481C1C}">
+                <a14:useLocalDpi xmlns:a14="http://schemas.microsoft.com/office/drawing/2010/main" val="0"/>
+              </a:ext>
+            </a:extLst>
+          </a:blip>
+          <a:srcRect r="24510"/>
+          <a:stretch/>
+        </p:blipFill>
+        <p:spPr>
+          <a:xfrm>
+            <a:off x="15204993" y="7255031"/>
+            <a:ext cx="222332" cy="939173"/>
+          </a:xfrm>
+          <a:prstGeom prst="rect">
+            <a:avLst/>
+          </a:prstGeom>
+        </p:spPr>
+      </p:pic>
+      <p:pic>
+        <p:nvPicPr>
+          <p:cNvPr id="154" name="図 153"/>
+          <p:cNvPicPr>
+            <a:picLocks noChangeAspect="1"/>
+          </p:cNvPicPr>
+          <p:nvPr/>
+        </p:nvPicPr>
+        <p:blipFill rotWithShape="1">
+          <a:blip r:embed="rId6" cstate="print">
+            <a:duotone>
+              <a:schemeClr val="accent6">
+                <a:shade val="45000"/>
+                <a:satMod val="135000"/>
+              </a:schemeClr>
+              <a:prstClr val="white"/>
+            </a:duotone>
+            <a:extLst>
+              <a:ext uri="{28A0092B-C50C-407E-A947-70E740481C1C}">
+                <a14:useLocalDpi xmlns:a14="http://schemas.microsoft.com/office/drawing/2010/main" val="0"/>
+              </a:ext>
+            </a:extLst>
+          </a:blip>
+          <a:srcRect r="71987"/>
+          <a:stretch/>
+        </p:blipFill>
+        <p:spPr>
+          <a:xfrm>
+            <a:off x="14309773" y="6107529"/>
+            <a:ext cx="82502" cy="939173"/>
+          </a:xfrm>
+          <a:prstGeom prst="rect">
+            <a:avLst/>
+          </a:prstGeom>
+        </p:spPr>
+      </p:pic>
+      <p:grpSp>
+        <p:nvGrpSpPr>
+          <p:cNvPr id="9" name="グループ化 8"/>
+          <p:cNvGrpSpPr/>
+          <p:nvPr/>
+        </p:nvGrpSpPr>
+        <p:grpSpPr>
+          <a:xfrm>
+            <a:off x="948852" y="3859788"/>
+            <a:ext cx="336642" cy="340127"/>
+            <a:chOff x="123825" y="3105436"/>
+            <a:chExt cx="329958" cy="333374"/>
+          </a:xfrm>
+        </p:grpSpPr>
+        <p:sp>
+          <p:nvSpPr>
+            <p:cNvPr id="155" name="直角三角形 154"/>
+            <p:cNvSpPr/>
+            <p:nvPr/>
+          </p:nvSpPr>
+          <p:spPr>
+            <a:xfrm flipH="1">
+              <a:off x="141839" y="3126866"/>
+              <a:ext cx="311944" cy="311944"/>
+            </a:xfrm>
+            <a:prstGeom prst="rtTriangle">
+              <a:avLst/>
+            </a:prstGeom>
+            <a:solidFill>
+              <a:schemeClr val="accent1">
+                <a:lumMod val="50000"/>
+              </a:schemeClr>
+            </a:solidFill>
+            <a:ln>
+              <a:noFill/>
+            </a:ln>
+          </p:spPr>
+          <p:style>
+            <a:lnRef idx="2">
+              <a:schemeClr val="accent1">
+                <a:shade val="50000"/>
+              </a:schemeClr>
+            </a:lnRef>
+            <a:fillRef idx="1">
+              <a:schemeClr val="accent1"/>
+            </a:fillRef>
+            <a:effectRef idx="0">
+              <a:schemeClr val="accent1"/>
+            </a:effectRef>
+            <a:fontRef idx="minor">
+              <a:schemeClr val="lt1"/>
+            </a:fontRef>
+          </p:style>
+          <p:txBody>
+            <a:bodyPr rtlCol="0" anchor="ctr"/>
+            <a:lstStyle/>
+            <a:p>
+              <a:pPr algn="ctr"/>
+              <a:endParaRPr kumimoji="1" lang="ja-JP" altLang="en-US"/>
+            </a:p>
+          </p:txBody>
+        </p:sp>
+        <p:sp>
+          <p:nvSpPr>
+            <p:cNvPr id="8" name="直角三角形 7"/>
+            <p:cNvSpPr/>
+            <p:nvPr/>
+          </p:nvSpPr>
+          <p:spPr>
+            <a:xfrm flipH="1">
+              <a:off x="123825" y="3105436"/>
+              <a:ext cx="311944" cy="311944"/>
+            </a:xfrm>
+            <a:prstGeom prst="rtTriangle">
+              <a:avLst/>
+            </a:prstGeom>
+            <a:ln>
+              <a:noFill/>
+            </a:ln>
+          </p:spPr>
+          <p:style>
+            <a:lnRef idx="2">
+              <a:schemeClr val="accent1">
+                <a:shade val="50000"/>
+              </a:schemeClr>
+            </a:lnRef>
+            <a:fillRef idx="1">
+              <a:schemeClr val="accent1"/>
+            </a:fillRef>
+            <a:effectRef idx="0">
+              <a:schemeClr val="accent1"/>
+            </a:effectRef>
+            <a:fontRef idx="minor">
+              <a:schemeClr val="lt1"/>
+            </a:fontRef>
+          </p:style>
+          <p:txBody>
+            <a:bodyPr rtlCol="0" anchor="ctr"/>
+            <a:lstStyle/>
+            <a:p>
+              <a:pPr algn="ctr"/>
+              <a:endParaRPr kumimoji="1" lang="ja-JP" altLang="en-US"/>
+            </a:p>
+          </p:txBody>
+        </p:sp>
+      </p:grpSp>
+      <p:grpSp>
+        <p:nvGrpSpPr>
+          <p:cNvPr id="156" name="グループ化 155"/>
+          <p:cNvGrpSpPr/>
+          <p:nvPr/>
+        </p:nvGrpSpPr>
+        <p:grpSpPr>
+          <a:xfrm>
+            <a:off x="955108" y="8839606"/>
+            <a:ext cx="336642" cy="340127"/>
+            <a:chOff x="123825" y="3105436"/>
+            <a:chExt cx="329958" cy="333374"/>
+          </a:xfrm>
+        </p:grpSpPr>
+        <p:sp>
+          <p:nvSpPr>
+            <p:cNvPr id="157" name="直角三角形 156"/>
+            <p:cNvSpPr/>
+            <p:nvPr/>
+          </p:nvSpPr>
+          <p:spPr>
+            <a:xfrm flipH="1">
+              <a:off x="141839" y="3126866"/>
+              <a:ext cx="311944" cy="311944"/>
+            </a:xfrm>
+            <a:prstGeom prst="rtTriangle">
+              <a:avLst/>
+            </a:prstGeom>
+            <a:solidFill>
+              <a:schemeClr val="accent1">
+                <a:lumMod val="50000"/>
+              </a:schemeClr>
+            </a:solidFill>
+            <a:ln>
+              <a:noFill/>
+            </a:ln>
+          </p:spPr>
+          <p:style>
+            <a:lnRef idx="2">
+              <a:schemeClr val="accent1">
+                <a:shade val="50000"/>
+              </a:schemeClr>
+            </a:lnRef>
+            <a:fillRef idx="1">
+              <a:schemeClr val="accent1"/>
+            </a:fillRef>
+            <a:effectRef idx="0">
+              <a:schemeClr val="accent1"/>
+            </a:effectRef>
+            <a:fontRef idx="minor">
+              <a:schemeClr val="lt1"/>
+            </a:fontRef>
+          </p:style>
+          <p:txBody>
+            <a:bodyPr rtlCol="0" anchor="ctr"/>
+            <a:lstStyle/>
+            <a:p>
+              <a:pPr algn="ctr"/>
+              <a:endParaRPr kumimoji="1" lang="ja-JP" altLang="en-US"/>
+            </a:p>
+          </p:txBody>
+        </p:sp>
+        <p:sp>
+          <p:nvSpPr>
+            <p:cNvPr id="158" name="直角三角形 157"/>
+            <p:cNvSpPr/>
+            <p:nvPr/>
+          </p:nvSpPr>
+          <p:spPr>
+            <a:xfrm flipH="1">
+              <a:off x="123825" y="3105436"/>
+              <a:ext cx="311944" cy="311944"/>
+            </a:xfrm>
+            <a:prstGeom prst="rtTriangle">
+              <a:avLst/>
+            </a:prstGeom>
+            <a:ln>
+              <a:noFill/>
+            </a:ln>
+          </p:spPr>
+          <p:style>
+            <a:lnRef idx="2">
+              <a:schemeClr val="accent1">
+                <a:shade val="50000"/>
+              </a:schemeClr>
+            </a:lnRef>
+            <a:fillRef idx="1">
+              <a:schemeClr val="accent1"/>
+            </a:fillRef>
+            <a:effectRef idx="0">
+              <a:schemeClr val="accent1"/>
+            </a:effectRef>
+            <a:fontRef idx="minor">
+              <a:schemeClr val="lt1"/>
+            </a:fontRef>
+          </p:style>
+          <p:txBody>
+            <a:bodyPr rtlCol="0" anchor="ctr"/>
+            <a:lstStyle/>
+            <a:p>
+              <a:pPr algn="ctr"/>
+              <a:endParaRPr kumimoji="1" lang="ja-JP" altLang="en-US"/>
+            </a:p>
+          </p:txBody>
+        </p:sp>
+      </p:grpSp>
+      <p:grpSp>
+        <p:nvGrpSpPr>
+          <p:cNvPr id="159" name="グループ化 158"/>
+          <p:cNvGrpSpPr/>
+          <p:nvPr/>
+        </p:nvGrpSpPr>
+        <p:grpSpPr>
+          <a:xfrm>
+            <a:off x="948852" y="13694866"/>
+            <a:ext cx="336642" cy="340127"/>
+            <a:chOff x="123825" y="3105436"/>
+            <a:chExt cx="329958" cy="333374"/>
+          </a:xfrm>
+        </p:grpSpPr>
+        <p:sp>
+          <p:nvSpPr>
+            <p:cNvPr id="160" name="直角三角形 159"/>
+            <p:cNvSpPr/>
+            <p:nvPr/>
+          </p:nvSpPr>
+          <p:spPr>
+            <a:xfrm flipH="1">
+              <a:off x="141839" y="3126866"/>
+              <a:ext cx="311944" cy="311944"/>
+            </a:xfrm>
+            <a:prstGeom prst="rtTriangle">
+              <a:avLst/>
+            </a:prstGeom>
+            <a:solidFill>
+              <a:schemeClr val="accent1">
+                <a:lumMod val="50000"/>
+              </a:schemeClr>
+            </a:solidFill>
+            <a:ln>
+              <a:noFill/>
+            </a:ln>
+          </p:spPr>
+          <p:style>
+            <a:lnRef idx="2">
+              <a:schemeClr val="accent1">
+                <a:shade val="50000"/>
+              </a:schemeClr>
+            </a:lnRef>
+            <a:fillRef idx="1">
+              <a:schemeClr val="accent1"/>
+            </a:fillRef>
+            <a:effectRef idx="0">
+              <a:schemeClr val="accent1"/>
+            </a:effectRef>
+            <a:fontRef idx="minor">
+              <a:schemeClr val="lt1"/>
+            </a:fontRef>
+          </p:style>
+          <p:txBody>
+            <a:bodyPr rtlCol="0" anchor="ctr"/>
+            <a:lstStyle/>
+            <a:p>
+              <a:pPr algn="ctr"/>
+              <a:endParaRPr kumimoji="1" lang="ja-JP" altLang="en-US"/>
+            </a:p>
+          </p:txBody>
+        </p:sp>
+        <p:sp>
+          <p:nvSpPr>
+            <p:cNvPr id="161" name="直角三角形 160"/>
+            <p:cNvSpPr/>
+            <p:nvPr/>
+          </p:nvSpPr>
+          <p:spPr>
+            <a:xfrm flipH="1">
+              <a:off x="123825" y="3105436"/>
+              <a:ext cx="311944" cy="311944"/>
+            </a:xfrm>
+            <a:prstGeom prst="rtTriangle">
+              <a:avLst/>
+            </a:prstGeom>
+            <a:ln>
+              <a:noFill/>
+            </a:ln>
+          </p:spPr>
+          <p:style>
+            <a:lnRef idx="2">
+              <a:schemeClr val="accent1">
+                <a:shade val="50000"/>
+              </a:schemeClr>
+            </a:lnRef>
+            <a:fillRef idx="1">
+              <a:schemeClr val="accent1"/>
+            </a:fillRef>
+            <a:effectRef idx="0">
+              <a:schemeClr val="accent1"/>
+            </a:effectRef>
+            <a:fontRef idx="minor">
+              <a:schemeClr val="lt1"/>
+            </a:fontRef>
+          </p:style>
+          <p:txBody>
+            <a:bodyPr rtlCol="0" anchor="ctr"/>
+            <a:lstStyle/>
+            <a:p>
+              <a:pPr algn="ctr"/>
+              <a:endParaRPr kumimoji="1" lang="ja-JP" altLang="en-US"/>
+            </a:p>
+          </p:txBody>
+        </p:sp>
+      </p:grpSp>
+      <p:grpSp>
+        <p:nvGrpSpPr>
+          <p:cNvPr id="162" name="グループ化 161"/>
+          <p:cNvGrpSpPr/>
+          <p:nvPr/>
+        </p:nvGrpSpPr>
+        <p:grpSpPr>
+          <a:xfrm>
+            <a:off x="11431330" y="13671497"/>
+            <a:ext cx="336642" cy="340127"/>
+            <a:chOff x="123825" y="3105436"/>
+            <a:chExt cx="329958" cy="333374"/>
+          </a:xfrm>
+        </p:grpSpPr>
+        <p:sp>
+          <p:nvSpPr>
+            <p:cNvPr id="163" name="直角三角形 162"/>
+            <p:cNvSpPr/>
+            <p:nvPr/>
+          </p:nvSpPr>
+          <p:spPr>
+            <a:xfrm flipH="1">
+              <a:off x="141839" y="3126866"/>
+              <a:ext cx="311944" cy="311944"/>
+            </a:xfrm>
+            <a:prstGeom prst="rtTriangle">
+              <a:avLst/>
+            </a:prstGeom>
+            <a:solidFill>
+              <a:schemeClr val="accent1">
+                <a:lumMod val="50000"/>
+              </a:schemeClr>
+            </a:solidFill>
+            <a:ln>
+              <a:noFill/>
+            </a:ln>
+          </p:spPr>
+          <p:style>
+            <a:lnRef idx="2">
+              <a:schemeClr val="accent1">
+                <a:shade val="50000"/>
+              </a:schemeClr>
+            </a:lnRef>
+            <a:fillRef idx="1">
+              <a:schemeClr val="accent1"/>
+            </a:fillRef>
+            <a:effectRef idx="0">
+              <a:schemeClr val="accent1"/>
+            </a:effectRef>
+            <a:fontRef idx="minor">
+              <a:schemeClr val="lt1"/>
+            </a:fontRef>
+          </p:style>
+          <p:txBody>
+            <a:bodyPr rtlCol="0" anchor="ctr"/>
+            <a:lstStyle/>
+            <a:p>
+              <a:pPr algn="ctr"/>
+              <a:endParaRPr kumimoji="1" lang="ja-JP" altLang="en-US"/>
+            </a:p>
+          </p:txBody>
+        </p:sp>
+        <p:sp>
+          <p:nvSpPr>
+            <p:cNvPr id="164" name="直角三角形 163"/>
+            <p:cNvSpPr/>
+            <p:nvPr/>
+          </p:nvSpPr>
+          <p:spPr>
+            <a:xfrm flipH="1">
+              <a:off x="123825" y="3105436"/>
+              <a:ext cx="311944" cy="311944"/>
+            </a:xfrm>
+            <a:prstGeom prst="rtTriangle">
+              <a:avLst/>
+            </a:prstGeom>
+            <a:ln>
+              <a:noFill/>
+            </a:ln>
+          </p:spPr>
+          <p:style>
+            <a:lnRef idx="2">
+              <a:schemeClr val="accent1">
+                <a:shade val="50000"/>
+              </a:schemeClr>
+            </a:lnRef>
+            <a:fillRef idx="1">
+              <a:schemeClr val="accent1"/>
+            </a:fillRef>
+            <a:effectRef idx="0">
+              <a:schemeClr val="accent1"/>
+            </a:effectRef>
+            <a:fontRef idx="minor">
+              <a:schemeClr val="lt1"/>
+            </a:fontRef>
+          </p:style>
+          <p:txBody>
+            <a:bodyPr rtlCol="0" anchor="ctr"/>
+            <a:lstStyle/>
+            <a:p>
+              <a:pPr algn="ctr"/>
+              <a:endParaRPr kumimoji="1" lang="ja-JP" altLang="en-US"/>
+            </a:p>
+          </p:txBody>
+        </p:sp>
+      </p:grpSp>
+      <p:grpSp>
+        <p:nvGrpSpPr>
+          <p:cNvPr id="165" name="グループ化 164"/>
+          <p:cNvGrpSpPr/>
+          <p:nvPr/>
+        </p:nvGrpSpPr>
+        <p:grpSpPr>
+          <a:xfrm>
+            <a:off x="939662" y="16692599"/>
+            <a:ext cx="336642" cy="340127"/>
+            <a:chOff x="123825" y="3105436"/>
+            <a:chExt cx="329958" cy="333374"/>
+          </a:xfrm>
+        </p:grpSpPr>
+        <p:sp>
+          <p:nvSpPr>
+            <p:cNvPr id="166" name="直角三角形 165"/>
+            <p:cNvSpPr/>
+            <p:nvPr/>
+          </p:nvSpPr>
+          <p:spPr>
+            <a:xfrm flipH="1">
+              <a:off x="141839" y="3126866"/>
+              <a:ext cx="311944" cy="311944"/>
+            </a:xfrm>
+            <a:prstGeom prst="rtTriangle">
+              <a:avLst/>
+            </a:prstGeom>
+            <a:solidFill>
+              <a:schemeClr val="accent1">
+                <a:lumMod val="50000"/>
+              </a:schemeClr>
+            </a:solidFill>
+            <a:ln>
+              <a:noFill/>
+            </a:ln>
+          </p:spPr>
+          <p:style>
+            <a:lnRef idx="2">
+              <a:schemeClr val="accent1">
+                <a:shade val="50000"/>
+              </a:schemeClr>
+            </a:lnRef>
+            <a:fillRef idx="1">
+              <a:schemeClr val="accent1"/>
+            </a:fillRef>
+            <a:effectRef idx="0">
+              <a:schemeClr val="accent1"/>
+            </a:effectRef>
+            <a:fontRef idx="minor">
+              <a:schemeClr val="lt1"/>
+            </a:fontRef>
+          </p:style>
+          <p:txBody>
+            <a:bodyPr rtlCol="0" anchor="ctr"/>
+            <a:lstStyle/>
+            <a:p>
+              <a:pPr algn="ctr"/>
+              <a:endParaRPr kumimoji="1" lang="ja-JP" altLang="en-US"/>
+            </a:p>
+          </p:txBody>
+        </p:sp>
+        <p:sp>
+          <p:nvSpPr>
+            <p:cNvPr id="167" name="直角三角形 166"/>
+            <p:cNvSpPr/>
+            <p:nvPr/>
+          </p:nvSpPr>
+          <p:spPr>
+            <a:xfrm flipH="1">
+              <a:off x="123825" y="3105436"/>
+              <a:ext cx="311944" cy="311944"/>
+            </a:xfrm>
+            <a:prstGeom prst="rtTriangle">
+              <a:avLst/>
+            </a:prstGeom>
+            <a:ln>
+              <a:noFill/>
+            </a:ln>
+          </p:spPr>
+          <p:style>
+            <a:lnRef idx="2">
+              <a:schemeClr val="accent1">
+                <a:shade val="50000"/>
+              </a:schemeClr>
+            </a:lnRef>
+            <a:fillRef idx="1">
+              <a:schemeClr val="accent1"/>
+            </a:fillRef>
+            <a:effectRef idx="0">
+              <a:schemeClr val="accent1"/>
+            </a:effectRef>
+            <a:fontRef idx="minor">
+              <a:schemeClr val="lt1"/>
+            </a:fontRef>
+          </p:style>
+          <p:txBody>
+            <a:bodyPr rtlCol="0" anchor="ctr"/>
+            <a:lstStyle/>
+            <a:p>
+              <a:pPr algn="ctr"/>
+              <a:endParaRPr kumimoji="1" lang="ja-JP" altLang="en-US"/>
+            </a:p>
+          </p:txBody>
+        </p:sp>
+      </p:grpSp>
+      <p:grpSp>
+        <p:nvGrpSpPr>
+          <p:cNvPr id="168" name="グループ化 167"/>
+          <p:cNvGrpSpPr/>
+          <p:nvPr/>
+        </p:nvGrpSpPr>
+        <p:grpSpPr>
+          <a:xfrm>
+            <a:off x="11351708" y="27772385"/>
+            <a:ext cx="336642" cy="340127"/>
+            <a:chOff x="123825" y="3105436"/>
+            <a:chExt cx="329958" cy="333374"/>
+          </a:xfrm>
+        </p:grpSpPr>
+        <p:sp>
+          <p:nvSpPr>
+            <p:cNvPr id="169" name="直角三角形 168"/>
+            <p:cNvSpPr/>
+            <p:nvPr/>
+          </p:nvSpPr>
+          <p:spPr>
+            <a:xfrm flipH="1">
+              <a:off x="141839" y="3126866"/>
+              <a:ext cx="311944" cy="311944"/>
+            </a:xfrm>
+            <a:prstGeom prst="rtTriangle">
+              <a:avLst/>
+            </a:prstGeom>
+            <a:solidFill>
+              <a:schemeClr val="accent1">
+                <a:lumMod val="50000"/>
+              </a:schemeClr>
+            </a:solidFill>
+            <a:ln>
+              <a:noFill/>
+            </a:ln>
+          </p:spPr>
+          <p:style>
+            <a:lnRef idx="2">
+              <a:schemeClr val="accent1">
+                <a:shade val="50000"/>
+              </a:schemeClr>
+            </a:lnRef>
+            <a:fillRef idx="1">
+              <a:schemeClr val="accent1"/>
+            </a:fillRef>
+            <a:effectRef idx="0">
+              <a:schemeClr val="accent1"/>
+            </a:effectRef>
+            <a:fontRef idx="minor">
+              <a:schemeClr val="lt1"/>
+            </a:fontRef>
+          </p:style>
+          <p:txBody>
+            <a:bodyPr rtlCol="0" anchor="ctr"/>
+            <a:lstStyle/>
+            <a:p>
+              <a:pPr algn="ctr"/>
+              <a:endParaRPr kumimoji="1" lang="ja-JP" altLang="en-US"/>
+            </a:p>
+          </p:txBody>
+        </p:sp>
+        <p:sp>
+          <p:nvSpPr>
+            <p:cNvPr id="170" name="直角三角形 169"/>
+            <p:cNvSpPr/>
+            <p:nvPr/>
+          </p:nvSpPr>
+          <p:spPr>
+            <a:xfrm flipH="1">
+              <a:off x="123825" y="3105436"/>
+              <a:ext cx="311944" cy="311944"/>
+            </a:xfrm>
+            <a:prstGeom prst="rtTriangle">
+              <a:avLst/>
+            </a:prstGeom>
+            <a:ln>
+              <a:noFill/>
+            </a:ln>
+          </p:spPr>
+          <p:style>
+            <a:lnRef idx="2">
+              <a:schemeClr val="accent1">
+                <a:shade val="50000"/>
+              </a:schemeClr>
+            </a:lnRef>
+            <a:fillRef idx="1">
+              <a:schemeClr val="accent1"/>
+            </a:fillRef>
+            <a:effectRef idx="0">
+              <a:schemeClr val="accent1"/>
+            </a:effectRef>
+            <a:fontRef idx="minor">
+              <a:schemeClr val="lt1"/>
+            </a:fontRef>
+          </p:style>
+          <p:txBody>
+            <a:bodyPr rtlCol="0" anchor="ctr"/>
+            <a:lstStyle/>
+            <a:p>
+              <a:pPr algn="ctr"/>
+              <a:endParaRPr kumimoji="1" lang="ja-JP" altLang="en-US"/>
+            </a:p>
+          </p:txBody>
+        </p:sp>
+      </p:grpSp>
     </p:spTree>
     <p:extLst>
       <p:ext uri="{BB962C8B-B14F-4D97-AF65-F5344CB8AC3E}">

--- a/課題研究/2016/鈴木博文/最終発表/1442068_鈴木博文_ポスター.pptx
+++ b/課題研究/2016/鈴木博文/最終発表/1442068_鈴木博文_ポスター.pptx
@@ -107,7 +107,7 @@
   <p:extLst>
     <p:ext uri="{EFAFB233-063F-42B5-8137-9DF3F51BA10A}">
       <p15:sldGuideLst xmlns:p15="http://schemas.microsoft.com/office/powerpoint/2012/main">
-        <p15:guide id="1" orient="horz" pos="9537" userDrawn="1">
+        <p15:guide id="1" orient="horz" pos="9560" userDrawn="1">
           <p15:clr>
             <a:srgbClr val="A4A3A4"/>
           </p15:clr>
@@ -254,7 +254,7 @@
           <a:p>
             <a:fld id="{34E3704E-F03F-4AD7-81D5-3EDFBCFF4DF5}" type="datetimeFigureOut">
               <a:rPr kumimoji="1" lang="ja-JP" altLang="en-US" smtClean="0"/>
-              <a:t>2016/12/14</a:t>
+              <a:t>2016/12/15</a:t>
             </a:fld>
             <a:endParaRPr kumimoji="1" lang="ja-JP" altLang="en-US" dirty="0"/>
           </a:p>
@@ -456,7 +456,7 @@
           <a:p>
             <a:fld id="{34E3704E-F03F-4AD7-81D5-3EDFBCFF4DF5}" type="datetimeFigureOut">
               <a:rPr kumimoji="1" lang="ja-JP" altLang="en-US" smtClean="0"/>
-              <a:t>2016/12/14</a:t>
+              <a:t>2016/12/15</a:t>
             </a:fld>
             <a:endParaRPr kumimoji="1" lang="ja-JP" altLang="en-US" dirty="0"/>
           </a:p>
@@ -668,7 +668,7 @@
           <a:p>
             <a:fld id="{34E3704E-F03F-4AD7-81D5-3EDFBCFF4DF5}" type="datetimeFigureOut">
               <a:rPr kumimoji="1" lang="ja-JP" altLang="en-US" smtClean="0"/>
-              <a:t>2016/12/14</a:t>
+              <a:t>2016/12/15</a:t>
             </a:fld>
             <a:endParaRPr kumimoji="1" lang="ja-JP" altLang="en-US" dirty="0"/>
           </a:p>
@@ -870,7 +870,7 @@
           <a:p>
             <a:fld id="{34E3704E-F03F-4AD7-81D5-3EDFBCFF4DF5}" type="datetimeFigureOut">
               <a:rPr kumimoji="1" lang="ja-JP" altLang="en-US" smtClean="0"/>
-              <a:t>2016/12/14</a:t>
+              <a:t>2016/12/15</a:t>
             </a:fld>
             <a:endParaRPr kumimoji="1" lang="ja-JP" altLang="en-US" dirty="0"/>
           </a:p>
@@ -1114,7 +1114,7 @@
           <a:p>
             <a:fld id="{34E3704E-F03F-4AD7-81D5-3EDFBCFF4DF5}" type="datetimeFigureOut">
               <a:rPr kumimoji="1" lang="ja-JP" altLang="en-US" smtClean="0"/>
-              <a:t>2016/12/14</a:t>
+              <a:t>2016/12/15</a:t>
             </a:fld>
             <a:endParaRPr kumimoji="1" lang="ja-JP" altLang="en-US" dirty="0"/>
           </a:p>
@@ -1410,7 +1410,7 @@
           <a:p>
             <a:fld id="{34E3704E-F03F-4AD7-81D5-3EDFBCFF4DF5}" type="datetimeFigureOut">
               <a:rPr kumimoji="1" lang="ja-JP" altLang="en-US" smtClean="0"/>
-              <a:t>2016/12/14</a:t>
+              <a:t>2016/12/15</a:t>
             </a:fld>
             <a:endParaRPr kumimoji="1" lang="ja-JP" altLang="en-US" dirty="0"/>
           </a:p>
@@ -1841,7 +1841,7 @@
           <a:p>
             <a:fld id="{34E3704E-F03F-4AD7-81D5-3EDFBCFF4DF5}" type="datetimeFigureOut">
               <a:rPr kumimoji="1" lang="ja-JP" altLang="en-US" smtClean="0"/>
-              <a:t>2016/12/14</a:t>
+              <a:t>2016/12/15</a:t>
             </a:fld>
             <a:endParaRPr kumimoji="1" lang="ja-JP" altLang="en-US" dirty="0"/>
           </a:p>
@@ -1959,7 +1959,7 @@
           <a:p>
             <a:fld id="{34E3704E-F03F-4AD7-81D5-3EDFBCFF4DF5}" type="datetimeFigureOut">
               <a:rPr kumimoji="1" lang="ja-JP" altLang="en-US" smtClean="0"/>
-              <a:t>2016/12/14</a:t>
+              <a:t>2016/12/15</a:t>
             </a:fld>
             <a:endParaRPr kumimoji="1" lang="ja-JP" altLang="en-US" dirty="0"/>
           </a:p>
@@ -2054,7 +2054,7 @@
           <a:p>
             <a:fld id="{34E3704E-F03F-4AD7-81D5-3EDFBCFF4DF5}" type="datetimeFigureOut">
               <a:rPr kumimoji="1" lang="ja-JP" altLang="en-US" smtClean="0"/>
-              <a:t>2016/12/14</a:t>
+              <a:t>2016/12/15</a:t>
             </a:fld>
             <a:endParaRPr kumimoji="1" lang="ja-JP" altLang="en-US" dirty="0"/>
           </a:p>
@@ -2363,7 +2363,7 @@
           <a:p>
             <a:fld id="{34E3704E-F03F-4AD7-81D5-3EDFBCFF4DF5}" type="datetimeFigureOut">
               <a:rPr kumimoji="1" lang="ja-JP" altLang="en-US" smtClean="0"/>
-              <a:t>2016/12/14</a:t>
+              <a:t>2016/12/15</a:t>
             </a:fld>
             <a:endParaRPr kumimoji="1" lang="ja-JP" altLang="en-US" dirty="0"/>
           </a:p>
@@ -2620,7 +2620,7 @@
           <a:p>
             <a:fld id="{34E3704E-F03F-4AD7-81D5-3EDFBCFF4DF5}" type="datetimeFigureOut">
               <a:rPr kumimoji="1" lang="ja-JP" altLang="en-US" smtClean="0"/>
-              <a:t>2016/12/14</a:t>
+              <a:t>2016/12/15</a:t>
             </a:fld>
             <a:endParaRPr kumimoji="1" lang="ja-JP" altLang="en-US" dirty="0"/>
           </a:p>
@@ -2865,7 +2865,7 @@
           <a:p>
             <a:fld id="{34E3704E-F03F-4AD7-81D5-3EDFBCFF4DF5}" type="datetimeFigureOut">
               <a:rPr kumimoji="1" lang="ja-JP" altLang="en-US" smtClean="0"/>
-              <a:t>2016/12/14</a:t>
+              <a:t>2016/12/15</a:t>
             </a:fld>
             <a:endParaRPr kumimoji="1" lang="ja-JP" altLang="en-US" dirty="0"/>
           </a:p>
@@ -3272,6 +3272,36 @@
       </p:grpSpPr>
       <p:pic>
         <p:nvPicPr>
+          <p:cNvPr id="14" name="図 13"/>
+          <p:cNvPicPr>
+            <a:picLocks noChangeAspect="1"/>
+          </p:cNvPicPr>
+          <p:nvPr/>
+        </p:nvPicPr>
+        <p:blipFill>
+          <a:blip r:embed="rId2" cstate="print">
+            <a:extLst>
+              <a:ext uri="{28A0092B-C50C-407E-A947-70E740481C1C}">
+                <a14:useLocalDpi xmlns:a14="http://schemas.microsoft.com/office/drawing/2010/main" val="0"/>
+              </a:ext>
+            </a:extLst>
+          </a:blip>
+          <a:stretch>
+            <a:fillRect/>
+          </a:stretch>
+        </p:blipFill>
+        <p:spPr>
+          <a:xfrm>
+            <a:off x="12606907" y="17793799"/>
+            <a:ext cx="1525454" cy="4864429"/>
+          </a:xfrm>
+          <a:prstGeom prst="rect">
+            <a:avLst/>
+          </a:prstGeom>
+        </p:spPr>
+      </p:pic>
+      <p:pic>
+        <p:nvPicPr>
           <p:cNvPr id="2" name="図 1"/>
           <p:cNvPicPr>
             <a:picLocks noChangeAspect="1"/>
@@ -3279,7 +3309,7 @@
           <p:nvPr/>
         </p:nvPicPr>
         <p:blipFill rotWithShape="1">
-          <a:blip r:embed="rId2">
+          <a:blip r:embed="rId3">
             <a:duotone>
               <a:schemeClr val="accent3">
                 <a:shade val="45000"/>
@@ -3290,7 +3320,7 @@
             <a:extLst>
               <a:ext uri="{BEBA8EAE-BF5A-486C-A8C5-ECC9F3942E4B}">
                 <a14:imgProps xmlns:a14="http://schemas.microsoft.com/office/drawing/2010/main">
-                  <a14:imgLayer r:embed="rId3">
+                  <a14:imgLayer r:embed="rId4">
                     <a14:imgEffect>
                       <a14:saturation sat="33000"/>
                     </a14:imgEffect>
@@ -3496,10 +3526,6 @@
               </a:rPr>
               <a:t>いるのが最大の問題である。</a:t>
             </a:r>
-            <a:endParaRPr lang="ja-JP" altLang="en-US" sz="2800" dirty="0">
-              <a:latin typeface="小塚ゴシック Pr6N R" panose="020B0400000000000000" pitchFamily="34" charset="-128"/>
-              <a:ea typeface="小塚ゴシック Pr6N R" panose="020B0400000000000000" pitchFamily="34" charset="-128"/>
-            </a:endParaRPr>
           </a:p>
         </p:txBody>
       </p:sp>
@@ -3767,7 +3793,7 @@
           <p:nvPr/>
         </p:nvPicPr>
         <p:blipFill>
-          <a:blip r:embed="rId4" cstate="print">
+          <a:blip r:embed="rId5" cstate="print">
             <a:clrChange>
               <a:clrFrom>
                 <a:srgbClr val="FFFFFF"/>
@@ -3808,53 +3834,6 @@
       <p:pic>
         <p:nvPicPr>
           <p:cNvPr id="15" name="図 14"/>
-          <p:cNvPicPr>
-            <a:picLocks noChangeAspect="1"/>
-          </p:cNvPicPr>
-          <p:nvPr/>
-        </p:nvPicPr>
-        <p:blipFill>
-          <a:blip r:embed="rId4" cstate="print">
-            <a:clrChange>
-              <a:clrFrom>
-                <a:srgbClr val="FFFFFF"/>
-              </a:clrFrom>
-              <a:clrTo>
-                <a:srgbClr val="FFFFFF">
-                  <a:alpha val="0"/>
-                </a:srgbClr>
-              </a:clrTo>
-            </a:clrChange>
-            <a:duotone>
-              <a:schemeClr val="accent2">
-                <a:shade val="45000"/>
-                <a:satMod val="135000"/>
-              </a:schemeClr>
-              <a:prstClr val="white"/>
-            </a:duotone>
-            <a:extLst>
-              <a:ext uri="{28A0092B-C50C-407E-A947-70E740481C1C}">
-                <a14:useLocalDpi xmlns:a14="http://schemas.microsoft.com/office/drawing/2010/main" val="0"/>
-              </a:ext>
-            </a:extLst>
-          </a:blip>
-          <a:stretch>
-            <a:fillRect/>
-          </a:stretch>
-        </p:blipFill>
-        <p:spPr>
-          <a:xfrm>
-            <a:off x="5002280" y="7213506"/>
-            <a:ext cx="512097" cy="907162"/>
-          </a:xfrm>
-          <a:prstGeom prst="rect">
-            <a:avLst/>
-          </a:prstGeom>
-        </p:spPr>
-      </p:pic>
-      <p:pic>
-        <p:nvPicPr>
-          <p:cNvPr id="4" name="図 3"/>
           <p:cNvPicPr>
             <a:picLocks noChangeAspect="1"/>
           </p:cNvPicPr>
@@ -3891,6 +3870,53 @@
         </p:blipFill>
         <p:spPr>
           <a:xfrm>
+            <a:off x="5002280" y="7213506"/>
+            <a:ext cx="512097" cy="907162"/>
+          </a:xfrm>
+          <a:prstGeom prst="rect">
+            <a:avLst/>
+          </a:prstGeom>
+        </p:spPr>
+      </p:pic>
+      <p:pic>
+        <p:nvPicPr>
+          <p:cNvPr id="4" name="図 3"/>
+          <p:cNvPicPr>
+            <a:picLocks noChangeAspect="1"/>
+          </p:cNvPicPr>
+          <p:nvPr/>
+        </p:nvPicPr>
+        <p:blipFill>
+          <a:blip r:embed="rId6" cstate="print">
+            <a:clrChange>
+              <a:clrFrom>
+                <a:srgbClr val="FFFFFF"/>
+              </a:clrFrom>
+              <a:clrTo>
+                <a:srgbClr val="FFFFFF">
+                  <a:alpha val="0"/>
+                </a:srgbClr>
+              </a:clrTo>
+            </a:clrChange>
+            <a:duotone>
+              <a:schemeClr val="accent2">
+                <a:shade val="45000"/>
+                <a:satMod val="135000"/>
+              </a:schemeClr>
+              <a:prstClr val="white"/>
+            </a:duotone>
+            <a:extLst>
+              <a:ext uri="{28A0092B-C50C-407E-A947-70E740481C1C}">
+                <a14:useLocalDpi xmlns:a14="http://schemas.microsoft.com/office/drawing/2010/main" val="0"/>
+              </a:ext>
+            </a:extLst>
+          </a:blip>
+          <a:stretch>
+            <a:fillRect/>
+          </a:stretch>
+        </p:blipFill>
+        <p:spPr>
+          <a:xfrm>
             <a:off x="5531187" y="6092044"/>
             <a:ext cx="512097" cy="912247"/>
           </a:xfrm>
@@ -3908,7 +3934,7 @@
           <p:nvPr/>
         </p:nvPicPr>
         <p:blipFill rotWithShape="1">
-          <a:blip r:embed="rId5" cstate="print">
+          <a:blip r:embed="rId6" cstate="print">
             <a:clrChange>
               <a:clrFrom>
                 <a:srgbClr val="FFFFFF"/>
@@ -4122,7 +4148,7 @@
           <p:nvPr/>
         </p:nvPicPr>
         <p:blipFill>
-          <a:blip r:embed="rId6" cstate="print">
+          <a:blip r:embed="rId7" cstate="print">
             <a:duotone>
               <a:schemeClr val="accent6">
                 <a:shade val="45000"/>
@@ -4159,7 +4185,7 @@
           <p:nvPr/>
         </p:nvPicPr>
         <p:blipFill>
-          <a:blip r:embed="rId6" cstate="print">
+          <a:blip r:embed="rId7" cstate="print">
             <a:duotone>
               <a:schemeClr val="accent6">
                 <a:shade val="45000"/>
@@ -4196,7 +4222,7 @@
           <p:nvPr/>
         </p:nvPicPr>
         <p:blipFill>
-          <a:blip r:embed="rId6" cstate="print">
+          <a:blip r:embed="rId7" cstate="print">
             <a:duotone>
               <a:schemeClr val="accent6">
                 <a:shade val="45000"/>
@@ -4233,7 +4259,7 @@
           <p:nvPr/>
         </p:nvPicPr>
         <p:blipFill>
-          <a:blip r:embed="rId6" cstate="print">
+          <a:blip r:embed="rId7" cstate="print">
             <a:duotone>
               <a:schemeClr val="accent6">
                 <a:shade val="45000"/>
@@ -4580,21 +4606,7 @@
                 <a:latin typeface="小塚ゴシック Pr6N R" panose="020B0400000000000000" pitchFamily="34" charset="-128"/>
                 <a:ea typeface="小塚ゴシック Pr6N R" panose="020B0400000000000000" pitchFamily="34" charset="-128"/>
               </a:rPr>
-              <a:t>アプリケーションを</a:t>
-            </a:r>
-            <a:r>
-              <a:rPr lang="ja-JP" altLang="en-US" sz="2800" dirty="0" smtClean="0">
-                <a:latin typeface="小塚ゴシック Pr6N R" panose="020B0400000000000000" pitchFamily="34" charset="-128"/>
-                <a:ea typeface="小塚ゴシック Pr6N R" panose="020B0400000000000000" pitchFamily="34" charset="-128"/>
-              </a:rPr>
-              <a:t>用いた流れ作業で記録できる利用者</a:t>
-            </a:r>
-            <a:r>
-              <a:rPr lang="ja-JP" altLang="en-US" sz="2800" dirty="0" smtClean="0">
-                <a:latin typeface="小塚ゴシック Pr6N R" panose="020B0400000000000000" pitchFamily="34" charset="-128"/>
-                <a:ea typeface="小塚ゴシック Pr6N R" panose="020B0400000000000000" pitchFamily="34" charset="-128"/>
-              </a:rPr>
-              <a:t>管理システムを導入することを考えた。</a:t>
+              <a:t>アプリケーションを用いた流れ作業で記録できる利用者管理システムを導入することを考えた。</a:t>
             </a:r>
             <a:endParaRPr lang="ja-JP" altLang="en-US" sz="2800" dirty="0">
               <a:latin typeface="小塚ゴシック Pr6N R" panose="020B0400000000000000" pitchFamily="34" charset="-128"/>
@@ -4685,7 +4697,7 @@
         </p:nvSpPr>
         <p:spPr>
           <a:xfrm>
-            <a:off x="2454930" y="752919"/>
+            <a:off x="2454930" y="825489"/>
             <a:ext cx="18044035" cy="1015663"/>
           </a:xfrm>
           <a:prstGeom prst="rect">
@@ -4779,35 +4791,6 @@
           </a:p>
         </p:txBody>
       </p:sp>
-      <p:pic>
-        <p:nvPicPr>
-          <p:cNvPr id="23" name="図 22"/>
-          <p:cNvPicPr>
-            <a:picLocks noChangeAspect="1"/>
-          </p:cNvPicPr>
-          <p:nvPr/>
-        </p:nvPicPr>
-        <p:blipFill rotWithShape="1">
-          <a:blip r:embed="rId7">
-            <a:extLst>
-              <a:ext uri="{28A0092B-C50C-407E-A947-70E740481C1C}">
-                <a14:useLocalDpi xmlns:a14="http://schemas.microsoft.com/office/drawing/2010/main" val="0"/>
-              </a:ext>
-            </a:extLst>
-          </a:blip>
-          <a:srcRect l="73572" t="26963" r="3120" b="27850"/>
-          <a:stretch/>
-        </p:blipFill>
-        <p:spPr>
-          <a:xfrm>
-            <a:off x="729009" y="520059"/>
-            <a:ext cx="1622321" cy="1165597"/>
-          </a:xfrm>
-          <a:prstGeom prst="rect">
-            <a:avLst/>
-          </a:prstGeom>
-        </p:spPr>
-      </p:pic>
       <p:cxnSp>
         <p:nvCxnSpPr>
           <p:cNvPr id="43" name="直線コネクタ 42"/>
@@ -4939,14 +4922,7 @@
                 <a:latin typeface="小塚ゴシック Pro M" panose="020B0700000000000000" pitchFamily="34" charset="-128"/>
                 <a:ea typeface="小塚ゴシック Pro M" panose="020B0700000000000000" pitchFamily="34" charset="-128"/>
               </a:rPr>
-              <a:t>・介護ソフトの一部しか使用</a:t>
-            </a:r>
-            <a:r>
-              <a:rPr lang="ja-JP" altLang="en-US" sz="2400" dirty="0" smtClean="0">
-                <a:latin typeface="小塚ゴシック Pro M" panose="020B0700000000000000" pitchFamily="34" charset="-128"/>
-                <a:ea typeface="小塚ゴシック Pro M" panose="020B0700000000000000" pitchFamily="34" charset="-128"/>
-              </a:rPr>
-              <a:t>しないため，紙媒体と並行使用になる</a:t>
+              <a:t>・介護ソフトの一部しか使用しないため，紙媒体と並行使用になる</a:t>
             </a:r>
             <a:endParaRPr lang="ja-JP" altLang="en-US" sz="2400" dirty="0">
               <a:latin typeface="小塚ゴシック Pro M" panose="020B0700000000000000" pitchFamily="34" charset="-128"/>
@@ -4981,21 +4957,7 @@
                 <a:latin typeface="小塚ゴシック Pro M" panose="020B0700000000000000" pitchFamily="34" charset="-128"/>
                 <a:ea typeface="小塚ゴシック Pro M" panose="020B0700000000000000" pitchFamily="34" charset="-128"/>
               </a:rPr>
-              <a:t>・手書きによる利用者</a:t>
-            </a:r>
-            <a:r>
-              <a:rPr lang="ja-JP" altLang="en-US" sz="2400" dirty="0" smtClean="0">
-                <a:latin typeface="小塚ゴシック Pro M" panose="020B0700000000000000" pitchFamily="34" charset="-128"/>
-                <a:ea typeface="小塚ゴシック Pro M" panose="020B0700000000000000" pitchFamily="34" charset="-128"/>
-              </a:rPr>
-              <a:t>の管理は</a:t>
-            </a:r>
-            <a:r>
-              <a:rPr lang="ja-JP" altLang="en-US" sz="2400" dirty="0" smtClean="0">
-                <a:latin typeface="小塚ゴシック Pro M" panose="020B0700000000000000" pitchFamily="34" charset="-128"/>
-                <a:ea typeface="小塚ゴシック Pro M" panose="020B0700000000000000" pitchFamily="34" charset="-128"/>
-              </a:rPr>
-              <a:t>二度手間で記録漏れが発生する</a:t>
+              <a:t>・手書きによる利用者の管理は二度手間で記録漏れが発生する</a:t>
             </a:r>
             <a:endParaRPr lang="ja-JP" altLang="en-US" sz="2400" dirty="0">
               <a:latin typeface="小塚ゴシック Pro M" panose="020B0700000000000000" pitchFamily="34" charset="-128"/>
@@ -5244,35 +5206,21 @@
                 <a:latin typeface="小塚ゴシック Pro M" panose="020B0700000000000000" pitchFamily="34" charset="-128"/>
                 <a:ea typeface="小塚ゴシック Pro M" panose="020B0700000000000000" pitchFamily="34" charset="-128"/>
               </a:rPr>
-              <a:t> 介護</a:t>
+              <a:t> 介護施設にてシステム化す</a:t>
+            </a:r>
+            <a:r>
+              <a:rPr lang="ja-JP" altLang="en-US" sz="2400" dirty="0">
+                <a:latin typeface="小塚ゴシック Pro M" panose="020B0700000000000000" pitchFamily="34" charset="-128"/>
+                <a:ea typeface="小塚ゴシック Pro M" panose="020B0700000000000000" pitchFamily="34" charset="-128"/>
+              </a:rPr>
+              <a:t>べき項目に</a:t>
             </a:r>
             <a:r>
               <a:rPr lang="ja-JP" altLang="en-US" sz="2400" dirty="0" smtClean="0">
                 <a:latin typeface="小塚ゴシック Pro M" panose="020B0700000000000000" pitchFamily="34" charset="-128"/>
                 <a:ea typeface="小塚ゴシック Pro M" panose="020B0700000000000000" pitchFamily="34" charset="-128"/>
               </a:rPr>
-              <a:t>施設にてシステム化す</a:t>
-            </a:r>
-            <a:r>
-              <a:rPr lang="ja-JP" altLang="en-US" sz="2400" dirty="0">
-                <a:latin typeface="小塚ゴシック Pro M" panose="020B0700000000000000" pitchFamily="34" charset="-128"/>
-                <a:ea typeface="小塚ゴシック Pro M" panose="020B0700000000000000" pitchFamily="34" charset="-128"/>
-              </a:rPr>
-              <a:t>べき項目に</a:t>
-            </a:r>
-            <a:r>
-              <a:rPr lang="ja-JP" altLang="en-US" sz="2400" dirty="0" smtClean="0">
-                <a:latin typeface="小塚ゴシック Pro M" panose="020B0700000000000000" pitchFamily="34" charset="-128"/>
-                <a:ea typeface="小塚ゴシック Pro M" panose="020B0700000000000000" pitchFamily="34" charset="-128"/>
-              </a:rPr>
-              <a:t>ついてインタビュー</a:t>
-            </a:r>
-            <a:r>
-              <a:rPr lang="ja-JP" altLang="en-US" sz="2400" dirty="0">
-                <a:latin typeface="小塚ゴシック Pro M" panose="020B0700000000000000" pitchFamily="34" charset="-128"/>
-                <a:ea typeface="小塚ゴシック Pro M" panose="020B0700000000000000" pitchFamily="34" charset="-128"/>
-              </a:rPr>
-              <a:t>する。</a:t>
+              <a:t>ついてインタビューする</a:t>
             </a:r>
             <a:endParaRPr lang="en-US" altLang="ja-JP" sz="2400" dirty="0" smtClean="0">
               <a:latin typeface="小塚ゴシック Pro M" panose="020B0700000000000000" pitchFamily="34" charset="-128"/>
@@ -5292,21 +5240,7 @@
                 <a:latin typeface="小塚ゴシック Pro M" panose="020B0700000000000000" pitchFamily="34" charset="-128"/>
                 <a:ea typeface="小塚ゴシック Pro M" panose="020B0700000000000000" pitchFamily="34" charset="-128"/>
               </a:rPr>
-              <a:t> 調査を基に項目を決定し，デザイン案</a:t>
-            </a:r>
-            <a:r>
-              <a:rPr lang="ja-JP" altLang="en-US" sz="2400" dirty="0" smtClean="0">
-                <a:latin typeface="小塚ゴシック Pro M" panose="020B0700000000000000" pitchFamily="34" charset="-128"/>
-                <a:ea typeface="小塚ゴシック Pro M" panose="020B0700000000000000" pitchFamily="34" charset="-128"/>
-              </a:rPr>
-              <a:t>を制作</a:t>
-            </a:r>
-            <a:r>
-              <a:rPr lang="ja-JP" altLang="en-US" sz="2400" dirty="0" smtClean="0">
-                <a:latin typeface="小塚ゴシック Pro M" panose="020B0700000000000000" pitchFamily="34" charset="-128"/>
-                <a:ea typeface="小塚ゴシック Pro M" panose="020B0700000000000000" pitchFamily="34" charset="-128"/>
-              </a:rPr>
-              <a:t>する（デザ科担当）。</a:t>
+              <a:t> 調査を基に項目を決定し，デザイン案を制作する（デザ科担当）</a:t>
             </a:r>
             <a:endParaRPr lang="en-US" altLang="ja-JP" sz="2400" dirty="0" smtClean="0">
               <a:latin typeface="小塚ゴシック Pro M" panose="020B0700000000000000" pitchFamily="34" charset="-128"/>
@@ -5340,7 +5274,7 @@
                 <a:latin typeface="小塚ゴシック Pro M" panose="020B0700000000000000" pitchFamily="34" charset="-128"/>
                 <a:ea typeface="小塚ゴシック Pro M" panose="020B0700000000000000" pitchFamily="34" charset="-128"/>
               </a:rPr>
-              <a:t>アプリケーションを構築する。</a:t>
+              <a:t>アプリケーションを構築する</a:t>
             </a:r>
             <a:endParaRPr lang="en-US" altLang="ja-JP" sz="2400" dirty="0" smtClean="0">
               <a:latin typeface="小塚ゴシック Pro M" panose="020B0700000000000000" pitchFamily="34" charset="-128"/>
@@ -5367,7 +5301,7 @@
                 <a:latin typeface="小塚ゴシック Pro M" panose="020B0700000000000000" pitchFamily="34" charset="-128"/>
                 <a:ea typeface="小塚ゴシック Pro M" panose="020B0700000000000000" pitchFamily="34" charset="-128"/>
               </a:rPr>
-              <a:t> 協力施設にて成果物の検証実験を行ない，知見を得る。</a:t>
+              <a:t> 協力施設にて成果物の検証実験を行ない，知見を得る</a:t>
             </a:r>
             <a:endParaRPr lang="ja-JP" altLang="en-US" sz="2400" dirty="0">
               <a:latin typeface="小塚ゴシック Pro M" panose="020B0700000000000000" pitchFamily="34" charset="-128"/>
@@ -5611,7 +5545,7 @@
                 <a:latin typeface="小塚ゴシック Pro M" panose="020B0700000000000000" pitchFamily="34" charset="-128"/>
                 <a:ea typeface="小塚ゴシック Pro M" panose="020B0700000000000000" pitchFamily="34" charset="-128"/>
               </a:rPr>
-              <a:t>月にかけてシステム全体の推移とデータ管理を完成させる。</a:t>
+              <a:t>月にかけてシステム全体の推移とデータ管理を完成させる</a:t>
             </a:r>
             <a:endParaRPr lang="en-US" altLang="ja-JP" sz="2400" dirty="0" smtClean="0">
               <a:latin typeface="小塚ゴシック Pro M" panose="020B0700000000000000" pitchFamily="34" charset="-128"/>
@@ -5659,7 +5593,7 @@
                 <a:latin typeface="小塚ゴシック Pro M" panose="020B0700000000000000" pitchFamily="34" charset="-128"/>
                 <a:ea typeface="小塚ゴシック Pro M" panose="020B0700000000000000" pitchFamily="34" charset="-128"/>
               </a:rPr>
-              <a:t>を行なう。</a:t>
+              <a:t>を行なう</a:t>
             </a:r>
             <a:endParaRPr lang="en-US" altLang="ja-JP" sz="2400" dirty="0" smtClean="0">
               <a:latin typeface="小塚ゴシック Pro M" panose="020B0700000000000000" pitchFamily="34" charset="-128"/>
@@ -5693,7 +5627,7 @@
                 <a:latin typeface="小塚ゴシック Pro M" panose="020B0700000000000000" pitchFamily="34" charset="-128"/>
                 <a:ea typeface="小塚ゴシック Pro M" panose="020B0700000000000000" pitchFamily="34" charset="-128"/>
               </a:rPr>
-              <a:t>月上旬にシステムを完成させる。</a:t>
+              <a:t>月上旬にシステムを完成させる</a:t>
             </a:r>
             <a:endParaRPr lang="ja-JP" altLang="en-US" sz="2400" dirty="0">
               <a:latin typeface="小塚ゴシック Pro M" panose="020B0700000000000000" pitchFamily="34" charset="-128"/>
@@ -5732,9 +5666,228 @@
           </a:prstGeom>
         </p:spPr>
       </p:pic>
+      <p:sp>
+        <p:nvSpPr>
+          <p:cNvPr id="112" name="テキスト ボックス 111"/>
+          <p:cNvSpPr txBox="1"/>
+          <p:nvPr/>
+        </p:nvSpPr>
+        <p:spPr>
+          <a:xfrm flipH="1">
+            <a:off x="10812240" y="23321799"/>
+            <a:ext cx="2805391" cy="400110"/>
+          </a:xfrm>
+          <a:prstGeom prst="rect">
+            <a:avLst/>
+          </a:prstGeom>
+          <a:noFill/>
+        </p:spPr>
+        <p:txBody>
+          <a:bodyPr wrap="square" rtlCol="0" anchor="ctr">
+            <a:spAutoFit/>
+          </a:bodyPr>
+          <a:lstStyle/>
+          <a:p>
+            <a:pPr algn="ctr"/>
+            <a:r>
+              <a:rPr lang="ja-JP" altLang="en-US" sz="2000" dirty="0" smtClean="0">
+                <a:latin typeface="小塚ゴシック Pro B" panose="020B0800000000000000" pitchFamily="34" charset="-128"/>
+                <a:ea typeface="小塚ゴシック Pro B" panose="020B0800000000000000" pitchFamily="34" charset="-128"/>
+              </a:rPr>
+              <a:t>図</a:t>
+            </a:r>
+            <a:r>
+              <a:rPr lang="en-US" altLang="ja-JP" sz="2000" dirty="0" smtClean="0">
+                <a:latin typeface="小塚ゴシック Pro B" panose="020B0800000000000000" pitchFamily="34" charset="-128"/>
+                <a:ea typeface="小塚ゴシック Pro B" panose="020B0800000000000000" pitchFamily="34" charset="-128"/>
+              </a:rPr>
+              <a:t>2</a:t>
+            </a:r>
+            <a:r>
+              <a:rPr lang="ja-JP" altLang="en-US" sz="2000" dirty="0" smtClean="0">
+                <a:latin typeface="小塚ゴシック Pro B" panose="020B0800000000000000" pitchFamily="34" charset="-128"/>
+                <a:ea typeface="小塚ゴシック Pro B" panose="020B0800000000000000" pitchFamily="34" charset="-128"/>
+              </a:rPr>
+              <a:t>　個人入力ページ</a:t>
+            </a:r>
+            <a:endParaRPr lang="en-US" altLang="ja-JP" sz="2000" dirty="0">
+              <a:latin typeface="小塚ゴシック Pro B" panose="020B0800000000000000" pitchFamily="34" charset="-128"/>
+              <a:ea typeface="小塚ゴシック Pro B" panose="020B0800000000000000" pitchFamily="34" charset="-128"/>
+            </a:endParaRPr>
+          </a:p>
+        </p:txBody>
+      </p:sp>
+      <p:sp>
+        <p:nvSpPr>
+          <p:cNvPr id="113" name="テキスト ボックス 112"/>
+          <p:cNvSpPr txBox="1"/>
+          <p:nvPr/>
+        </p:nvSpPr>
+        <p:spPr>
+          <a:xfrm flipH="1">
+            <a:off x="15832960" y="23421460"/>
+            <a:ext cx="2805391" cy="400110"/>
+          </a:xfrm>
+          <a:prstGeom prst="rect">
+            <a:avLst/>
+          </a:prstGeom>
+          <a:noFill/>
+        </p:spPr>
+        <p:txBody>
+          <a:bodyPr wrap="square" rtlCol="0" anchor="ctr">
+            <a:spAutoFit/>
+          </a:bodyPr>
+          <a:lstStyle/>
+          <a:p>
+            <a:pPr algn="ctr"/>
+            <a:r>
+              <a:rPr lang="ja-JP" altLang="en-US" sz="2000" dirty="0" smtClean="0">
+                <a:latin typeface="小塚ゴシック Pro B" panose="020B0800000000000000" pitchFamily="34" charset="-128"/>
+                <a:ea typeface="小塚ゴシック Pro B" panose="020B0800000000000000" pitchFamily="34" charset="-128"/>
+              </a:rPr>
+              <a:t>図</a:t>
+            </a:r>
+            <a:r>
+              <a:rPr lang="en-US" altLang="ja-JP" sz="2000" dirty="0" smtClean="0">
+                <a:latin typeface="小塚ゴシック Pro B" panose="020B0800000000000000" pitchFamily="34" charset="-128"/>
+                <a:ea typeface="小塚ゴシック Pro B" panose="020B0800000000000000" pitchFamily="34" charset="-128"/>
+              </a:rPr>
+              <a:t>3</a:t>
+            </a:r>
+            <a:r>
+              <a:rPr lang="ja-JP" altLang="en-US" sz="2000" dirty="0" smtClean="0">
+                <a:latin typeface="小塚ゴシック Pro B" panose="020B0800000000000000" pitchFamily="34" charset="-128"/>
+                <a:ea typeface="小塚ゴシック Pro B" panose="020B0800000000000000" pitchFamily="34" charset="-128"/>
+              </a:rPr>
+              <a:t>　表入力ページ</a:t>
+            </a:r>
+            <a:endParaRPr lang="en-US" altLang="ja-JP" sz="2000" dirty="0">
+              <a:latin typeface="小塚ゴシック Pro B" panose="020B0800000000000000" pitchFamily="34" charset="-128"/>
+              <a:ea typeface="小塚ゴシック Pro B" panose="020B0800000000000000" pitchFamily="34" charset="-128"/>
+            </a:endParaRPr>
+          </a:p>
+        </p:txBody>
+      </p:sp>
+      <p:sp>
+        <p:nvSpPr>
+          <p:cNvPr id="114" name="正方形/長方形 113"/>
+          <p:cNvSpPr/>
+          <p:nvPr/>
+        </p:nvSpPr>
+        <p:spPr>
+          <a:xfrm>
+            <a:off x="897426" y="17871738"/>
+            <a:ext cx="9779617" cy="1200329"/>
+          </a:xfrm>
+          <a:prstGeom prst="rect">
+            <a:avLst/>
+          </a:prstGeom>
+        </p:spPr>
+        <p:txBody>
+          <a:bodyPr wrap="square">
+            <a:spAutoFit/>
+          </a:bodyPr>
+          <a:lstStyle/>
+          <a:p>
+            <a:r>
+              <a:rPr lang="ja-JP" altLang="en-US" sz="2400" dirty="0" smtClean="0">
+                <a:latin typeface="小塚ゴシック Pro M" panose="020B0700000000000000" pitchFamily="34" charset="-128"/>
+                <a:ea typeface="小塚ゴシック Pro M" panose="020B0700000000000000" pitchFamily="34" charset="-128"/>
+              </a:rPr>
+              <a:t>・</a:t>
+            </a:r>
+            <a:r>
+              <a:rPr lang="en-US" altLang="ja-JP" sz="2400" dirty="0" smtClean="0">
+                <a:latin typeface="小塚ゴシック Pro M" panose="020B0700000000000000" pitchFamily="34" charset="-128"/>
+                <a:ea typeface="小塚ゴシック Pro M" panose="020B0700000000000000" pitchFamily="34" charset="-128"/>
+              </a:rPr>
+              <a:t>10</a:t>
+            </a:r>
+            <a:r>
+              <a:rPr lang="ja-JP" altLang="en-US" sz="2400" dirty="0" smtClean="0">
+                <a:latin typeface="小塚ゴシック Pro M" panose="020B0700000000000000" pitchFamily="34" charset="-128"/>
+                <a:ea typeface="小塚ゴシック Pro M" panose="020B0700000000000000" pitchFamily="34" charset="-128"/>
+              </a:rPr>
+              <a:t>月中旬</a:t>
+            </a:r>
+            <a:r>
+              <a:rPr lang="ja-JP" altLang="en-US" sz="2400" dirty="0">
+                <a:latin typeface="小塚ゴシック Pro M" panose="020B0700000000000000" pitchFamily="34" charset="-128"/>
+                <a:ea typeface="小塚ゴシック Pro M" panose="020B0700000000000000" pitchFamily="34" charset="-128"/>
+              </a:rPr>
+              <a:t>　</a:t>
+            </a:r>
+            <a:r>
+              <a:rPr lang="ja-JP" altLang="en-US" sz="2400" dirty="0" smtClean="0">
+                <a:latin typeface="小塚ゴシック Pro M" panose="020B0700000000000000" pitchFamily="34" charset="-128"/>
+                <a:ea typeface="小塚ゴシック Pro M" panose="020B0700000000000000" pitchFamily="34" charset="-128"/>
+              </a:rPr>
+              <a:t>　システム構築開始</a:t>
+            </a:r>
+            <a:endParaRPr lang="en-US" altLang="ja-JP" sz="2400" dirty="0" smtClean="0">
+              <a:latin typeface="小塚ゴシック Pro M" panose="020B0700000000000000" pitchFamily="34" charset="-128"/>
+              <a:ea typeface="小塚ゴシック Pro M" panose="020B0700000000000000" pitchFamily="34" charset="-128"/>
+            </a:endParaRPr>
+          </a:p>
+          <a:p>
+            <a:r>
+              <a:rPr lang="ja-JP" altLang="en-US" sz="2400" dirty="0" smtClean="0">
+                <a:latin typeface="小塚ゴシック Pro M" panose="020B0700000000000000" pitchFamily="34" charset="-128"/>
+                <a:ea typeface="小塚ゴシック Pro M" panose="020B0700000000000000" pitchFamily="34" charset="-128"/>
+              </a:rPr>
+              <a:t>・</a:t>
+            </a:r>
+            <a:r>
+              <a:rPr lang="en-US" altLang="ja-JP" sz="2400" dirty="0" smtClean="0">
+                <a:latin typeface="小塚ゴシック Pro M" panose="020B0700000000000000" pitchFamily="34" charset="-128"/>
+                <a:ea typeface="小塚ゴシック Pro M" panose="020B0700000000000000" pitchFamily="34" charset="-128"/>
+              </a:rPr>
+              <a:t>11</a:t>
+            </a:r>
+            <a:r>
+              <a:rPr lang="ja-JP" altLang="en-US" sz="2400" dirty="0" smtClean="0">
+                <a:latin typeface="小塚ゴシック Pro M" panose="020B0700000000000000" pitchFamily="34" charset="-128"/>
+                <a:ea typeface="小塚ゴシック Pro M" panose="020B0700000000000000" pitchFamily="34" charset="-128"/>
+              </a:rPr>
+              <a:t>月中旬　　協力施設にて担当者に説明し改善点を調査</a:t>
+            </a:r>
+            <a:endParaRPr lang="en-US" altLang="ja-JP" sz="2400" dirty="0" smtClean="0">
+              <a:latin typeface="小塚ゴシック Pro M" panose="020B0700000000000000" pitchFamily="34" charset="-128"/>
+              <a:ea typeface="小塚ゴシック Pro M" panose="020B0700000000000000" pitchFamily="34" charset="-128"/>
+            </a:endParaRPr>
+          </a:p>
+          <a:p>
+            <a:r>
+              <a:rPr lang="ja-JP" altLang="en-US" sz="2400" dirty="0" smtClean="0">
+                <a:latin typeface="小塚ゴシック Pro M" panose="020B0700000000000000" pitchFamily="34" charset="-128"/>
+                <a:ea typeface="小塚ゴシック Pro M" panose="020B0700000000000000" pitchFamily="34" charset="-128"/>
+              </a:rPr>
+              <a:t>・</a:t>
+            </a:r>
+            <a:r>
+              <a:rPr lang="en-US" altLang="ja-JP" sz="2400" dirty="0" smtClean="0">
+                <a:latin typeface="小塚ゴシック Pro M" panose="020B0700000000000000" pitchFamily="34" charset="-128"/>
+                <a:ea typeface="小塚ゴシック Pro M" panose="020B0700000000000000" pitchFamily="34" charset="-128"/>
+              </a:rPr>
+              <a:t>11</a:t>
+            </a:r>
+            <a:r>
+              <a:rPr lang="ja-JP" altLang="en-US" sz="2400" dirty="0" smtClean="0">
+                <a:latin typeface="小塚ゴシック Pro M" panose="020B0700000000000000" pitchFamily="34" charset="-128"/>
+                <a:ea typeface="小塚ゴシック Pro M" panose="020B0700000000000000" pitchFamily="34" charset="-128"/>
+              </a:rPr>
+              <a:t>月中旬～　必要項目を洗い出しシステム再構成を継続</a:t>
+            </a:r>
+            <a:endParaRPr lang="ja-JP" altLang="en-US" sz="2400" dirty="0">
+              <a:latin typeface="小塚ゴシック Pro M" panose="020B0700000000000000" pitchFamily="34" charset="-128"/>
+              <a:ea typeface="小塚ゴシック Pro M" panose="020B0700000000000000" pitchFamily="34" charset="-128"/>
+            </a:endParaRPr>
+          </a:p>
+        </p:txBody>
+      </p:sp>
       <p:pic>
         <p:nvPicPr>
-          <p:cNvPr id="111" name="図 110"/>
+          <p:cNvPr id="115" name="図 114"/>
           <p:cNvPicPr>
             <a:picLocks noChangeAspect="1"/>
           </p:cNvPicPr>
@@ -5754,8 +5907,8 @@
         </p:blipFill>
         <p:spPr>
           <a:xfrm>
-            <a:off x="10925236" y="16919488"/>
-            <a:ext cx="4765441" cy="6353922"/>
+            <a:off x="840310" y="24248286"/>
+            <a:ext cx="9606750" cy="3017137"/>
           </a:xfrm>
           <a:prstGeom prst="rect">
             <a:avLst/>
@@ -5764,13 +5917,179 @@
       </p:pic>
       <p:sp>
         <p:nvSpPr>
-          <p:cNvPr id="112" name="テキスト ボックス 111"/>
+          <p:cNvPr id="116" name="正方形/長方形 115"/>
+          <p:cNvSpPr/>
+          <p:nvPr/>
+        </p:nvSpPr>
+        <p:spPr>
+          <a:xfrm>
+            <a:off x="822068" y="20077970"/>
+            <a:ext cx="9779617" cy="1200329"/>
+          </a:xfrm>
+          <a:prstGeom prst="rect">
+            <a:avLst/>
+          </a:prstGeom>
+        </p:spPr>
+        <p:txBody>
+          <a:bodyPr wrap="square">
+            <a:spAutoFit/>
+          </a:bodyPr>
+          <a:lstStyle/>
+          <a:p>
+            <a:r>
+              <a:rPr lang="ja-JP" altLang="en-US" sz="2400" dirty="0" smtClean="0">
+                <a:latin typeface="小塚ゴシック Pro M" panose="020B0700000000000000" pitchFamily="34" charset="-128"/>
+                <a:ea typeface="小塚ゴシック Pro M" panose="020B0700000000000000" pitchFamily="34" charset="-128"/>
+              </a:rPr>
+              <a:t>・優先的</a:t>
+            </a:r>
+            <a:r>
+              <a:rPr lang="ja-JP" altLang="en-US" sz="2400" dirty="0">
+                <a:latin typeface="小塚ゴシック Pro M" panose="020B0700000000000000" pitchFamily="34" charset="-128"/>
+                <a:ea typeface="小塚ゴシック Pro M" panose="020B0700000000000000" pitchFamily="34" charset="-128"/>
+              </a:rPr>
+              <a:t>にシステム化してほしいことについての情報を</a:t>
+            </a:r>
+            <a:r>
+              <a:rPr lang="ja-JP" altLang="en-US" sz="2400" dirty="0" smtClean="0">
+                <a:latin typeface="小塚ゴシック Pro M" panose="020B0700000000000000" pitchFamily="34" charset="-128"/>
+                <a:ea typeface="小塚ゴシック Pro M" panose="020B0700000000000000" pitchFamily="34" charset="-128"/>
+              </a:rPr>
+              <a:t>得た</a:t>
+            </a:r>
+            <a:endParaRPr lang="en-US" altLang="ja-JP" sz="2400" dirty="0" smtClean="0">
+              <a:latin typeface="小塚ゴシック Pro M" panose="020B0700000000000000" pitchFamily="34" charset="-128"/>
+              <a:ea typeface="小塚ゴシック Pro M" panose="020B0700000000000000" pitchFamily="34" charset="-128"/>
+            </a:endParaRPr>
+          </a:p>
+          <a:p>
+            <a:r>
+              <a:rPr lang="ja-JP" altLang="en-US" sz="2400" dirty="0" smtClean="0">
+                <a:latin typeface="小塚ゴシック Pro M" panose="020B0700000000000000" pitchFamily="34" charset="-128"/>
+                <a:ea typeface="小塚ゴシック Pro M" panose="020B0700000000000000" pitchFamily="34" charset="-128"/>
+              </a:rPr>
+              <a:t>・効率よく記録するための作業の流れが聞けた</a:t>
+            </a:r>
+            <a:endParaRPr lang="en-US" altLang="ja-JP" sz="2400" dirty="0" smtClean="0">
+              <a:latin typeface="小塚ゴシック Pro M" panose="020B0700000000000000" pitchFamily="34" charset="-128"/>
+              <a:ea typeface="小塚ゴシック Pro M" panose="020B0700000000000000" pitchFamily="34" charset="-128"/>
+            </a:endParaRPr>
+          </a:p>
+          <a:p>
+            <a:r>
+              <a:rPr lang="ja-JP" altLang="en-US" sz="2400" dirty="0" smtClean="0">
+                <a:latin typeface="小塚ゴシック Pro M" panose="020B0700000000000000" pitchFamily="34" charset="-128"/>
+                <a:ea typeface="小塚ゴシック Pro M" panose="020B0700000000000000" pitchFamily="34" charset="-128"/>
+              </a:rPr>
+              <a:t>・現場での介護職員への負担の大きさについて聞けた</a:t>
+            </a:r>
+            <a:endParaRPr lang="ja-JP" altLang="en-US" sz="2400" dirty="0">
+              <a:latin typeface="小塚ゴシック Pro M" panose="020B0700000000000000" pitchFamily="34" charset="-128"/>
+              <a:ea typeface="小塚ゴシック Pro M" panose="020B0700000000000000" pitchFamily="34" charset="-128"/>
+            </a:endParaRPr>
+          </a:p>
+        </p:txBody>
+      </p:sp>
+      <p:sp>
+        <p:nvSpPr>
+          <p:cNvPr id="117" name="正方形/長方形 116"/>
+          <p:cNvSpPr/>
+          <p:nvPr/>
+        </p:nvSpPr>
+        <p:spPr>
+          <a:xfrm>
+            <a:off x="948852" y="17229433"/>
+            <a:ext cx="2790417" cy="523220"/>
+          </a:xfrm>
+          <a:prstGeom prst="rect">
+            <a:avLst/>
+          </a:prstGeom>
+        </p:spPr>
+        <p:txBody>
+          <a:bodyPr wrap="square">
+            <a:spAutoFit/>
+          </a:bodyPr>
+          <a:lstStyle/>
+          <a:p>
+            <a:r>
+              <a:rPr lang="en-US" altLang="ja-JP" sz="2800" dirty="0" smtClean="0">
+                <a:latin typeface="小塚ゴシック Pro M" panose="020B0700000000000000" pitchFamily="34" charset="-128"/>
+                <a:ea typeface="小塚ゴシック Pro M" panose="020B0700000000000000" pitchFamily="34" charset="-128"/>
+              </a:rPr>
+              <a:t>5.1</a:t>
+            </a:r>
+            <a:r>
+              <a:rPr lang="ja-JP" altLang="en-US" sz="2800" dirty="0">
+                <a:latin typeface="小塚ゴシック Pro M" panose="020B0700000000000000" pitchFamily="34" charset="-128"/>
+                <a:ea typeface="小塚ゴシック Pro M" panose="020B0700000000000000" pitchFamily="34" charset="-128"/>
+              </a:rPr>
+              <a:t> </a:t>
+            </a:r>
+            <a:r>
+              <a:rPr lang="ja-JP" altLang="en-US" sz="2800" dirty="0" smtClean="0">
+                <a:latin typeface="小塚ゴシック Pro M" panose="020B0700000000000000" pitchFamily="34" charset="-128"/>
+                <a:ea typeface="小塚ゴシック Pro M" panose="020B0700000000000000" pitchFamily="34" charset="-128"/>
+              </a:rPr>
+              <a:t>研究の流れ</a:t>
+            </a:r>
+            <a:endParaRPr lang="ja-JP" altLang="en-US" sz="2800" dirty="0">
+              <a:latin typeface="小塚ゴシック Pro M" panose="020B0700000000000000" pitchFamily="34" charset="-128"/>
+              <a:ea typeface="小塚ゴシック Pro M" panose="020B0700000000000000" pitchFamily="34" charset="-128"/>
+            </a:endParaRPr>
+          </a:p>
+        </p:txBody>
+      </p:sp>
+      <p:sp>
+        <p:nvSpPr>
+          <p:cNvPr id="118" name="正方形/長方形 117"/>
+          <p:cNvSpPr/>
+          <p:nvPr/>
+        </p:nvSpPr>
+        <p:spPr>
+          <a:xfrm>
+            <a:off x="955108" y="19410837"/>
+            <a:ext cx="4047172" cy="523220"/>
+          </a:xfrm>
+          <a:prstGeom prst="rect">
+            <a:avLst/>
+          </a:prstGeom>
+        </p:spPr>
+        <p:txBody>
+          <a:bodyPr wrap="square">
+            <a:spAutoFit/>
+          </a:bodyPr>
+          <a:lstStyle/>
+          <a:p>
+            <a:r>
+              <a:rPr lang="en-US" altLang="ja-JP" sz="2800" dirty="0" smtClean="0">
+                <a:latin typeface="小塚ゴシック Pro M" panose="020B0700000000000000" pitchFamily="34" charset="-128"/>
+                <a:ea typeface="小塚ゴシック Pro M" panose="020B0700000000000000" pitchFamily="34" charset="-128"/>
+              </a:rPr>
+              <a:t>5.2</a:t>
+            </a:r>
+            <a:r>
+              <a:rPr lang="ja-JP" altLang="en-US" sz="2800" dirty="0" smtClean="0">
+                <a:latin typeface="小塚ゴシック Pro M" panose="020B0700000000000000" pitchFamily="34" charset="-128"/>
+                <a:ea typeface="小塚ゴシック Pro M" panose="020B0700000000000000" pitchFamily="34" charset="-128"/>
+              </a:rPr>
+              <a:t> インタビューの成果</a:t>
+            </a:r>
+            <a:endParaRPr lang="ja-JP" altLang="en-US" sz="2800" dirty="0">
+              <a:latin typeface="小塚ゴシック Pro M" panose="020B0700000000000000" pitchFamily="34" charset="-128"/>
+              <a:ea typeface="小塚ゴシック Pro M" panose="020B0700000000000000" pitchFamily="34" charset="-128"/>
+            </a:endParaRPr>
+          </a:p>
+        </p:txBody>
+      </p:sp>
+      <p:sp>
+        <p:nvSpPr>
+          <p:cNvPr id="119" name="テキスト ボックス 118"/>
           <p:cNvSpPr txBox="1"/>
           <p:nvPr/>
         </p:nvSpPr>
         <p:spPr>
           <a:xfrm flipH="1">
-            <a:off x="10812240" y="23321799"/>
+            <a:off x="900672" y="27420015"/>
             <a:ext cx="2805391" cy="400110"/>
           </a:xfrm>
           <a:prstGeom prst="rect">
@@ -5793,18 +6112,18 @@
               <a:t>図</a:t>
             </a:r>
             <a:r>
-              <a:rPr lang="en-US" altLang="ja-JP" sz="2000" dirty="0" smtClean="0">
+              <a:rPr lang="en-US" altLang="ja-JP" sz="2000" dirty="0">
                 <a:latin typeface="小塚ゴシック Pro B" panose="020B0800000000000000" pitchFamily="34" charset="-128"/>
                 <a:ea typeface="小塚ゴシック Pro B" panose="020B0800000000000000" pitchFamily="34" charset="-128"/>
               </a:rPr>
-              <a:t>2</a:t>
+              <a:t>1</a:t>
             </a:r>
             <a:r>
               <a:rPr lang="ja-JP" altLang="en-US" sz="2000" dirty="0" smtClean="0">
                 <a:latin typeface="小塚ゴシック Pro B" panose="020B0800000000000000" pitchFamily="34" charset="-128"/>
                 <a:ea typeface="小塚ゴシック Pro B" panose="020B0800000000000000" pitchFamily="34" charset="-128"/>
               </a:rPr>
-              <a:t>　個人入力ページ</a:t>
+              <a:t>　アーキテクチャ</a:t>
             </a:r>
             <a:endParaRPr lang="en-US" altLang="ja-JP" sz="2000" dirty="0">
               <a:latin typeface="小塚ゴシック Pro B" panose="020B0800000000000000" pitchFamily="34" charset="-128"/>
@@ -5815,65 +6134,14 @@
       </p:sp>
       <p:sp>
         <p:nvSpPr>
-          <p:cNvPr id="113" name="テキスト ボックス 112"/>
-          <p:cNvSpPr txBox="1"/>
-          <p:nvPr/>
-        </p:nvSpPr>
-        <p:spPr>
-          <a:xfrm flipH="1">
-            <a:off x="15832960" y="23421460"/>
-            <a:ext cx="2805391" cy="400110"/>
-          </a:xfrm>
-          <a:prstGeom prst="rect">
-            <a:avLst/>
-          </a:prstGeom>
-          <a:noFill/>
-        </p:spPr>
-        <p:txBody>
-          <a:bodyPr wrap="square" rtlCol="0" anchor="ctr">
-            <a:spAutoFit/>
-          </a:bodyPr>
-          <a:lstStyle/>
-          <a:p>
-            <a:pPr algn="ctr"/>
-            <a:r>
-              <a:rPr lang="ja-JP" altLang="en-US" sz="2000" dirty="0" smtClean="0">
-                <a:latin typeface="小塚ゴシック Pro B" panose="020B0800000000000000" pitchFamily="34" charset="-128"/>
-                <a:ea typeface="小塚ゴシック Pro B" panose="020B0800000000000000" pitchFamily="34" charset="-128"/>
-              </a:rPr>
-              <a:t>図</a:t>
-            </a:r>
-            <a:r>
-              <a:rPr lang="en-US" altLang="ja-JP" sz="2000" dirty="0" smtClean="0">
-                <a:latin typeface="小塚ゴシック Pro B" panose="020B0800000000000000" pitchFamily="34" charset="-128"/>
-                <a:ea typeface="小塚ゴシック Pro B" panose="020B0800000000000000" pitchFamily="34" charset="-128"/>
-              </a:rPr>
-              <a:t>3</a:t>
-            </a:r>
-            <a:r>
-              <a:rPr lang="ja-JP" altLang="en-US" sz="2000" dirty="0" smtClean="0">
-                <a:latin typeface="小塚ゴシック Pro B" panose="020B0800000000000000" pitchFamily="34" charset="-128"/>
-                <a:ea typeface="小塚ゴシック Pro B" panose="020B0800000000000000" pitchFamily="34" charset="-128"/>
-              </a:rPr>
-              <a:t>　表入力ページ</a:t>
-            </a:r>
-            <a:endParaRPr lang="en-US" altLang="ja-JP" sz="2000" dirty="0">
-              <a:latin typeface="小塚ゴシック Pro B" panose="020B0800000000000000" pitchFamily="34" charset="-128"/>
-              <a:ea typeface="小塚ゴシック Pro B" panose="020B0800000000000000" pitchFamily="34" charset="-128"/>
-            </a:endParaRPr>
-          </a:p>
-        </p:txBody>
-      </p:sp>
-      <p:sp>
-        <p:nvSpPr>
-          <p:cNvPr id="114" name="正方形/長方形 113"/>
+          <p:cNvPr id="120" name="正方形/長方形 119"/>
           <p:cNvSpPr/>
           <p:nvPr/>
         </p:nvSpPr>
         <p:spPr>
           <a:xfrm>
-            <a:off x="897426" y="17871738"/>
-            <a:ext cx="9779617" cy="1200329"/>
+            <a:off x="912937" y="21795520"/>
+            <a:ext cx="4047172" cy="523220"/>
           </a:xfrm>
           <a:prstGeom prst="rect">
             <a:avLst/>
@@ -5886,39 +6154,67 @@
           <a:lstStyle/>
           <a:p>
             <a:r>
+              <a:rPr lang="en-US" altLang="ja-JP" sz="2800" dirty="0" smtClean="0">
+                <a:latin typeface="小塚ゴシック Pro M" panose="020B0700000000000000" pitchFamily="34" charset="-128"/>
+                <a:ea typeface="小塚ゴシック Pro M" panose="020B0700000000000000" pitchFamily="34" charset="-128"/>
+              </a:rPr>
+              <a:t>5.3</a:t>
+            </a:r>
+            <a:r>
+              <a:rPr lang="ja-JP" altLang="en-US" sz="2800" dirty="0" smtClean="0">
+                <a:latin typeface="小塚ゴシック Pro M" panose="020B0700000000000000" pitchFamily="34" charset="-128"/>
+                <a:ea typeface="小塚ゴシック Pro M" panose="020B0700000000000000" pitchFamily="34" charset="-128"/>
+              </a:rPr>
+              <a:t> システム開発</a:t>
+            </a:r>
+            <a:endParaRPr lang="ja-JP" altLang="en-US" sz="2800" dirty="0">
+              <a:latin typeface="小塚ゴシック Pro M" panose="020B0700000000000000" pitchFamily="34" charset="-128"/>
+              <a:ea typeface="小塚ゴシック Pro M" panose="020B0700000000000000" pitchFamily="34" charset="-128"/>
+            </a:endParaRPr>
+          </a:p>
+        </p:txBody>
+      </p:sp>
+      <p:sp>
+        <p:nvSpPr>
+          <p:cNvPr id="122" name="正方形/長方形 121"/>
+          <p:cNvSpPr/>
+          <p:nvPr/>
+        </p:nvSpPr>
+        <p:spPr>
+          <a:xfrm>
+            <a:off x="540176" y="28262676"/>
+            <a:ext cx="9779617" cy="1200329"/>
+          </a:xfrm>
+          <a:prstGeom prst="rect">
+            <a:avLst/>
+          </a:prstGeom>
+        </p:spPr>
+        <p:txBody>
+          <a:bodyPr wrap="square">
+            <a:spAutoFit/>
+          </a:bodyPr>
+          <a:lstStyle/>
+          <a:p>
+            <a:r>
               <a:rPr lang="ja-JP" altLang="en-US" sz="2400" dirty="0" smtClean="0">
                 <a:latin typeface="小塚ゴシック Pro M" panose="020B0700000000000000" pitchFamily="34" charset="-128"/>
                 <a:ea typeface="小塚ゴシック Pro M" panose="020B0700000000000000" pitchFamily="34" charset="-128"/>
               </a:rPr>
-              <a:t>・</a:t>
-            </a:r>
-            <a:r>
-              <a:rPr lang="en-US" altLang="ja-JP" sz="2400" dirty="0" smtClean="0">
-                <a:latin typeface="小塚ゴシック Pro M" panose="020B0700000000000000" pitchFamily="34" charset="-128"/>
-                <a:ea typeface="小塚ゴシック Pro M" panose="020B0700000000000000" pitchFamily="34" charset="-128"/>
-              </a:rPr>
-              <a:t>10</a:t>
+              <a:t>・必要な管理テーブルを洗い出し</a:t>
+            </a:r>
+            <a:r>
+              <a:rPr lang="ja-JP" altLang="en-US" sz="2400" dirty="0">
+                <a:latin typeface="小塚ゴシック Pro M" panose="020B0700000000000000" pitchFamily="34" charset="-128"/>
+                <a:ea typeface="小塚ゴシック Pro M" panose="020B0700000000000000" pitchFamily="34" charset="-128"/>
+              </a:rPr>
+              <a:t>データベース上</a:t>
             </a:r>
             <a:r>
               <a:rPr lang="ja-JP" altLang="en-US" sz="2400" dirty="0" smtClean="0">
                 <a:latin typeface="小塚ゴシック Pro M" panose="020B0700000000000000" pitchFamily="34" charset="-128"/>
                 <a:ea typeface="小塚ゴシック Pro M" panose="020B0700000000000000" pitchFamily="34" charset="-128"/>
               </a:rPr>
-              <a:t>月中旬</a:t>
-            </a:r>
-            <a:r>
-              <a:rPr lang="ja-JP" altLang="en-US" sz="2400" dirty="0">
-                <a:latin typeface="小塚ゴシック Pro M" panose="020B0700000000000000" pitchFamily="34" charset="-128"/>
-                <a:ea typeface="小塚ゴシック Pro M" panose="020B0700000000000000" pitchFamily="34" charset="-128"/>
-              </a:rPr>
-              <a:t>　</a:t>
-            </a:r>
-            <a:r>
-              <a:rPr lang="ja-JP" altLang="en-US" sz="2400" dirty="0" smtClean="0">
-                <a:latin typeface="小塚ゴシック Pro M" panose="020B0700000000000000" pitchFamily="34" charset="-128"/>
-                <a:ea typeface="小塚ゴシック Pro M" panose="020B0700000000000000" pitchFamily="34" charset="-128"/>
-              </a:rPr>
-              <a:t>　システム構築開始</a:t>
+              <a:t>に構築した</a:t>
             </a:r>
             <a:endParaRPr lang="en-US" altLang="ja-JP" sz="2400" dirty="0" smtClean="0">
               <a:latin typeface="小塚ゴシック Pro M" panose="020B0700000000000000" pitchFamily="34" charset="-128"/>
@@ -5931,21 +6227,21 @@
                 <a:latin typeface="小塚ゴシック Pro M" panose="020B0700000000000000" pitchFamily="34" charset="-128"/>
                 <a:ea typeface="小塚ゴシック Pro M" panose="020B0700000000000000" pitchFamily="34" charset="-128"/>
               </a:rPr>
-              <a:t>・</a:t>
-            </a:r>
-            <a:r>
-              <a:rPr lang="en-US" altLang="ja-JP" sz="2400" dirty="0" smtClean="0">
-                <a:latin typeface="小塚ゴシック Pro M" panose="020B0700000000000000" pitchFamily="34" charset="-128"/>
-                <a:ea typeface="小塚ゴシック Pro M" panose="020B0700000000000000" pitchFamily="34" charset="-128"/>
-              </a:rPr>
-              <a:t>11</a:t>
+              <a:t>・個人入力ページ（図</a:t>
+            </a:r>
+            <a:r>
+              <a:rPr lang="en-US" altLang="ja-JP" sz="2400" dirty="0">
+                <a:latin typeface="小塚ゴシック Pro M" panose="020B0700000000000000" pitchFamily="34" charset="-128"/>
+                <a:ea typeface="小塚ゴシック Pro M" panose="020B0700000000000000" pitchFamily="34" charset="-128"/>
+              </a:rPr>
+              <a:t>2</a:t>
             </a:r>
             <a:r>
               <a:rPr lang="ja-JP" altLang="en-US" sz="2400" dirty="0" smtClean="0">
                 <a:latin typeface="小塚ゴシック Pro M" panose="020B0700000000000000" pitchFamily="34" charset="-128"/>
                 <a:ea typeface="小塚ゴシック Pro M" panose="020B0700000000000000" pitchFamily="34" charset="-128"/>
               </a:rPr>
-              <a:t>月中旬　　協力施設にて担当者に説明し改善点を調査</a:t>
+              <a:t>）に個人の情報を集約するようにした</a:t>
             </a:r>
             <a:endParaRPr lang="en-US" altLang="ja-JP" sz="2400" dirty="0" smtClean="0">
               <a:latin typeface="小塚ゴシック Pro M" panose="020B0700000000000000" pitchFamily="34" charset="-128"/>
@@ -5958,21 +6254,21 @@
                 <a:latin typeface="小塚ゴシック Pro M" panose="020B0700000000000000" pitchFamily="34" charset="-128"/>
                 <a:ea typeface="小塚ゴシック Pro M" panose="020B0700000000000000" pitchFamily="34" charset="-128"/>
               </a:rPr>
-              <a:t>・</a:t>
-            </a:r>
-            <a:r>
-              <a:rPr lang="en-US" altLang="ja-JP" sz="2400" dirty="0" smtClean="0">
-                <a:latin typeface="小塚ゴシック Pro M" panose="020B0700000000000000" pitchFamily="34" charset="-128"/>
-                <a:ea typeface="小塚ゴシック Pro M" panose="020B0700000000000000" pitchFamily="34" charset="-128"/>
-              </a:rPr>
-              <a:t>11</a:t>
+              <a:t>・流れ作業で記録ができるよう表入力ページ（図</a:t>
+            </a:r>
+            <a:r>
+              <a:rPr lang="en-US" altLang="ja-JP" sz="2400" dirty="0">
+                <a:latin typeface="小塚ゴシック Pro M" panose="020B0700000000000000" pitchFamily="34" charset="-128"/>
+                <a:ea typeface="小塚ゴシック Pro M" panose="020B0700000000000000" pitchFamily="34" charset="-128"/>
+              </a:rPr>
+              <a:t>3</a:t>
             </a:r>
             <a:r>
               <a:rPr lang="ja-JP" altLang="en-US" sz="2400" dirty="0" smtClean="0">
                 <a:latin typeface="小塚ゴシック Pro M" panose="020B0700000000000000" pitchFamily="34" charset="-128"/>
                 <a:ea typeface="小塚ゴシック Pro M" panose="020B0700000000000000" pitchFamily="34" charset="-128"/>
               </a:rPr>
-              <a:t>月中旬～　必要項目を洗い出しシステム再構成を継続</a:t>
+              <a:t>）を制作した</a:t>
             </a:r>
             <a:endParaRPr lang="ja-JP" altLang="en-US" sz="2400" dirty="0">
               <a:latin typeface="小塚ゴシック Pro M" panose="020B0700000000000000" pitchFamily="34" charset="-128"/>
@@ -5981,46 +6277,16 @@
           </a:p>
         </p:txBody>
       </p:sp>
-      <p:pic>
-        <p:nvPicPr>
-          <p:cNvPr id="115" name="図 114"/>
-          <p:cNvPicPr>
-            <a:picLocks noChangeAspect="1"/>
-          </p:cNvPicPr>
-          <p:nvPr/>
-        </p:nvPicPr>
-        <p:blipFill>
-          <a:blip r:embed="rId10">
-            <a:extLst>
-              <a:ext uri="{28A0092B-C50C-407E-A947-70E740481C1C}">
-                <a14:useLocalDpi xmlns:a14="http://schemas.microsoft.com/office/drawing/2010/main" val="0"/>
-              </a:ext>
-            </a:extLst>
-          </a:blip>
-          <a:stretch>
-            <a:fillRect/>
-          </a:stretch>
-        </p:blipFill>
-        <p:spPr>
-          <a:xfrm>
-            <a:off x="840310" y="24248286"/>
-            <a:ext cx="9606750" cy="3017137"/>
-          </a:xfrm>
-          <a:prstGeom prst="rect">
-            <a:avLst/>
-          </a:prstGeom>
-        </p:spPr>
-      </p:pic>
-      <p:sp>
-        <p:nvSpPr>
-          <p:cNvPr id="116" name="正方形/長方形 115"/>
+      <p:sp>
+        <p:nvSpPr>
+          <p:cNvPr id="123" name="正方形/長方形 122"/>
           <p:cNvSpPr/>
           <p:nvPr/>
         </p:nvSpPr>
         <p:spPr>
           <a:xfrm>
-            <a:off x="822068" y="20077970"/>
-            <a:ext cx="9779617" cy="1200329"/>
+            <a:off x="903793" y="22299788"/>
+            <a:ext cx="9779617" cy="1569660"/>
           </a:xfrm>
           <a:prstGeom prst="rect">
             <a:avLst/>
@@ -6037,404 +6303,7 @@
                 <a:latin typeface="小塚ゴシック Pro M" panose="020B0700000000000000" pitchFamily="34" charset="-128"/>
                 <a:ea typeface="小塚ゴシック Pro M" panose="020B0700000000000000" pitchFamily="34" charset="-128"/>
               </a:rPr>
-              <a:t>・優先的</a:t>
-            </a:r>
-            <a:r>
-              <a:rPr lang="ja-JP" altLang="en-US" sz="2400" dirty="0">
-                <a:latin typeface="小塚ゴシック Pro M" panose="020B0700000000000000" pitchFamily="34" charset="-128"/>
-                <a:ea typeface="小塚ゴシック Pro M" panose="020B0700000000000000" pitchFamily="34" charset="-128"/>
-              </a:rPr>
-              <a:t>にシステム化してほしいことについての情報を</a:t>
-            </a:r>
-            <a:r>
-              <a:rPr lang="ja-JP" altLang="en-US" sz="2400" dirty="0" smtClean="0">
-                <a:latin typeface="小塚ゴシック Pro M" panose="020B0700000000000000" pitchFamily="34" charset="-128"/>
-                <a:ea typeface="小塚ゴシック Pro M" panose="020B0700000000000000" pitchFamily="34" charset="-128"/>
-              </a:rPr>
-              <a:t>得た</a:t>
-            </a:r>
-            <a:endParaRPr lang="en-US" altLang="ja-JP" sz="2400" dirty="0" smtClean="0">
-              <a:latin typeface="小塚ゴシック Pro M" panose="020B0700000000000000" pitchFamily="34" charset="-128"/>
-              <a:ea typeface="小塚ゴシック Pro M" panose="020B0700000000000000" pitchFamily="34" charset="-128"/>
-            </a:endParaRPr>
-          </a:p>
-          <a:p>
-            <a:r>
-              <a:rPr lang="ja-JP" altLang="en-US" sz="2400" dirty="0" smtClean="0">
-                <a:latin typeface="小塚ゴシック Pro M" panose="020B0700000000000000" pitchFamily="34" charset="-128"/>
-                <a:ea typeface="小塚ゴシック Pro M" panose="020B0700000000000000" pitchFamily="34" charset="-128"/>
-              </a:rPr>
-              <a:t>・効率よく記録するための作業の流れが聞けた</a:t>
-            </a:r>
-            <a:endParaRPr lang="en-US" altLang="ja-JP" sz="2400" dirty="0" smtClean="0">
-              <a:latin typeface="小塚ゴシック Pro M" panose="020B0700000000000000" pitchFamily="34" charset="-128"/>
-              <a:ea typeface="小塚ゴシック Pro M" panose="020B0700000000000000" pitchFamily="34" charset="-128"/>
-            </a:endParaRPr>
-          </a:p>
-          <a:p>
-            <a:r>
-              <a:rPr lang="ja-JP" altLang="en-US" sz="2400" dirty="0" smtClean="0">
-                <a:latin typeface="小塚ゴシック Pro M" panose="020B0700000000000000" pitchFamily="34" charset="-128"/>
-                <a:ea typeface="小塚ゴシック Pro M" panose="020B0700000000000000" pitchFamily="34" charset="-128"/>
-              </a:rPr>
-              <a:t>・現場での介護職員への負担の大きさについて聞けた</a:t>
-            </a:r>
-            <a:endParaRPr lang="ja-JP" altLang="en-US" sz="2400" dirty="0">
-              <a:latin typeface="小塚ゴシック Pro M" panose="020B0700000000000000" pitchFamily="34" charset="-128"/>
-              <a:ea typeface="小塚ゴシック Pro M" panose="020B0700000000000000" pitchFamily="34" charset="-128"/>
-            </a:endParaRPr>
-          </a:p>
-        </p:txBody>
-      </p:sp>
-      <p:sp>
-        <p:nvSpPr>
-          <p:cNvPr id="117" name="正方形/長方形 116"/>
-          <p:cNvSpPr/>
-          <p:nvPr/>
-        </p:nvSpPr>
-        <p:spPr>
-          <a:xfrm>
-            <a:off x="948852" y="17229433"/>
-            <a:ext cx="2790417" cy="523220"/>
-          </a:xfrm>
-          <a:prstGeom prst="rect">
-            <a:avLst/>
-          </a:prstGeom>
-        </p:spPr>
-        <p:txBody>
-          <a:bodyPr wrap="square">
-            <a:spAutoFit/>
-          </a:bodyPr>
-          <a:lstStyle/>
-          <a:p>
-            <a:r>
-              <a:rPr lang="en-US" altLang="ja-JP" sz="2800" dirty="0" smtClean="0">
-                <a:latin typeface="小塚ゴシック Pro M" panose="020B0700000000000000" pitchFamily="34" charset="-128"/>
-                <a:ea typeface="小塚ゴシック Pro M" panose="020B0700000000000000" pitchFamily="34" charset="-128"/>
-              </a:rPr>
-              <a:t>5.1</a:t>
-            </a:r>
-            <a:r>
-              <a:rPr lang="ja-JP" altLang="en-US" sz="2800" dirty="0">
-                <a:latin typeface="小塚ゴシック Pro M" panose="020B0700000000000000" pitchFamily="34" charset="-128"/>
-                <a:ea typeface="小塚ゴシック Pro M" panose="020B0700000000000000" pitchFamily="34" charset="-128"/>
-              </a:rPr>
-              <a:t> </a:t>
-            </a:r>
-            <a:r>
-              <a:rPr lang="ja-JP" altLang="en-US" sz="2800" dirty="0" smtClean="0">
-                <a:latin typeface="小塚ゴシック Pro M" panose="020B0700000000000000" pitchFamily="34" charset="-128"/>
-                <a:ea typeface="小塚ゴシック Pro M" panose="020B0700000000000000" pitchFamily="34" charset="-128"/>
-              </a:rPr>
-              <a:t>研究の流れ</a:t>
-            </a:r>
-            <a:endParaRPr lang="ja-JP" altLang="en-US" sz="2800" dirty="0">
-              <a:latin typeface="小塚ゴシック Pro M" panose="020B0700000000000000" pitchFamily="34" charset="-128"/>
-              <a:ea typeface="小塚ゴシック Pro M" panose="020B0700000000000000" pitchFamily="34" charset="-128"/>
-            </a:endParaRPr>
-          </a:p>
-        </p:txBody>
-      </p:sp>
-      <p:sp>
-        <p:nvSpPr>
-          <p:cNvPr id="118" name="正方形/長方形 117"/>
-          <p:cNvSpPr/>
-          <p:nvPr/>
-        </p:nvSpPr>
-        <p:spPr>
-          <a:xfrm>
-            <a:off x="955108" y="19410837"/>
-            <a:ext cx="4047172" cy="523220"/>
-          </a:xfrm>
-          <a:prstGeom prst="rect">
-            <a:avLst/>
-          </a:prstGeom>
-        </p:spPr>
-        <p:txBody>
-          <a:bodyPr wrap="square">
-            <a:spAutoFit/>
-          </a:bodyPr>
-          <a:lstStyle/>
-          <a:p>
-            <a:r>
-              <a:rPr lang="en-US" altLang="ja-JP" sz="2800" dirty="0" smtClean="0">
-                <a:latin typeface="小塚ゴシック Pro M" panose="020B0700000000000000" pitchFamily="34" charset="-128"/>
-                <a:ea typeface="小塚ゴシック Pro M" panose="020B0700000000000000" pitchFamily="34" charset="-128"/>
-              </a:rPr>
-              <a:t>5.2</a:t>
-            </a:r>
-            <a:r>
-              <a:rPr lang="ja-JP" altLang="en-US" sz="2800" dirty="0" smtClean="0">
-                <a:latin typeface="小塚ゴシック Pro M" panose="020B0700000000000000" pitchFamily="34" charset="-128"/>
-                <a:ea typeface="小塚ゴシック Pro M" panose="020B0700000000000000" pitchFamily="34" charset="-128"/>
-              </a:rPr>
-              <a:t> インタビューの成果</a:t>
-            </a:r>
-            <a:endParaRPr lang="ja-JP" altLang="en-US" sz="2800" dirty="0">
-              <a:latin typeface="小塚ゴシック Pro M" panose="020B0700000000000000" pitchFamily="34" charset="-128"/>
-              <a:ea typeface="小塚ゴシック Pro M" panose="020B0700000000000000" pitchFamily="34" charset="-128"/>
-            </a:endParaRPr>
-          </a:p>
-        </p:txBody>
-      </p:sp>
-      <p:sp>
-        <p:nvSpPr>
-          <p:cNvPr id="119" name="テキスト ボックス 118"/>
-          <p:cNvSpPr txBox="1"/>
-          <p:nvPr/>
-        </p:nvSpPr>
-        <p:spPr>
-          <a:xfrm flipH="1">
-            <a:off x="900672" y="27420015"/>
-            <a:ext cx="2805391" cy="400110"/>
-          </a:xfrm>
-          <a:prstGeom prst="rect">
-            <a:avLst/>
-          </a:prstGeom>
-          <a:noFill/>
-        </p:spPr>
-        <p:txBody>
-          <a:bodyPr wrap="square" rtlCol="0" anchor="ctr">
-            <a:spAutoFit/>
-          </a:bodyPr>
-          <a:lstStyle/>
-          <a:p>
-            <a:pPr algn="ctr"/>
-            <a:r>
-              <a:rPr lang="ja-JP" altLang="en-US" sz="2000" dirty="0" smtClean="0">
-                <a:latin typeface="小塚ゴシック Pro B" panose="020B0800000000000000" pitchFamily="34" charset="-128"/>
-                <a:ea typeface="小塚ゴシック Pro B" panose="020B0800000000000000" pitchFamily="34" charset="-128"/>
-              </a:rPr>
-              <a:t>図</a:t>
-            </a:r>
-            <a:r>
-              <a:rPr lang="en-US" altLang="ja-JP" sz="2000" dirty="0">
-                <a:latin typeface="小塚ゴシック Pro B" panose="020B0800000000000000" pitchFamily="34" charset="-128"/>
-                <a:ea typeface="小塚ゴシック Pro B" panose="020B0800000000000000" pitchFamily="34" charset="-128"/>
-              </a:rPr>
-              <a:t>1</a:t>
-            </a:r>
-            <a:r>
-              <a:rPr lang="ja-JP" altLang="en-US" sz="2000" dirty="0" smtClean="0">
-                <a:latin typeface="小塚ゴシック Pro B" panose="020B0800000000000000" pitchFamily="34" charset="-128"/>
-                <a:ea typeface="小塚ゴシック Pro B" panose="020B0800000000000000" pitchFamily="34" charset="-128"/>
-              </a:rPr>
-              <a:t>　アーキテクチャ</a:t>
-            </a:r>
-            <a:endParaRPr lang="en-US" altLang="ja-JP" sz="2000" dirty="0">
-              <a:latin typeface="小塚ゴシック Pro B" panose="020B0800000000000000" pitchFamily="34" charset="-128"/>
-              <a:ea typeface="小塚ゴシック Pro B" panose="020B0800000000000000" pitchFamily="34" charset="-128"/>
-            </a:endParaRPr>
-          </a:p>
-        </p:txBody>
-      </p:sp>
-      <p:sp>
-        <p:nvSpPr>
-          <p:cNvPr id="120" name="正方形/長方形 119"/>
-          <p:cNvSpPr/>
-          <p:nvPr/>
-        </p:nvSpPr>
-        <p:spPr>
-          <a:xfrm>
-            <a:off x="912937" y="21795520"/>
-            <a:ext cx="4047172" cy="523220"/>
-          </a:xfrm>
-          <a:prstGeom prst="rect">
-            <a:avLst/>
-          </a:prstGeom>
-        </p:spPr>
-        <p:txBody>
-          <a:bodyPr wrap="square">
-            <a:spAutoFit/>
-          </a:bodyPr>
-          <a:lstStyle/>
-          <a:p>
-            <a:r>
-              <a:rPr lang="en-US" altLang="ja-JP" sz="2800" dirty="0" smtClean="0">
-                <a:latin typeface="小塚ゴシック Pro M" panose="020B0700000000000000" pitchFamily="34" charset="-128"/>
-                <a:ea typeface="小塚ゴシック Pro M" panose="020B0700000000000000" pitchFamily="34" charset="-128"/>
-              </a:rPr>
-              <a:t>5.3</a:t>
-            </a:r>
-            <a:r>
-              <a:rPr lang="ja-JP" altLang="en-US" sz="2800" dirty="0" smtClean="0">
-                <a:latin typeface="小塚ゴシック Pro M" panose="020B0700000000000000" pitchFamily="34" charset="-128"/>
-                <a:ea typeface="小塚ゴシック Pro M" panose="020B0700000000000000" pitchFamily="34" charset="-128"/>
-              </a:rPr>
-              <a:t> システム開発</a:t>
-            </a:r>
-            <a:endParaRPr lang="ja-JP" altLang="en-US" sz="2800" dirty="0">
-              <a:latin typeface="小塚ゴシック Pro M" panose="020B0700000000000000" pitchFamily="34" charset="-128"/>
-              <a:ea typeface="小塚ゴシック Pro M" panose="020B0700000000000000" pitchFamily="34" charset="-128"/>
-            </a:endParaRPr>
-          </a:p>
-        </p:txBody>
-      </p:sp>
-      <p:sp>
-        <p:nvSpPr>
-          <p:cNvPr id="122" name="正方形/長方形 121"/>
-          <p:cNvSpPr/>
-          <p:nvPr/>
-        </p:nvSpPr>
-        <p:spPr>
-          <a:xfrm>
-            <a:off x="540176" y="28262676"/>
-            <a:ext cx="9779617" cy="1200329"/>
-          </a:xfrm>
-          <a:prstGeom prst="rect">
-            <a:avLst/>
-          </a:prstGeom>
-        </p:spPr>
-        <p:txBody>
-          <a:bodyPr wrap="square">
-            <a:spAutoFit/>
-          </a:bodyPr>
-          <a:lstStyle/>
-          <a:p>
-            <a:r>
-              <a:rPr lang="ja-JP" altLang="en-US" sz="2400" dirty="0" smtClean="0">
-                <a:latin typeface="小塚ゴシック Pro M" panose="020B0700000000000000" pitchFamily="34" charset="-128"/>
-                <a:ea typeface="小塚ゴシック Pro M" panose="020B0700000000000000" pitchFamily="34" charset="-128"/>
-              </a:rPr>
-              <a:t>・必要な管理テーブルを洗い出し</a:t>
-            </a:r>
-            <a:r>
-              <a:rPr lang="ja-JP" altLang="en-US" sz="2400" dirty="0">
-                <a:latin typeface="小塚ゴシック Pro M" panose="020B0700000000000000" pitchFamily="34" charset="-128"/>
-                <a:ea typeface="小塚ゴシック Pro M" panose="020B0700000000000000" pitchFamily="34" charset="-128"/>
-              </a:rPr>
-              <a:t>データベース上</a:t>
-            </a:r>
-            <a:r>
-              <a:rPr lang="ja-JP" altLang="en-US" sz="2400" dirty="0" smtClean="0">
-                <a:latin typeface="小塚ゴシック Pro M" panose="020B0700000000000000" pitchFamily="34" charset="-128"/>
-                <a:ea typeface="小塚ゴシック Pro M" panose="020B0700000000000000" pitchFamily="34" charset="-128"/>
-              </a:rPr>
-              <a:t>に構築した</a:t>
-            </a:r>
-            <a:endParaRPr lang="en-US" altLang="ja-JP" sz="2400" dirty="0" smtClean="0">
-              <a:latin typeface="小塚ゴシック Pro M" panose="020B0700000000000000" pitchFamily="34" charset="-128"/>
-              <a:ea typeface="小塚ゴシック Pro M" panose="020B0700000000000000" pitchFamily="34" charset="-128"/>
-            </a:endParaRPr>
-          </a:p>
-          <a:p>
-            <a:r>
-              <a:rPr lang="ja-JP" altLang="en-US" sz="2400" dirty="0" smtClean="0">
-                <a:latin typeface="小塚ゴシック Pro M" panose="020B0700000000000000" pitchFamily="34" charset="-128"/>
-                <a:ea typeface="小塚ゴシック Pro M" panose="020B0700000000000000" pitchFamily="34" charset="-128"/>
-              </a:rPr>
-              <a:t>・個人入力ページ（図</a:t>
-            </a:r>
-            <a:r>
-              <a:rPr lang="en-US" altLang="ja-JP" sz="2400" dirty="0">
-                <a:latin typeface="小塚ゴシック Pro M" panose="020B0700000000000000" pitchFamily="34" charset="-128"/>
-                <a:ea typeface="小塚ゴシック Pro M" panose="020B0700000000000000" pitchFamily="34" charset="-128"/>
-              </a:rPr>
-              <a:t>2</a:t>
-            </a:r>
-            <a:r>
-              <a:rPr lang="ja-JP" altLang="en-US" sz="2400" dirty="0" smtClean="0">
-                <a:latin typeface="小塚ゴシック Pro M" panose="020B0700000000000000" pitchFamily="34" charset="-128"/>
-                <a:ea typeface="小塚ゴシック Pro M" panose="020B0700000000000000" pitchFamily="34" charset="-128"/>
-              </a:rPr>
-              <a:t>）に個人の情報を集約する</a:t>
-            </a:r>
-            <a:r>
-              <a:rPr lang="ja-JP" altLang="en-US" sz="2400" dirty="0" smtClean="0">
-                <a:latin typeface="小塚ゴシック Pro M" panose="020B0700000000000000" pitchFamily="34" charset="-128"/>
-                <a:ea typeface="小塚ゴシック Pro M" panose="020B0700000000000000" pitchFamily="34" charset="-128"/>
-              </a:rPr>
-              <a:t>ようにした</a:t>
-            </a:r>
-            <a:endParaRPr lang="en-US" altLang="ja-JP" sz="2400" dirty="0" smtClean="0">
-              <a:latin typeface="小塚ゴシック Pro M" panose="020B0700000000000000" pitchFamily="34" charset="-128"/>
-              <a:ea typeface="小塚ゴシック Pro M" panose="020B0700000000000000" pitchFamily="34" charset="-128"/>
-            </a:endParaRPr>
-          </a:p>
-          <a:p>
-            <a:r>
-              <a:rPr lang="ja-JP" altLang="en-US" sz="2400" dirty="0" smtClean="0">
-                <a:latin typeface="小塚ゴシック Pro M" panose="020B0700000000000000" pitchFamily="34" charset="-128"/>
-                <a:ea typeface="小塚ゴシック Pro M" panose="020B0700000000000000" pitchFamily="34" charset="-128"/>
-              </a:rPr>
-              <a:t>・流れ作業で記録ができるよう表入力ページ（図</a:t>
-            </a:r>
-            <a:r>
-              <a:rPr lang="en-US" altLang="ja-JP" sz="2400" dirty="0">
-                <a:latin typeface="小塚ゴシック Pro M" panose="020B0700000000000000" pitchFamily="34" charset="-128"/>
-                <a:ea typeface="小塚ゴシック Pro M" panose="020B0700000000000000" pitchFamily="34" charset="-128"/>
-              </a:rPr>
-              <a:t>3</a:t>
-            </a:r>
-            <a:r>
-              <a:rPr lang="ja-JP" altLang="en-US" sz="2400" dirty="0" smtClean="0">
-                <a:latin typeface="小塚ゴシック Pro M" panose="020B0700000000000000" pitchFamily="34" charset="-128"/>
-                <a:ea typeface="小塚ゴシック Pro M" panose="020B0700000000000000" pitchFamily="34" charset="-128"/>
-              </a:rPr>
-              <a:t>）を制作した</a:t>
-            </a:r>
-            <a:endParaRPr lang="ja-JP" altLang="en-US" sz="2400" dirty="0">
-              <a:latin typeface="小塚ゴシック Pro M" panose="020B0700000000000000" pitchFamily="34" charset="-128"/>
-              <a:ea typeface="小塚ゴシック Pro M" panose="020B0700000000000000" pitchFamily="34" charset="-128"/>
-            </a:endParaRPr>
-          </a:p>
-        </p:txBody>
-      </p:sp>
-      <p:sp>
-        <p:nvSpPr>
-          <p:cNvPr id="123" name="正方形/長方形 122"/>
-          <p:cNvSpPr/>
-          <p:nvPr/>
-        </p:nvSpPr>
-        <p:spPr>
-          <a:xfrm>
-            <a:off x="903793" y="22299788"/>
-            <a:ext cx="9779617" cy="1569660"/>
-          </a:xfrm>
-          <a:prstGeom prst="rect">
-            <a:avLst/>
-          </a:prstGeom>
-        </p:spPr>
-        <p:txBody>
-          <a:bodyPr wrap="square">
-            <a:spAutoFit/>
-          </a:bodyPr>
-          <a:lstStyle/>
-          <a:p>
-            <a:r>
-              <a:rPr lang="ja-JP" altLang="en-US" sz="2400" dirty="0" smtClean="0">
-                <a:latin typeface="小塚ゴシック Pro M" panose="020B0700000000000000" pitchFamily="34" charset="-128"/>
-                <a:ea typeface="小塚ゴシック Pro M" panose="020B0700000000000000" pitchFamily="34" charset="-128"/>
-              </a:rPr>
-              <a:t>利用者はブラウザを通じて，システムにアクセスする。アイコン等を用いたシンプルで操作しやすい画面デザインを設計しており各情報が</a:t>
-            </a:r>
-            <a:r>
-              <a:rPr lang="ja-JP" altLang="en-US" sz="2400" dirty="0" smtClean="0">
-                <a:latin typeface="小塚ゴシック Pro M" panose="020B0700000000000000" pitchFamily="34" charset="-128"/>
-                <a:ea typeface="小塚ゴシック Pro M" panose="020B0700000000000000" pitchFamily="34" charset="-128"/>
-              </a:rPr>
-              <a:t>入出力</a:t>
-            </a:r>
-            <a:r>
-              <a:rPr lang="ja-JP" altLang="en-US" sz="2400" dirty="0" smtClean="0">
-                <a:latin typeface="小塚ゴシック Pro M" panose="020B0700000000000000" pitchFamily="34" charset="-128"/>
-                <a:ea typeface="小塚ゴシック Pro M" panose="020B0700000000000000" pitchFamily="34" charset="-128"/>
-              </a:rPr>
-              <a:t>される。利用者の管理情報はデータベース上に記録される。システム上の</a:t>
-            </a:r>
-            <a:r>
-              <a:rPr lang="ja-JP" altLang="en-US" sz="2400" dirty="0" smtClean="0">
-                <a:latin typeface="小塚ゴシック Pro M" panose="020B0700000000000000" pitchFamily="34" charset="-128"/>
-                <a:ea typeface="小塚ゴシック Pro M" panose="020B0700000000000000" pitchFamily="34" charset="-128"/>
-              </a:rPr>
-              <a:t>流れを（</a:t>
-            </a:r>
-            <a:r>
-              <a:rPr lang="ja-JP" altLang="en-US" sz="2400" dirty="0" smtClean="0">
-                <a:latin typeface="小塚ゴシック Pro M" panose="020B0700000000000000" pitchFamily="34" charset="-128"/>
-                <a:ea typeface="小塚ゴシック Pro M" panose="020B0700000000000000" pitchFamily="34" charset="-128"/>
-              </a:rPr>
-              <a:t>図</a:t>
+              <a:t>利用者はブラウザを通じて，システムにアクセスする。アイコン等を用いたシンプルで操作しやすい画面デザインを設計しており各情報が入出力される。利用者の管理情報はデータベース上に記録される。システム上の流れを（図</a:t>
             </a:r>
             <a:r>
               <a:rPr lang="en-US" altLang="ja-JP" sz="2400" dirty="0">
@@ -7299,49 +7168,6 @@
           </a:p>
         </p:txBody>
       </p:sp>
-      <p:sp>
-        <p:nvSpPr>
-          <p:cNvPr id="147" name="テキスト ボックス 146"/>
-          <p:cNvSpPr txBox="1"/>
-          <p:nvPr/>
-        </p:nvSpPr>
-        <p:spPr>
-          <a:xfrm flipH="1">
-            <a:off x="1343196" y="853938"/>
-            <a:ext cx="574382" cy="646331"/>
-          </a:xfrm>
-          <a:prstGeom prst="rect">
-            <a:avLst/>
-          </a:prstGeom>
-          <a:noFill/>
-        </p:spPr>
-        <p:txBody>
-          <a:bodyPr wrap="square" rtlCol="0" anchor="ctr">
-            <a:spAutoFit/>
-          </a:bodyPr>
-          <a:lstStyle/>
-          <a:p>
-            <a:pPr algn="ctr"/>
-            <a:r>
-              <a:rPr lang="ja-JP" altLang="en-US" sz="3600" dirty="0">
-                <a:solidFill>
-                  <a:srgbClr val="3FBFED"/>
-                </a:solidFill>
-                <a:latin typeface="HGS明朝E" panose="02020900000000000000" pitchFamily="18" charset="-128"/>
-                <a:ea typeface="HGS明朝E" panose="02020900000000000000" pitchFamily="18" charset="-128"/>
-              </a:rPr>
-              <a:t>欅</a:t>
-            </a:r>
-            <a:endParaRPr lang="en-US" altLang="ja-JP" sz="3600" dirty="0">
-              <a:solidFill>
-                <a:srgbClr val="3FBFED"/>
-              </a:solidFill>
-              <a:latin typeface="HGS明朝E" panose="02020900000000000000" pitchFamily="18" charset="-128"/>
-              <a:ea typeface="HGS明朝E" panose="02020900000000000000" pitchFamily="18" charset="-128"/>
-            </a:endParaRPr>
-          </a:p>
-        </p:txBody>
-      </p:sp>
       <p:pic>
         <p:nvPicPr>
           <p:cNvPr id="121" name="図 120"/>
@@ -7351,7 +7177,7 @@
           <p:nvPr/>
         </p:nvPicPr>
         <p:blipFill rotWithShape="1">
-          <a:blip r:embed="rId11">
+          <a:blip r:embed="rId10">
             <a:duotone>
               <a:schemeClr val="accent3">
                 <a:shade val="45000"/>
@@ -7387,7 +7213,7 @@
           <p:nvPr/>
         </p:nvPicPr>
         <p:blipFill rotWithShape="1">
-          <a:blip r:embed="rId11">
+          <a:blip r:embed="rId10">
             <a:duotone>
               <a:schemeClr val="accent3">
                 <a:shade val="45000"/>
@@ -7423,7 +7249,7 @@
           <p:nvPr/>
         </p:nvPicPr>
         <p:blipFill rotWithShape="1">
-          <a:blip r:embed="rId11">
+          <a:blip r:embed="rId10">
             <a:duotone>
               <a:schemeClr val="accent3">
                 <a:shade val="45000"/>
@@ -7459,7 +7285,7 @@
           <p:nvPr/>
         </p:nvPicPr>
         <p:blipFill rotWithShape="1">
-          <a:blip r:embed="rId11">
+          <a:blip r:embed="rId10">
             <a:duotone>
               <a:schemeClr val="accent3">
                 <a:shade val="45000"/>
@@ -7495,7 +7321,7 @@
           <p:nvPr/>
         </p:nvPicPr>
         <p:blipFill rotWithShape="1">
-          <a:blip r:embed="rId11">
+          <a:blip r:embed="rId10">
             <a:duotone>
               <a:schemeClr val="accent3">
                 <a:shade val="45000"/>
@@ -7531,7 +7357,7 @@
           <p:nvPr/>
         </p:nvPicPr>
         <p:blipFill rotWithShape="1">
-          <a:blip r:embed="rId11">
+          <a:blip r:embed="rId10">
             <a:duotone>
               <a:schemeClr val="accent3">
                 <a:shade val="45000"/>
@@ -7567,7 +7393,7 @@
           <p:nvPr/>
         </p:nvPicPr>
         <p:blipFill rotWithShape="1">
-          <a:blip r:embed="rId6" cstate="print">
+          <a:blip r:embed="rId7" cstate="print">
             <a:duotone>
               <a:schemeClr val="accent6">
                 <a:shade val="45000"/>
@@ -7603,7 +7429,7 @@
           <p:nvPr/>
         </p:nvPicPr>
         <p:blipFill rotWithShape="1">
-          <a:blip r:embed="rId6" cstate="print">
+          <a:blip r:embed="rId7" cstate="print">
             <a:duotone>
               <a:schemeClr val="accent6">
                 <a:shade val="45000"/>
@@ -7632,640 +7458,406 @@
       </p:pic>
       <p:grpSp>
         <p:nvGrpSpPr>
-          <p:cNvPr id="9" name="グループ化 8"/>
+          <p:cNvPr id="5" name="グループ化 4"/>
           <p:cNvGrpSpPr/>
           <p:nvPr/>
         </p:nvGrpSpPr>
         <p:grpSpPr>
           <a:xfrm>
-            <a:off x="948852" y="3859788"/>
-            <a:ext cx="336642" cy="340127"/>
-            <a:chOff x="123825" y="3105436"/>
-            <a:chExt cx="329958" cy="333374"/>
+            <a:off x="13169509" y="29885372"/>
+            <a:ext cx="8132291" cy="342133"/>
+            <a:chOff x="13486532" y="29701657"/>
+            <a:chExt cx="8132291" cy="342133"/>
           </a:xfrm>
         </p:grpSpPr>
         <p:sp>
           <p:nvSpPr>
-            <p:cNvPr id="155" name="直角三角形 154"/>
+            <p:cNvPr id="153" name="正方形/長方形 152"/>
             <p:cNvSpPr/>
             <p:nvPr/>
           </p:nvSpPr>
           <p:spPr>
-            <a:xfrm flipH="1">
-              <a:off x="141839" y="3126866"/>
-              <a:ext cx="311944" cy="311944"/>
+            <a:xfrm>
+              <a:off x="13486532" y="29705236"/>
+              <a:ext cx="7241809" cy="338554"/>
             </a:xfrm>
-            <a:prstGeom prst="rtTriangle">
+            <a:prstGeom prst="rect">
               <a:avLst/>
             </a:prstGeom>
-            <a:solidFill>
-              <a:schemeClr val="accent1">
-                <a:lumMod val="50000"/>
-              </a:schemeClr>
-            </a:solidFill>
-            <a:ln>
-              <a:noFill/>
-            </a:ln>
           </p:spPr>
-          <p:style>
-            <a:lnRef idx="2">
-              <a:schemeClr val="accent1">
-                <a:shade val="50000"/>
-              </a:schemeClr>
-            </a:lnRef>
-            <a:fillRef idx="1">
-              <a:schemeClr val="accent1"/>
-            </a:fillRef>
-            <a:effectRef idx="0">
-              <a:schemeClr val="accent1"/>
-            </a:effectRef>
-            <a:fontRef idx="minor">
-              <a:schemeClr val="lt1"/>
-            </a:fontRef>
-          </p:style>
           <p:txBody>
-            <a:bodyPr rtlCol="0" anchor="ctr"/>
+            <a:bodyPr wrap="square">
+              <a:spAutoFit/>
+            </a:bodyPr>
             <a:lstStyle/>
             <a:p>
               <a:pPr algn="ctr"/>
-              <a:endParaRPr kumimoji="1" lang="ja-JP" altLang="en-US"/>
+              <a:r>
+                <a:rPr lang="en-US" altLang="ja-JP" sz="1600" dirty="0" smtClean="0">
+                  <a:latin typeface="小塚ゴシック Pro M" panose="020B0700000000000000" pitchFamily="34" charset="-128"/>
+                  <a:ea typeface="小塚ゴシック Pro M" panose="020B0700000000000000" pitchFamily="34" charset="-128"/>
+                </a:rPr>
+                <a:t>Copyright</a:t>
+              </a:r>
+              <a:r>
+                <a:rPr lang="ja-JP" altLang="en-US" sz="1600" dirty="0" smtClean="0">
+                  <a:latin typeface="小塚ゴシック Pro M" panose="020B0700000000000000" pitchFamily="34" charset="-128"/>
+                  <a:ea typeface="小塚ゴシック Pro M" panose="020B0700000000000000" pitchFamily="34" charset="-128"/>
+                </a:rPr>
+                <a:t> </a:t>
+              </a:r>
+              <a:r>
+                <a:rPr lang="en-US" altLang="ja-JP" sz="1600" dirty="0" smtClean="0">
+                  <a:latin typeface="小塚ゴシック Pro M" panose="020B0700000000000000" pitchFamily="34" charset="-128"/>
+                  <a:ea typeface="小塚ゴシック Pro M" panose="020B0700000000000000" pitchFamily="34" charset="-128"/>
+                </a:rPr>
+                <a:t>©</a:t>
+              </a:r>
+              <a:r>
+                <a:rPr lang="ja-JP" altLang="en-US" sz="1600" dirty="0" smtClean="0">
+                  <a:latin typeface="小塚ゴシック Pro M" panose="020B0700000000000000" pitchFamily="34" charset="-128"/>
+                  <a:ea typeface="小塚ゴシック Pro M" panose="020B0700000000000000" pitchFamily="34" charset="-128"/>
+                </a:rPr>
+                <a:t> </a:t>
+              </a:r>
+              <a:r>
+                <a:rPr lang="en-US" altLang="ja-JP" sz="1600" dirty="0" smtClean="0">
+                  <a:latin typeface="小塚ゴシック Pro M" panose="020B0700000000000000" pitchFamily="34" charset="-128"/>
+                  <a:ea typeface="小塚ゴシック Pro M" panose="020B0700000000000000" pitchFamily="34" charset="-128"/>
+                </a:rPr>
+                <a:t>2016 </a:t>
+              </a:r>
+              <a:r>
+                <a:rPr lang="en-US" altLang="ja-JP" sz="1600" dirty="0">
+                  <a:latin typeface="小塚ゴシック Pro M" panose="020B0700000000000000" pitchFamily="34" charset="-128"/>
+                  <a:ea typeface="小塚ゴシック Pro M" panose="020B0700000000000000" pitchFamily="34" charset="-128"/>
+                </a:rPr>
+                <a:t>Exercise </a:t>
+              </a:r>
+              <a:r>
+                <a:rPr lang="en-US" altLang="ja-JP" sz="1600" dirty="0" smtClean="0">
+                  <a:latin typeface="小塚ゴシック Pro M" panose="020B0700000000000000" pitchFamily="34" charset="-128"/>
+                  <a:ea typeface="小塚ゴシック Pro M" panose="020B0700000000000000" pitchFamily="34" charset="-128"/>
+                </a:rPr>
+                <a:t>for </a:t>
+              </a:r>
+              <a:r>
+                <a:rPr lang="en-US" altLang="ja-JP" sz="1600" dirty="0">
+                  <a:latin typeface="小塚ゴシック Pro M" panose="020B0700000000000000" pitchFamily="34" charset="-128"/>
+                  <a:ea typeface="小塚ゴシック Pro M" panose="020B0700000000000000" pitchFamily="34" charset="-128"/>
+                </a:rPr>
+                <a:t>management </a:t>
+              </a:r>
+              <a:r>
+                <a:rPr lang="en-US" altLang="ja-JP" sz="1600" dirty="0" smtClean="0">
+                  <a:latin typeface="小塚ゴシック Pro M" panose="020B0700000000000000" pitchFamily="34" charset="-128"/>
+                  <a:ea typeface="小塚ゴシック Pro M" panose="020B0700000000000000" pitchFamily="34" charset="-128"/>
+                </a:rPr>
+                <a:t>research Powered by   </a:t>
+              </a:r>
+              <a:r>
+                <a:rPr lang="ja-JP" altLang="en-US" sz="1600" dirty="0" smtClean="0">
+                  <a:latin typeface="小塚ゴシック Pro M" panose="020B0700000000000000" pitchFamily="34" charset="-128"/>
+                  <a:ea typeface="小塚ゴシック Pro M" panose="020B0700000000000000" pitchFamily="34" charset="-128"/>
+                </a:rPr>
+                <a:t>　</a:t>
+              </a:r>
+              <a:endParaRPr lang="en-US" altLang="ja-JP" sz="1600" dirty="0" smtClean="0">
+                <a:latin typeface="小塚ゴシック Pro M" panose="020B0700000000000000" pitchFamily="34" charset="-128"/>
+                <a:ea typeface="小塚ゴシック Pro M" panose="020B0700000000000000" pitchFamily="34" charset="-128"/>
+              </a:endParaRPr>
             </a:p>
           </p:txBody>
         </p:sp>
-        <p:sp>
-          <p:nvSpPr>
-            <p:cNvPr id="8" name="直角三角形 7"/>
-            <p:cNvSpPr/>
+        <p:pic>
+          <p:nvPicPr>
+            <p:cNvPr id="171" name="図 170"/>
+            <p:cNvPicPr>
+              <a:picLocks noChangeAspect="1"/>
+            </p:cNvPicPr>
             <p:nvPr/>
-          </p:nvSpPr>
+          </p:nvPicPr>
+          <p:blipFill rotWithShape="1">
+            <a:blip r:embed="rId11" cstate="print">
+              <a:biLevel thresh="75000"/>
+              <a:extLst>
+                <a:ext uri="{28A0092B-C50C-407E-A947-70E740481C1C}">
+                  <a14:useLocalDpi xmlns:a14="http://schemas.microsoft.com/office/drawing/2010/main" val="0"/>
+                </a:ext>
+              </a:extLst>
+            </a:blip>
+            <a:srcRect t="23334" b="22238"/>
+            <a:stretch/>
+          </p:blipFill>
           <p:spPr>
-            <a:xfrm flipH="1">
-              <a:off x="123825" y="3105436"/>
-              <a:ext cx="311944" cy="311944"/>
+            <a:xfrm>
+              <a:off x="20111094" y="29701657"/>
+              <a:ext cx="1507729" cy="304116"/>
             </a:xfrm>
-            <a:prstGeom prst="rtTriangle">
+            <a:prstGeom prst="rect">
               <a:avLst/>
             </a:prstGeom>
-            <a:ln>
-              <a:noFill/>
-            </a:ln>
           </p:spPr>
-          <p:style>
-            <a:lnRef idx="2">
-              <a:schemeClr val="accent1">
-                <a:shade val="50000"/>
-              </a:schemeClr>
-            </a:lnRef>
-            <a:fillRef idx="1">
-              <a:schemeClr val="accent1"/>
-            </a:fillRef>
-            <a:effectRef idx="0">
-              <a:schemeClr val="accent1"/>
-            </a:effectRef>
-            <a:fontRef idx="minor">
-              <a:schemeClr val="lt1"/>
-            </a:fontRef>
-          </p:style>
-          <p:txBody>
-            <a:bodyPr rtlCol="0" anchor="ctr"/>
-            <a:lstStyle/>
-            <a:p>
-              <a:pPr algn="ctr"/>
-              <a:endParaRPr kumimoji="1" lang="ja-JP" altLang="en-US"/>
-            </a:p>
-          </p:txBody>
-        </p:sp>
+        </p:pic>
       </p:grpSp>
       <p:grpSp>
         <p:nvGrpSpPr>
-          <p:cNvPr id="156" name="グループ化 155"/>
+          <p:cNvPr id="7" name="グループ化 6"/>
           <p:cNvGrpSpPr/>
           <p:nvPr/>
         </p:nvGrpSpPr>
         <p:grpSpPr>
           <a:xfrm>
-            <a:off x="955108" y="8839606"/>
-            <a:ext cx="336642" cy="340127"/>
-            <a:chOff x="123825" y="3105436"/>
-            <a:chExt cx="329958" cy="333374"/>
+            <a:off x="383319" y="462003"/>
+            <a:ext cx="2195712" cy="1710939"/>
+            <a:chOff x="442313" y="520059"/>
+            <a:chExt cx="2195712" cy="1710939"/>
           </a:xfrm>
         </p:grpSpPr>
-        <p:sp>
-          <p:nvSpPr>
-            <p:cNvPr id="157" name="直角三角形 156"/>
-            <p:cNvSpPr/>
+        <p:pic>
+          <p:nvPicPr>
+            <p:cNvPr id="23" name="図 22"/>
+            <p:cNvPicPr>
+              <a:picLocks noChangeAspect="1"/>
+            </p:cNvPicPr>
             <p:nvPr/>
-          </p:nvSpPr>
+          </p:nvPicPr>
+          <p:blipFill rotWithShape="1">
+            <a:blip r:embed="rId12">
+              <a:extLst>
+                <a:ext uri="{28A0092B-C50C-407E-A947-70E740481C1C}">
+                  <a14:useLocalDpi xmlns:a14="http://schemas.microsoft.com/office/drawing/2010/main" val="0"/>
+                </a:ext>
+              </a:extLst>
+            </a:blip>
+            <a:srcRect l="73572" t="26963" r="3120" b="27850"/>
+            <a:stretch/>
+          </p:blipFill>
           <p:spPr>
-            <a:xfrm flipH="1">
-              <a:off x="141839" y="3126866"/>
-              <a:ext cx="311944" cy="311944"/>
+            <a:xfrm>
+              <a:off x="729009" y="520059"/>
+              <a:ext cx="1622321" cy="1165597"/>
             </a:xfrm>
-            <a:prstGeom prst="rtTriangle">
+            <a:prstGeom prst="rect">
               <a:avLst/>
             </a:prstGeom>
-            <a:solidFill>
-              <a:schemeClr val="accent1">
-                <a:lumMod val="50000"/>
-              </a:schemeClr>
-            </a:solidFill>
-            <a:ln>
-              <a:noFill/>
-            </a:ln>
           </p:spPr>
-          <p:style>
-            <a:lnRef idx="2">
-              <a:schemeClr val="accent1">
-                <a:shade val="50000"/>
-              </a:schemeClr>
-            </a:lnRef>
-            <a:fillRef idx="1">
-              <a:schemeClr val="accent1"/>
-            </a:fillRef>
-            <a:effectRef idx="0">
-              <a:schemeClr val="accent1"/>
-            </a:effectRef>
-            <a:fontRef idx="minor">
-              <a:schemeClr val="lt1"/>
-            </a:fontRef>
-          </p:style>
-          <p:txBody>
-            <a:bodyPr rtlCol="0" anchor="ctr"/>
-            <a:lstStyle/>
-            <a:p>
-              <a:pPr algn="ctr"/>
-              <a:endParaRPr kumimoji="1" lang="ja-JP" altLang="en-US"/>
-            </a:p>
-          </p:txBody>
-        </p:sp>
-        <p:sp>
-          <p:nvSpPr>
-            <p:cNvPr id="158" name="直角三角形 157"/>
-            <p:cNvSpPr/>
+        </p:pic>
+        <p:pic>
+          <p:nvPicPr>
+            <p:cNvPr id="172" name="図 171"/>
+            <p:cNvPicPr>
+              <a:picLocks noChangeAspect="1"/>
+            </p:cNvPicPr>
             <p:nvPr/>
-          </p:nvSpPr>
+          </p:nvPicPr>
+          <p:blipFill rotWithShape="1">
+            <a:blip r:embed="rId11" cstate="print">
+              <a:clrChange>
+                <a:clrFrom>
+                  <a:srgbClr val="000000">
+                    <a:alpha val="0"/>
+                  </a:srgbClr>
+                </a:clrFrom>
+                <a:clrTo>
+                  <a:srgbClr val="000000">
+                    <a:alpha val="0"/>
+                  </a:srgbClr>
+                </a:clrTo>
+              </a:clrChange>
+              <a:extLst>
+                <a:ext uri="{28A0092B-C50C-407E-A947-70E740481C1C}">
+                  <a14:useLocalDpi xmlns:a14="http://schemas.microsoft.com/office/drawing/2010/main" val="0"/>
+                </a:ext>
+              </a:extLst>
+            </a:blip>
+            <a:srcRect t="23334" r="25960" b="22238"/>
+            <a:stretch/>
+          </p:blipFill>
           <p:spPr>
-            <a:xfrm flipH="1">
-              <a:off x="123825" y="3105436"/>
-              <a:ext cx="311944" cy="311944"/>
+            <a:xfrm>
+              <a:off x="442313" y="1632831"/>
+              <a:ext cx="2195712" cy="598167"/>
             </a:xfrm>
-            <a:prstGeom prst="rtTriangle">
+            <a:prstGeom prst="rect">
               <a:avLst/>
             </a:prstGeom>
-            <a:ln>
-              <a:noFill/>
-            </a:ln>
           </p:spPr>
-          <p:style>
-            <a:lnRef idx="2">
-              <a:schemeClr val="accent1">
-                <a:shade val="50000"/>
-              </a:schemeClr>
-            </a:lnRef>
-            <a:fillRef idx="1">
-              <a:schemeClr val="accent1"/>
-            </a:fillRef>
-            <a:effectRef idx="0">
-              <a:schemeClr val="accent1"/>
-            </a:effectRef>
-            <a:fontRef idx="minor">
-              <a:schemeClr val="lt1"/>
-            </a:fontRef>
-          </p:style>
-          <p:txBody>
-            <a:bodyPr rtlCol="0" anchor="ctr"/>
-            <a:lstStyle/>
-            <a:p>
-              <a:pPr algn="ctr"/>
-              <a:endParaRPr kumimoji="1" lang="ja-JP" altLang="en-US"/>
-            </a:p>
-          </p:txBody>
-        </p:sp>
+        </p:pic>
       </p:grpSp>
       <p:grpSp>
         <p:nvGrpSpPr>
-          <p:cNvPr id="159" name="グループ化 158"/>
+          <p:cNvPr id="29" name="グループ化 28"/>
           <p:cNvGrpSpPr/>
           <p:nvPr/>
         </p:nvGrpSpPr>
         <p:grpSpPr>
           <a:xfrm>
-            <a:off x="948852" y="13694866"/>
-            <a:ext cx="336642" cy="340127"/>
-            <a:chOff x="123825" y="3105436"/>
-            <a:chExt cx="329958" cy="333374"/>
+            <a:off x="10925236" y="16919488"/>
+            <a:ext cx="4765441" cy="6353922"/>
+            <a:chOff x="10925236" y="16919488"/>
+            <a:chExt cx="4765441" cy="6353922"/>
           </a:xfrm>
         </p:grpSpPr>
-        <p:sp>
-          <p:nvSpPr>
-            <p:cNvPr id="160" name="直角三角形 159"/>
-            <p:cNvSpPr/>
+        <p:grpSp>
+          <p:nvGrpSpPr>
+            <p:cNvPr id="21" name="グループ化 20"/>
+            <p:cNvGrpSpPr/>
             <p:nvPr/>
-          </p:nvSpPr>
+          </p:nvGrpSpPr>
+          <p:grpSpPr>
+            <a:xfrm>
+              <a:off x="10925236" y="16919488"/>
+              <a:ext cx="4765441" cy="6353922"/>
+              <a:chOff x="10925236" y="16919488"/>
+              <a:chExt cx="4765441" cy="6353922"/>
+            </a:xfrm>
+          </p:grpSpPr>
+          <p:pic>
+            <p:nvPicPr>
+              <p:cNvPr id="111" name="図 110"/>
+              <p:cNvPicPr>
+                <a:picLocks noChangeAspect="1"/>
+              </p:cNvPicPr>
+              <p:nvPr/>
+            </p:nvPicPr>
+            <p:blipFill>
+              <a:blip r:embed="rId13">
+                <a:extLst>
+                  <a:ext uri="{28A0092B-C50C-407E-A947-70E740481C1C}">
+                    <a14:useLocalDpi xmlns:a14="http://schemas.microsoft.com/office/drawing/2010/main" val="0"/>
+                  </a:ext>
+                </a:extLst>
+              </a:blip>
+              <a:stretch>
+                <a:fillRect/>
+              </a:stretch>
+            </p:blipFill>
+            <p:spPr>
+              <a:xfrm>
+                <a:off x="10925236" y="16919488"/>
+                <a:ext cx="4765441" cy="6353922"/>
+              </a:xfrm>
+              <a:prstGeom prst="rect">
+                <a:avLst/>
+              </a:prstGeom>
+            </p:spPr>
+          </p:pic>
+          <p:pic>
+            <p:nvPicPr>
+              <p:cNvPr id="19" name="図 18"/>
+              <p:cNvPicPr>
+                <a:picLocks noChangeAspect="1"/>
+              </p:cNvPicPr>
+              <p:nvPr/>
+            </p:nvPicPr>
+            <p:blipFill>
+              <a:blip r:embed="rId14">
+                <a:extLst>
+                  <a:ext uri="{28A0092B-C50C-407E-A947-70E740481C1C}">
+                    <a14:useLocalDpi xmlns:a14="http://schemas.microsoft.com/office/drawing/2010/main" val="0"/>
+                  </a:ext>
+                </a:extLst>
+              </a:blip>
+              <a:stretch>
+                <a:fillRect/>
+              </a:stretch>
+            </p:blipFill>
+            <p:spPr>
+              <a:xfrm>
+                <a:off x="11122981" y="17464145"/>
+                <a:ext cx="621344" cy="751827"/>
+              </a:xfrm>
+              <a:prstGeom prst="rect">
+                <a:avLst/>
+              </a:prstGeom>
+            </p:spPr>
+          </p:pic>
+        </p:grpSp>
+        <p:pic>
+          <p:nvPicPr>
+            <p:cNvPr id="176" name="図 175"/>
+            <p:cNvPicPr>
+              <a:picLocks noChangeAspect="1"/>
+            </p:cNvPicPr>
+            <p:nvPr/>
+          </p:nvPicPr>
+          <p:blipFill>
+            <a:blip r:embed="rId15" cstate="print">
+              <a:grayscl/>
+              <a:extLst>
+                <a:ext uri="{BEBA8EAE-BF5A-486C-A8C5-ECC9F3942E4B}">
+                  <a14:imgProps xmlns:a14="http://schemas.microsoft.com/office/drawing/2010/main">
+                    <a14:imgLayer r:embed="rId16">
+                      <a14:imgEffect>
+                        <a14:saturation sat="400000"/>
+                      </a14:imgEffect>
+                    </a14:imgLayer>
+                  </a14:imgProps>
+                </a:ext>
+                <a:ext uri="{28A0092B-C50C-407E-A947-70E740481C1C}">
+                  <a14:useLocalDpi xmlns:a14="http://schemas.microsoft.com/office/drawing/2010/main" val="0"/>
+                </a:ext>
+              </a:extLst>
+            </a:blip>
+            <a:stretch>
+              <a:fillRect/>
+            </a:stretch>
+          </p:blipFill>
           <p:spPr>
-            <a:xfrm flipH="1">
-              <a:off x="141839" y="3126866"/>
-              <a:ext cx="311944" cy="311944"/>
+            <a:xfrm>
+              <a:off x="15204993" y="22777782"/>
+              <a:ext cx="316326" cy="326291"/>
             </a:xfrm>
-            <a:prstGeom prst="rtTriangle">
+            <a:prstGeom prst="rect">
               <a:avLst/>
             </a:prstGeom>
-            <a:solidFill>
-              <a:schemeClr val="accent1">
-                <a:lumMod val="50000"/>
-              </a:schemeClr>
-            </a:solidFill>
-            <a:ln>
-              <a:noFill/>
-            </a:ln>
           </p:spPr>
-          <p:style>
-            <a:lnRef idx="2">
-              <a:schemeClr val="accent1">
-                <a:shade val="50000"/>
-              </a:schemeClr>
-            </a:lnRef>
-            <a:fillRef idx="1">
-              <a:schemeClr val="accent1"/>
-            </a:fillRef>
-            <a:effectRef idx="0">
-              <a:schemeClr val="accent1"/>
-            </a:effectRef>
-            <a:fontRef idx="minor">
-              <a:schemeClr val="lt1"/>
-            </a:fontRef>
-          </p:style>
-          <p:txBody>
-            <a:bodyPr rtlCol="0" anchor="ctr"/>
-            <a:lstStyle/>
-            <a:p>
-              <a:pPr algn="ctr"/>
-              <a:endParaRPr kumimoji="1" lang="ja-JP" altLang="en-US"/>
-            </a:p>
-          </p:txBody>
-        </p:sp>
-        <p:sp>
-          <p:nvSpPr>
-            <p:cNvPr id="161" name="直角三角形 160"/>
-            <p:cNvSpPr/>
-            <p:nvPr/>
-          </p:nvSpPr>
-          <p:spPr>
-            <a:xfrm flipH="1">
-              <a:off x="123825" y="3105436"/>
-              <a:ext cx="311944" cy="311944"/>
-            </a:xfrm>
-            <a:prstGeom prst="rtTriangle">
-              <a:avLst/>
-            </a:prstGeom>
-            <a:ln>
-              <a:noFill/>
-            </a:ln>
-          </p:spPr>
-          <p:style>
-            <a:lnRef idx="2">
-              <a:schemeClr val="accent1">
-                <a:shade val="50000"/>
-              </a:schemeClr>
-            </a:lnRef>
-            <a:fillRef idx="1">
-              <a:schemeClr val="accent1"/>
-            </a:fillRef>
-            <a:effectRef idx="0">
-              <a:schemeClr val="accent1"/>
-            </a:effectRef>
-            <a:fontRef idx="minor">
-              <a:schemeClr val="lt1"/>
-            </a:fontRef>
-          </p:style>
-          <p:txBody>
-            <a:bodyPr rtlCol="0" anchor="ctr"/>
-            <a:lstStyle/>
-            <a:p>
-              <a:pPr algn="ctr"/>
-              <a:endParaRPr kumimoji="1" lang="ja-JP" altLang="en-US"/>
-            </a:p>
-          </p:txBody>
-        </p:sp>
+        </p:pic>
       </p:grpSp>
-      <p:grpSp>
-        <p:nvGrpSpPr>
-          <p:cNvPr id="162" name="グループ化 161"/>
-          <p:cNvGrpSpPr/>
-          <p:nvPr/>
-        </p:nvGrpSpPr>
-        <p:grpSpPr>
-          <a:xfrm>
-            <a:off x="11431330" y="13671497"/>
-            <a:ext cx="336642" cy="340127"/>
-            <a:chOff x="123825" y="3105436"/>
-            <a:chExt cx="329958" cy="333374"/>
-          </a:xfrm>
-        </p:grpSpPr>
-        <p:sp>
-          <p:nvSpPr>
-            <p:cNvPr id="163" name="直角三角形 162"/>
-            <p:cNvSpPr/>
-            <p:nvPr/>
-          </p:nvSpPr>
-          <p:spPr>
-            <a:xfrm flipH="1">
-              <a:off x="141839" y="3126866"/>
-              <a:ext cx="311944" cy="311944"/>
-            </a:xfrm>
-            <a:prstGeom prst="rtTriangle">
-              <a:avLst/>
-            </a:prstGeom>
-            <a:solidFill>
-              <a:schemeClr val="accent1">
-                <a:lumMod val="50000"/>
-              </a:schemeClr>
-            </a:solidFill>
-            <a:ln>
-              <a:noFill/>
-            </a:ln>
-          </p:spPr>
-          <p:style>
-            <a:lnRef idx="2">
-              <a:schemeClr val="accent1">
-                <a:shade val="50000"/>
-              </a:schemeClr>
-            </a:lnRef>
-            <a:fillRef idx="1">
-              <a:schemeClr val="accent1"/>
-            </a:fillRef>
-            <a:effectRef idx="0">
-              <a:schemeClr val="accent1"/>
-            </a:effectRef>
-            <a:fontRef idx="minor">
-              <a:schemeClr val="lt1"/>
-            </a:fontRef>
-          </p:style>
-          <p:txBody>
-            <a:bodyPr rtlCol="0" anchor="ctr"/>
-            <a:lstStyle/>
-            <a:p>
-              <a:pPr algn="ctr"/>
-              <a:endParaRPr kumimoji="1" lang="ja-JP" altLang="en-US"/>
-            </a:p>
-          </p:txBody>
-        </p:sp>
-        <p:sp>
-          <p:nvSpPr>
-            <p:cNvPr id="164" name="直角三角形 163"/>
-            <p:cNvSpPr/>
-            <p:nvPr/>
-          </p:nvSpPr>
-          <p:spPr>
-            <a:xfrm flipH="1">
-              <a:off x="123825" y="3105436"/>
-              <a:ext cx="311944" cy="311944"/>
-            </a:xfrm>
-            <a:prstGeom prst="rtTriangle">
-              <a:avLst/>
-            </a:prstGeom>
-            <a:ln>
-              <a:noFill/>
-            </a:ln>
-          </p:spPr>
-          <p:style>
-            <a:lnRef idx="2">
-              <a:schemeClr val="accent1">
-                <a:shade val="50000"/>
-              </a:schemeClr>
-            </a:lnRef>
-            <a:fillRef idx="1">
-              <a:schemeClr val="accent1"/>
-            </a:fillRef>
-            <a:effectRef idx="0">
-              <a:schemeClr val="accent1"/>
-            </a:effectRef>
-            <a:fontRef idx="minor">
-              <a:schemeClr val="lt1"/>
-            </a:fontRef>
-          </p:style>
-          <p:txBody>
-            <a:bodyPr rtlCol="0" anchor="ctr"/>
-            <a:lstStyle/>
-            <a:p>
-              <a:pPr algn="ctr"/>
-              <a:endParaRPr kumimoji="1" lang="ja-JP" altLang="en-US"/>
-            </a:p>
-          </p:txBody>
-        </p:sp>
-      </p:grpSp>
-      <p:grpSp>
-        <p:nvGrpSpPr>
-          <p:cNvPr id="165" name="グループ化 164"/>
-          <p:cNvGrpSpPr/>
-          <p:nvPr/>
-        </p:nvGrpSpPr>
-        <p:grpSpPr>
-          <a:xfrm>
-            <a:off x="939662" y="16692599"/>
-            <a:ext cx="336642" cy="340127"/>
-            <a:chOff x="123825" y="3105436"/>
-            <a:chExt cx="329958" cy="333374"/>
-          </a:xfrm>
-        </p:grpSpPr>
-        <p:sp>
-          <p:nvSpPr>
-            <p:cNvPr id="166" name="直角三角形 165"/>
-            <p:cNvSpPr/>
-            <p:nvPr/>
-          </p:nvSpPr>
-          <p:spPr>
-            <a:xfrm flipH="1">
-              <a:off x="141839" y="3126866"/>
-              <a:ext cx="311944" cy="311944"/>
-            </a:xfrm>
-            <a:prstGeom prst="rtTriangle">
-              <a:avLst/>
-            </a:prstGeom>
-            <a:solidFill>
-              <a:schemeClr val="accent1">
-                <a:lumMod val="50000"/>
-              </a:schemeClr>
-            </a:solidFill>
-            <a:ln>
-              <a:noFill/>
-            </a:ln>
-          </p:spPr>
-          <p:style>
-            <a:lnRef idx="2">
-              <a:schemeClr val="accent1">
-                <a:shade val="50000"/>
-              </a:schemeClr>
-            </a:lnRef>
-            <a:fillRef idx="1">
-              <a:schemeClr val="accent1"/>
-            </a:fillRef>
-            <a:effectRef idx="0">
-              <a:schemeClr val="accent1"/>
-            </a:effectRef>
-            <a:fontRef idx="minor">
-              <a:schemeClr val="lt1"/>
-            </a:fontRef>
-          </p:style>
-          <p:txBody>
-            <a:bodyPr rtlCol="0" anchor="ctr"/>
-            <a:lstStyle/>
-            <a:p>
-              <a:pPr algn="ctr"/>
-              <a:endParaRPr kumimoji="1" lang="ja-JP" altLang="en-US"/>
-            </a:p>
-          </p:txBody>
-        </p:sp>
-        <p:sp>
-          <p:nvSpPr>
-            <p:cNvPr id="167" name="直角三角形 166"/>
-            <p:cNvSpPr/>
-            <p:nvPr/>
-          </p:nvSpPr>
-          <p:spPr>
-            <a:xfrm flipH="1">
-              <a:off x="123825" y="3105436"/>
-              <a:ext cx="311944" cy="311944"/>
-            </a:xfrm>
-            <a:prstGeom prst="rtTriangle">
-              <a:avLst/>
-            </a:prstGeom>
-            <a:ln>
-              <a:noFill/>
-            </a:ln>
-          </p:spPr>
-          <p:style>
-            <a:lnRef idx="2">
-              <a:schemeClr val="accent1">
-                <a:shade val="50000"/>
-              </a:schemeClr>
-            </a:lnRef>
-            <a:fillRef idx="1">
-              <a:schemeClr val="accent1"/>
-            </a:fillRef>
-            <a:effectRef idx="0">
-              <a:schemeClr val="accent1"/>
-            </a:effectRef>
-            <a:fontRef idx="minor">
-              <a:schemeClr val="lt1"/>
-            </a:fontRef>
-          </p:style>
-          <p:txBody>
-            <a:bodyPr rtlCol="0" anchor="ctr"/>
-            <a:lstStyle/>
-            <a:p>
-              <a:pPr algn="ctr"/>
-              <a:endParaRPr kumimoji="1" lang="ja-JP" altLang="en-US"/>
-            </a:p>
-          </p:txBody>
-        </p:sp>
-      </p:grpSp>
-      <p:grpSp>
-        <p:nvGrpSpPr>
-          <p:cNvPr id="168" name="グループ化 167"/>
-          <p:cNvGrpSpPr/>
-          <p:nvPr/>
-        </p:nvGrpSpPr>
-        <p:grpSpPr>
-          <a:xfrm>
-            <a:off x="11351708" y="27772385"/>
-            <a:ext cx="336642" cy="340127"/>
-            <a:chOff x="123825" y="3105436"/>
-            <a:chExt cx="329958" cy="333374"/>
-          </a:xfrm>
-        </p:grpSpPr>
-        <p:sp>
-          <p:nvSpPr>
-            <p:cNvPr id="169" name="直角三角形 168"/>
-            <p:cNvSpPr/>
-            <p:nvPr/>
-          </p:nvSpPr>
-          <p:spPr>
-            <a:xfrm flipH="1">
-              <a:off x="141839" y="3126866"/>
-              <a:ext cx="311944" cy="311944"/>
-            </a:xfrm>
-            <a:prstGeom prst="rtTriangle">
-              <a:avLst/>
-            </a:prstGeom>
-            <a:solidFill>
-              <a:schemeClr val="accent1">
-                <a:lumMod val="50000"/>
-              </a:schemeClr>
-            </a:solidFill>
-            <a:ln>
-              <a:noFill/>
-            </a:ln>
-          </p:spPr>
-          <p:style>
-            <a:lnRef idx="2">
-              <a:schemeClr val="accent1">
-                <a:shade val="50000"/>
-              </a:schemeClr>
-            </a:lnRef>
-            <a:fillRef idx="1">
-              <a:schemeClr val="accent1"/>
-            </a:fillRef>
-            <a:effectRef idx="0">
-              <a:schemeClr val="accent1"/>
-            </a:effectRef>
-            <a:fontRef idx="minor">
-              <a:schemeClr val="lt1"/>
-            </a:fontRef>
-          </p:style>
-          <p:txBody>
-            <a:bodyPr rtlCol="0" anchor="ctr"/>
-            <a:lstStyle/>
-            <a:p>
-              <a:pPr algn="ctr"/>
-              <a:endParaRPr kumimoji="1" lang="ja-JP" altLang="en-US"/>
-            </a:p>
-          </p:txBody>
-        </p:sp>
-        <p:sp>
-          <p:nvSpPr>
-            <p:cNvPr id="170" name="直角三角形 169"/>
-            <p:cNvSpPr/>
-            <p:nvPr/>
-          </p:nvSpPr>
-          <p:spPr>
-            <a:xfrm flipH="1">
-              <a:off x="123825" y="3105436"/>
-              <a:ext cx="311944" cy="311944"/>
-            </a:xfrm>
-            <a:prstGeom prst="rtTriangle">
-              <a:avLst/>
-            </a:prstGeom>
-            <a:ln>
-              <a:noFill/>
-            </a:ln>
-          </p:spPr>
-          <p:style>
-            <a:lnRef idx="2">
-              <a:schemeClr val="accent1">
-                <a:shade val="50000"/>
-              </a:schemeClr>
-            </a:lnRef>
-            <a:fillRef idx="1">
-              <a:schemeClr val="accent1"/>
-            </a:fillRef>
-            <a:effectRef idx="0">
-              <a:schemeClr val="accent1"/>
-            </a:effectRef>
-            <a:fontRef idx="minor">
-              <a:schemeClr val="lt1"/>
-            </a:fontRef>
-          </p:style>
-          <p:txBody>
-            <a:bodyPr rtlCol="0" anchor="ctr"/>
-            <a:lstStyle/>
-            <a:p>
-              <a:pPr algn="ctr"/>
-              <a:endParaRPr kumimoji="1" lang="ja-JP" altLang="en-US"/>
-            </a:p>
-          </p:txBody>
-        </p:sp>
-      </p:grpSp>
+      <p:sp>
+        <p:nvSpPr>
+          <p:cNvPr id="155" name="テキスト ボックス 154"/>
+          <p:cNvSpPr txBox="1"/>
+          <p:nvPr/>
+        </p:nvSpPr>
+        <p:spPr>
+          <a:xfrm flipH="1">
+            <a:off x="11592536" y="13739627"/>
+            <a:ext cx="200575" cy="307777"/>
+          </a:xfrm>
+          <a:prstGeom prst="rect">
+            <a:avLst/>
+          </a:prstGeom>
+          <a:noFill/>
+        </p:spPr>
+        <p:txBody>
+          <a:bodyPr wrap="square" rtlCol="0" anchor="ctr">
+            <a:spAutoFit/>
+          </a:bodyPr>
+          <a:lstStyle/>
+          <a:p>
+            <a:pPr algn="ctr"/>
+            <a:r>
+              <a:rPr lang="ja-JP" altLang="en-US" sz="1400" dirty="0">
+                <a:solidFill>
+                  <a:srgbClr val="42BFEE"/>
+                </a:solidFill>
+                <a:latin typeface="HGS明朝E" panose="02020900000000000000" pitchFamily="18" charset="-128"/>
+                <a:ea typeface="HGS明朝E" panose="02020900000000000000" pitchFamily="18" charset="-128"/>
+              </a:rPr>
+              <a:t>欅</a:t>
+            </a:r>
+            <a:endParaRPr lang="en-US" altLang="ja-JP" sz="1400" dirty="0">
+              <a:solidFill>
+                <a:srgbClr val="42BFEE"/>
+              </a:solidFill>
+              <a:latin typeface="HGS明朝E" panose="02020900000000000000" pitchFamily="18" charset="-128"/>
+              <a:ea typeface="HGS明朝E" panose="02020900000000000000" pitchFamily="18" charset="-128"/>
+            </a:endParaRPr>
+          </a:p>
+        </p:txBody>
+      </p:sp>
     </p:spTree>
     <p:extLst>
       <p:ext uri="{BB962C8B-B14F-4D97-AF65-F5344CB8AC3E}">

--- a/課題研究/2016/鈴木博文/最終発表/1442068_鈴木博文_ポスター.pptx
+++ b/課題研究/2016/鈴木博文/最終発表/1442068_鈴木博文_ポスター.pptx
@@ -7687,7 +7687,7 @@
       </p:grpSp>
       <p:grpSp>
         <p:nvGrpSpPr>
-          <p:cNvPr id="29" name="グループ化 28"/>
+          <p:cNvPr id="21" name="グループ化 20"/>
           <p:cNvGrpSpPr/>
           <p:nvPr/>
         </p:nvGrpSpPr>
@@ -7699,102 +7699,17 @@
             <a:chExt cx="4765441" cy="6353922"/>
           </a:xfrm>
         </p:grpSpPr>
-        <p:grpSp>
-          <p:nvGrpSpPr>
-            <p:cNvPr id="21" name="グループ化 20"/>
-            <p:cNvGrpSpPr/>
-            <p:nvPr/>
-          </p:nvGrpSpPr>
-          <p:grpSpPr>
-            <a:xfrm>
-              <a:off x="10925236" y="16919488"/>
-              <a:ext cx="4765441" cy="6353922"/>
-              <a:chOff x="10925236" y="16919488"/>
-              <a:chExt cx="4765441" cy="6353922"/>
-            </a:xfrm>
-          </p:grpSpPr>
-          <p:pic>
-            <p:nvPicPr>
-              <p:cNvPr id="111" name="図 110"/>
-              <p:cNvPicPr>
-                <a:picLocks noChangeAspect="1"/>
-              </p:cNvPicPr>
-              <p:nvPr/>
-            </p:nvPicPr>
-            <p:blipFill>
-              <a:blip r:embed="rId13">
-                <a:extLst>
-                  <a:ext uri="{28A0092B-C50C-407E-A947-70E740481C1C}">
-                    <a14:useLocalDpi xmlns:a14="http://schemas.microsoft.com/office/drawing/2010/main" val="0"/>
-                  </a:ext>
-                </a:extLst>
-              </a:blip>
-              <a:stretch>
-                <a:fillRect/>
-              </a:stretch>
-            </p:blipFill>
-            <p:spPr>
-              <a:xfrm>
-                <a:off x="10925236" y="16919488"/>
-                <a:ext cx="4765441" cy="6353922"/>
-              </a:xfrm>
-              <a:prstGeom prst="rect">
-                <a:avLst/>
-              </a:prstGeom>
-            </p:spPr>
-          </p:pic>
-          <p:pic>
-            <p:nvPicPr>
-              <p:cNvPr id="19" name="図 18"/>
-              <p:cNvPicPr>
-                <a:picLocks noChangeAspect="1"/>
-              </p:cNvPicPr>
-              <p:nvPr/>
-            </p:nvPicPr>
-            <p:blipFill>
-              <a:blip r:embed="rId14">
-                <a:extLst>
-                  <a:ext uri="{28A0092B-C50C-407E-A947-70E740481C1C}">
-                    <a14:useLocalDpi xmlns:a14="http://schemas.microsoft.com/office/drawing/2010/main" val="0"/>
-                  </a:ext>
-                </a:extLst>
-              </a:blip>
-              <a:stretch>
-                <a:fillRect/>
-              </a:stretch>
-            </p:blipFill>
-            <p:spPr>
-              <a:xfrm>
-                <a:off x="11122981" y="17464145"/>
-                <a:ext cx="621344" cy="751827"/>
-              </a:xfrm>
-              <a:prstGeom prst="rect">
-                <a:avLst/>
-              </a:prstGeom>
-            </p:spPr>
-          </p:pic>
-        </p:grpSp>
         <p:pic>
           <p:nvPicPr>
-            <p:cNvPr id="176" name="図 175"/>
+            <p:cNvPr id="111" name="図 110"/>
             <p:cNvPicPr>
               <a:picLocks noChangeAspect="1"/>
             </p:cNvPicPr>
             <p:nvPr/>
           </p:nvPicPr>
           <p:blipFill>
-            <a:blip r:embed="rId15" cstate="print">
-              <a:grayscl/>
+            <a:blip r:embed="rId13">
               <a:extLst>
-                <a:ext uri="{BEBA8EAE-BF5A-486C-A8C5-ECC9F3942E4B}">
-                  <a14:imgProps xmlns:a14="http://schemas.microsoft.com/office/drawing/2010/main">
-                    <a14:imgLayer r:embed="rId16">
-                      <a14:imgEffect>
-                        <a14:saturation sat="400000"/>
-                      </a14:imgEffect>
-                    </a14:imgLayer>
-                  </a14:imgProps>
-                </a:ext>
                 <a:ext uri="{28A0092B-C50C-407E-A947-70E740481C1C}">
                   <a14:useLocalDpi xmlns:a14="http://schemas.microsoft.com/office/drawing/2010/main" val="0"/>
                 </a:ext>
@@ -7806,8 +7721,38 @@
           </p:blipFill>
           <p:spPr>
             <a:xfrm>
-              <a:off x="15204993" y="22777782"/>
-              <a:ext cx="316326" cy="326291"/>
+              <a:off x="10925236" y="16919488"/>
+              <a:ext cx="4765441" cy="6353922"/>
+            </a:xfrm>
+            <a:prstGeom prst="rect">
+              <a:avLst/>
+            </a:prstGeom>
+          </p:spPr>
+        </p:pic>
+        <p:pic>
+          <p:nvPicPr>
+            <p:cNvPr id="19" name="図 18"/>
+            <p:cNvPicPr>
+              <a:picLocks noChangeAspect="1"/>
+            </p:cNvPicPr>
+            <p:nvPr/>
+          </p:nvPicPr>
+          <p:blipFill>
+            <a:blip r:embed="rId14">
+              <a:extLst>
+                <a:ext uri="{28A0092B-C50C-407E-A947-70E740481C1C}">
+                  <a14:useLocalDpi xmlns:a14="http://schemas.microsoft.com/office/drawing/2010/main" val="0"/>
+                </a:ext>
+              </a:extLst>
+            </a:blip>
+            <a:stretch>
+              <a:fillRect/>
+            </a:stretch>
+          </p:blipFill>
+          <p:spPr>
+            <a:xfrm>
+              <a:off x="11122981" y="17464145"/>
+              <a:ext cx="621344" cy="751827"/>
             </a:xfrm>
             <a:prstGeom prst="rect">
               <a:avLst/>
@@ -7858,6 +7803,36 @@
           </a:p>
         </p:txBody>
       </p:sp>
+      <p:pic>
+        <p:nvPicPr>
+          <p:cNvPr id="8" name="図 7"/>
+          <p:cNvPicPr>
+            <a:picLocks noChangeAspect="1"/>
+          </p:cNvPicPr>
+          <p:nvPr/>
+        </p:nvPicPr>
+        <p:blipFill>
+          <a:blip r:embed="rId15" cstate="print">
+            <a:extLst>
+              <a:ext uri="{28A0092B-C50C-407E-A947-70E740481C1C}">
+                <a14:useLocalDpi xmlns:a14="http://schemas.microsoft.com/office/drawing/2010/main" val="0"/>
+              </a:ext>
+            </a:extLst>
+          </a:blip>
+          <a:stretch>
+            <a:fillRect/>
+          </a:stretch>
+        </p:blipFill>
+        <p:spPr>
+          <a:xfrm>
+            <a:off x="15141270" y="22836169"/>
+            <a:ext cx="215412" cy="222197"/>
+          </a:xfrm>
+          <a:prstGeom prst="rect">
+            <a:avLst/>
+          </a:prstGeom>
+        </p:spPr>
+      </p:pic>
     </p:spTree>
     <p:extLst>
       <p:ext uri="{BB962C8B-B14F-4D97-AF65-F5344CB8AC3E}">
